--- a/group A194.pptx
+++ b/group A194.pptx
@@ -150,14 +150,6 @@
 </p:presentation>
 </file>
 
-<file path=ppt/revisionInfo.xml><?xml version="1.0" encoding="utf-8"?>
-<p1510:revInfo xmlns:a="http://schemas.openxmlformats.org/drawingml/2006/main" xmlns:r="http://schemas.openxmlformats.org/officeDocument/2006/relationships" xmlns:p1510="http://schemas.microsoft.com/office/powerpoint/2015/10/main">
-  <p1510:revLst>
-    <p1510:client id="{F7471A1C-E7E4-4F26-82C7-E9B21351B1F7}" v="4" dt="2024-11-15T21:21:31.506"/>
-  </p1510:revLst>
-</p1510:revInfo>
-</file>
-
 <file path=ppt/changesInfos/changesInfo1.xml><?xml version="1.0" encoding="utf-8"?>
 <pc:chgInfo xmlns:a="http://schemas.openxmlformats.org/drawingml/2006/main" xmlns:r="http://schemas.openxmlformats.org/officeDocument/2006/relationships" xmlns:ac="http://schemas.microsoft.com/office/drawing/2013/main/command" xmlns:pc="http://schemas.microsoft.com/office/powerpoint/2013/main/command">
   <pc:docChgLst>
@@ -200,6 +192,30 @@
       </pc:sldChg>
     </pc:docChg>
   </pc:docChgLst>
+  <pc:docChgLst>
+    <pc:chgData name="Ranan Barua [Student-PECS]" userId="a2a17731-56e9-49ff-a9b1-e46b63e7787c" providerId="ADAL" clId="{792D9F46-2757-4F99-9674-09DA8544DA52}"/>
+    <pc:docChg chg="modSld">
+      <pc:chgData name="Ranan Barua [Student-PECS]" userId="a2a17731-56e9-49ff-a9b1-e46b63e7787c" providerId="ADAL" clId="{792D9F46-2757-4F99-9674-09DA8544DA52}" dt="2024-11-20T22:13:19.137" v="0" actId="20577"/>
+      <pc:docMkLst>
+        <pc:docMk/>
+      </pc:docMkLst>
+      <pc:sldChg chg="modSp mod">
+        <pc:chgData name="Ranan Barua [Student-PECS]" userId="a2a17731-56e9-49ff-a9b1-e46b63e7787c" providerId="ADAL" clId="{792D9F46-2757-4F99-9674-09DA8544DA52}" dt="2024-11-20T22:13:19.137" v="0" actId="20577"/>
+        <pc:sldMkLst>
+          <pc:docMk/>
+          <pc:sldMk cId="32494612" sldId="336"/>
+        </pc:sldMkLst>
+        <pc:spChg chg="mod">
+          <ac:chgData name="Ranan Barua [Student-PECS]" userId="a2a17731-56e9-49ff-a9b1-e46b63e7787c" providerId="ADAL" clId="{792D9F46-2757-4F99-9674-09DA8544DA52}" dt="2024-11-20T22:13:19.137" v="0" actId="20577"/>
+          <ac:spMkLst>
+            <pc:docMk/>
+            <pc:sldMk cId="32494612" sldId="336"/>
+            <ac:spMk id="5" creationId="{3440DA25-F620-152B-DE9E-776F7B74DFF0}"/>
+          </ac:spMkLst>
+        </pc:spChg>
+      </pc:sldChg>
+    </pc:docChg>
+  </pc:docChgLst>
 </pc:chgInfo>
 </file>
 
@@ -298,7 +314,7 @@
             <a:fld id="{93FAAC3A-BD1F-4A00-9099-74B95789FE00}" type="datetimeFigureOut">
               <a:rPr lang="en-GB" smtClean="0"/>
               <a:pPr/>
-              <a:t>15/11/2024</a:t>
+              <a:t>20/11/2024</a:t>
             </a:fld>
             <a:endParaRPr lang="en-GB"/>
           </a:p>
@@ -477,7 +493,7 @@
             <a:fld id="{8E359C8A-39F6-4045-9163-4042C4C26B15}" type="datetimeFigureOut">
               <a:rPr lang="en-GB" smtClean="0"/>
               <a:pPr/>
-              <a:t>15/11/2024</a:t>
+              <a:t>20/11/2024</a:t>
             </a:fld>
             <a:endParaRPr lang="en-GB"/>
           </a:p>
@@ -5471,7 +5487,7 @@
                 <a:ea typeface="Calibri" panose="020F0502020204030204" pitchFamily="34" charset="0"/>
                 <a:cs typeface="Times New Roman" panose="02020603050405020304" pitchFamily="18" charset="0"/>
               </a:rPr>
-              <a:t>Is there a difference in the mean quality rating between wines with low alcohol content and wine with hig</a:t>
+              <a:t>Is there a difference in the mean quality rating between wines with low alcohol content and wines with hig</a:t>
             </a:r>
             <a:r>
               <a:rPr lang="en-IE" sz="2400" b="0" dirty="0">
@@ -5609,16 +5625,10 @@
               <a:rPr lang="en-GB" sz="2400" b="0" spc="0" dirty="0">
                 <a:latin typeface="Raleway" pitchFamily="2" charset="0"/>
               </a:rPr>
-              <a:t>) :There is a difference in the mean quality rating between wines with low alcohol content and wines with </a:t>
-            </a:r>
-            <a:r>
-              <a:rPr lang="en-GB" sz="2400" b="0" spc="0">
-                <a:latin typeface="Raleway" pitchFamily="2" charset="0"/>
-              </a:rPr>
-              <a:t>high alcohol content</a:t>
-            </a:r>
-            <a:r>
-              <a:rPr lang="en-GB" sz="2400" b="0" spc="0">
+              <a:t>) :There is a difference in the mean quality rating between wines with low alcohol content and wines with high alcohol content</a:t>
+            </a:r>
+            <a:r>
+              <a:rPr lang="en-GB" sz="2400" b="0" spc="0" dirty="0">
                 <a:solidFill>
                   <a:schemeClr val="accent5">
                     <a:lumMod val="75000"/>
@@ -6687,6 +6697,15 @@
 </file>
 
 <file path=customXml/item1.xml><?xml version="1.0" encoding="utf-8"?>
+<?mso-contentType ?>
+<FormTemplates xmlns="http://schemas.microsoft.com/sharepoint/v3/contenttype/forms">
+  <Display>DocumentLibraryForm</Display>
+  <Edit>DocumentLibraryForm</Edit>
+  <New>DocumentLibraryForm</New>
+</FormTemplates>
+</file>
+
+<file path=customXml/item2.xml><?xml version="1.0" encoding="utf-8"?>
 <ct:contentTypeSchema xmlns:ct="http://schemas.microsoft.com/office/2006/metadata/contentType" xmlns:ma="http://schemas.microsoft.com/office/2006/metadata/properties/metaAttributes" ct:_="" ma:_="" ma:contentTypeName="Document" ma:contentTypeID="0x01010026DBA85F447B164191BB36C258697B67" ma:contentTypeVersion="14" ma:contentTypeDescription="Create a new document." ma:contentTypeScope="" ma:versionID="ea511d05ca7f895fe9556935b5c9af34">
   <xsd:schema xmlns:xsd="http://www.w3.org/2001/XMLSchema" xmlns:xs="http://www.w3.org/2001/XMLSchema" xmlns:p="http://schemas.microsoft.com/office/2006/metadata/properties" xmlns:ns2="4ad138b4-2b68-4b70-945d-07f8f18b1c9a" xmlns:ns3="3c474641-ec36-472f-b125-6b1b0910eaa4" targetNamespace="http://schemas.microsoft.com/office/2006/metadata/properties" ma:root="true" ma:fieldsID="662270106d7a7e100bcac2c5f8d29899" ns2:_="" ns3:_="">
     <xsd:import namespace="4ad138b4-2b68-4b70-945d-07f8f18b1c9a"/>
@@ -6911,15 +6930,6 @@
 </ct:contentTypeSchema>
 </file>
 
-<file path=customXml/item2.xml><?xml version="1.0" encoding="utf-8"?>
-<?mso-contentType ?>
-<FormTemplates xmlns="http://schemas.microsoft.com/sharepoint/v3/contenttype/forms">
-  <Display>DocumentLibraryForm</Display>
-  <Edit>DocumentLibraryForm</Edit>
-  <New>DocumentLibraryForm</New>
-</FormTemplates>
-</file>
-
 <file path=customXml/item3.xml><?xml version="1.0" encoding="utf-8"?>
 <p:properties xmlns:p="http://schemas.microsoft.com/office/2006/metadata/properties" xmlns:xsi="http://www.w3.org/2001/XMLSchema-instance" xmlns:pc="http://schemas.microsoft.com/office/infopath/2007/PartnerControls">
   <documentManagement>
@@ -6929,6 +6939,14 @@
 </file>
 
 <file path=customXml/itemProps1.xml><?xml version="1.0" encoding="utf-8"?>
+<ds:datastoreItem xmlns:ds="http://schemas.openxmlformats.org/officeDocument/2006/customXml" ds:itemID="{91C521DD-2673-4EE6-BB9B-DC5C3320FFBB}">
+  <ds:schemaRefs>
+    <ds:schemaRef ds:uri="http://schemas.microsoft.com/sharepoint/v3/contenttype/forms"/>
+  </ds:schemaRefs>
+</ds:datastoreItem>
+</file>
+
+<file path=customXml/itemProps2.xml><?xml version="1.0" encoding="utf-8"?>
 <ds:datastoreItem xmlns:ds="http://schemas.openxmlformats.org/officeDocument/2006/customXml" ds:itemID="{421B8C57-903D-4D0E-8336-7B512F760CD1}">
   <ds:schemaRefs>
     <ds:schemaRef ds:uri="http://schemas.microsoft.com/office/2006/metadata/contentType"/>
@@ -6943,14 +6961,6 @@
     <ds:schemaRef ds:uri="http://purl.org/dc/elements/1.1/"/>
     <ds:schemaRef ds:uri="http://purl.org/dc/terms/"/>
     <ds:schemaRef ds:uri="http://schemas.microsoft.com/internal/obd"/>
-  </ds:schemaRefs>
-</ds:datastoreItem>
-</file>
-
-<file path=customXml/itemProps2.xml><?xml version="1.0" encoding="utf-8"?>
-<ds:datastoreItem xmlns:ds="http://schemas.openxmlformats.org/officeDocument/2006/customXml" ds:itemID="{91C521DD-2673-4EE6-BB9B-DC5C3320FFBB}">
-  <ds:schemaRefs>
-    <ds:schemaRef ds:uri="http://schemas.microsoft.com/sharepoint/v3/contenttype/forms"/>
   </ds:schemaRefs>
 </ds:datastoreItem>
 </file>

--- a/group A194.pptx
+++ b/group A194.pptx
@@ -5,16 +5,19 @@
     <p:sldMasterId id="2147483648" r:id="rId4"/>
   </p:sldMasterIdLst>
   <p:notesMasterIdLst>
-    <p:notesMasterId r:id="rId9"/>
+    <p:notesMasterId r:id="rId12"/>
   </p:notesMasterIdLst>
   <p:handoutMasterIdLst>
-    <p:handoutMasterId r:id="rId10"/>
+    <p:handoutMasterId r:id="rId13"/>
   </p:handoutMasterIdLst>
   <p:sldIdLst>
     <p:sldId id="289" r:id="rId5"/>
-    <p:sldId id="329" r:id="rId6"/>
-    <p:sldId id="336" r:id="rId7"/>
-    <p:sldId id="339" r:id="rId8"/>
+    <p:sldId id="341" r:id="rId6"/>
+    <p:sldId id="329" r:id="rId7"/>
+    <p:sldId id="340" r:id="rId8"/>
+    <p:sldId id="342" r:id="rId9"/>
+    <p:sldId id="259" r:id="rId10"/>
+    <p:sldId id="262" r:id="rId11"/>
   </p:sldIdLst>
   <p:sldSz cx="12192000" cy="6858000"/>
   <p:notesSz cx="6858000" cy="9144000"/>
@@ -314,7 +317,7 @@
             <a:fld id="{93FAAC3A-BD1F-4A00-9099-74B95789FE00}" type="datetimeFigureOut">
               <a:rPr lang="en-GB" smtClean="0"/>
               <a:pPr/>
-              <a:t>20/11/2024</a:t>
+              <a:t>25/11/2024</a:t>
             </a:fld>
             <a:endParaRPr lang="en-GB"/>
           </a:p>
@@ -408,6 +411,34 @@
   </p:cSld>
   <p:clrMap bg1="lt1" tx1="dk1" bg2="lt2" tx2="dk2" accent1="accent1" accent2="accent2" accent3="accent3" accent4="accent4" accent5="accent5" accent6="accent6" hlink="hlink" folHlink="folHlink"/>
 </p:handoutMaster>
+</file>
+
+<file path=ppt/ink/ink1.xml><?xml version="1.0" encoding="utf-8"?>
+<inkml:ink xmlns:inkml="http://www.w3.org/2003/InkML">
+  <inkml:definitions>
+    <inkml:context xml:id="ctx0">
+      <inkml:inkSource xml:id="inkSrc0">
+        <inkml:traceFormat>
+          <inkml:channel name="X" type="integer" min="-2.14748E9" max="2.14748E9" units="cm"/>
+          <inkml:channel name="Y" type="integer" min="-2.14748E9" max="2.14748E9" units="cm"/>
+          <inkml:channel name="F" type="integer" max="32767" units="dev"/>
+        </inkml:traceFormat>
+        <inkml:channelProperties>
+          <inkml:channelProperty channel="X" name="resolution" value="1000" units="1/cm"/>
+          <inkml:channelProperty channel="Y" name="resolution" value="1000" units="1/cm"/>
+          <inkml:channelProperty channel="F" name="resolution" value="0" units="1/dev"/>
+        </inkml:channelProperties>
+      </inkml:inkSource>
+      <inkml:timestamp xml:id="ts0" timeString="2022-11-23T12:25:27.524"/>
+    </inkml:context>
+    <inkml:brush xml:id="br0">
+      <inkml:brushProperty name="width" value="0.1" units="cm"/>
+      <inkml:brushProperty name="height" value="0.1" units="cm"/>
+      <inkml:brushProperty name="color" value="#E71224"/>
+    </inkml:brush>
+  </inkml:definitions>
+  <inkml:trace contextRef="#ctx0" brushRef="#br0">0 0 24575,'0'0'-8191</inkml:trace>
+</inkml:ink>
 </file>
 
 <file path=ppt/notesMasters/notesMaster1.xml><?xml version="1.0" encoding="utf-8"?>
@@ -493,7 +524,7 @@
             <a:fld id="{8E359C8A-39F6-4045-9163-4042C4C26B15}" type="datetimeFigureOut">
               <a:rPr lang="en-GB" smtClean="0"/>
               <a:pPr/>
-              <a:t>20/11/2024</a:t>
+              <a:t>25/11/2024</a:t>
             </a:fld>
             <a:endParaRPr lang="en-GB"/>
           </a:p>
@@ -806,27 +837,7 @@
           <a:bodyPr/>
           <a:lstStyle/>
           <a:p>
-            <a:r>
-              <a:rPr lang="en-GB" dirty="0"/>
-              <a:t>Before specifying your Research Question you must define the type of data you are analysing.  Are the variables you select interval data (measurement data you can divide, multiple, etc),  OR are they ordinal (there is a definite order but the intervals between each variable are not necessarily equal, or the terms might be subjective like in a </a:t>
-            </a:r>
-            <a:r>
-              <a:rPr lang="en-GB" dirty="0" err="1"/>
-              <a:t>likert</a:t>
-            </a:r>
-            <a:r>
-              <a:rPr lang="en-GB" dirty="0"/>
-              <a:t> scale); OR are they just categorical/nominal (Items such as film names, cities, etc., that you can count numbers of occurrences?   You also need to understand whether the variable is either dependent or independent and this will vary according to the context. Independent variables may cause an effect, whereas the dependent variable might be effected by the independent variable.  Check the lecture notes on the RQ for more information and examples.  </a:t>
-            </a:r>
-          </a:p>
-          <a:p>
             <a:endParaRPr lang="en-GB" dirty="0"/>
-          </a:p>
-          <a:p>
-            <a:r>
-              <a:rPr lang="en-GB" dirty="0"/>
-              <a:t>You will get only one opportunity to present your Research Question ahead of the submission date.  Have your questions ready, and be ready to take notes on feedback.</a:t>
-            </a:r>
           </a:p>
         </p:txBody>
       </p:sp>
@@ -848,7 +859,7 @@
             <a:fld id="{30370952-48CC-46D7-9FCD-59FAD40CC025}" type="slidenum">
               <a:rPr lang="en-GB" smtClean="0"/>
               <a:pPr/>
-              <a:t>2</a:t>
+              <a:t>3</a:t>
             </a:fld>
             <a:endParaRPr lang="en-GB"/>
           </a:p>
@@ -933,7 +944,7 @@
             <a:fld id="{30370952-48CC-46D7-9FCD-59FAD40CC025}" type="slidenum">
               <a:rPr lang="en-GB" smtClean="0"/>
               <a:pPr/>
-              <a:t>3</a:t>
+              <a:t>4</a:t>
             </a:fld>
             <a:endParaRPr lang="en-GB"/>
           </a:p>
@@ -942,9 +953,127 @@
     </p:spTree>
     <p:extLst>
       <p:ext uri="{BB962C8B-B14F-4D97-AF65-F5344CB8AC3E}">
-        <p14:creationId xmlns:p14="http://schemas.microsoft.com/office/powerpoint/2010/main" val="2667984944"/>
+        <p14:creationId xmlns:p14="http://schemas.microsoft.com/office/powerpoint/2010/main" val="3934570700"/>
       </p:ext>
     </p:extLst>
+  </p:cSld>
+  <p:clrMapOvr>
+    <a:masterClrMapping/>
+  </p:clrMapOvr>
+</p:notes>
+</file>
+
+<file path=ppt/notesSlides/notesSlide3.xml><?xml version="1.0" encoding="utf-8"?>
+<p:notes xmlns:a="http://schemas.openxmlformats.org/drawingml/2006/main" xmlns:r="http://schemas.openxmlformats.org/officeDocument/2006/relationships" xmlns:p="http://schemas.openxmlformats.org/presentationml/2006/main">
+  <p:cSld>
+    <p:spTree>
+      <p:nvGrpSpPr>
+        <p:cNvPr id="1" name=""/>
+        <p:cNvGrpSpPr/>
+        <p:nvPr/>
+      </p:nvGrpSpPr>
+      <p:grpSpPr>
+        <a:xfrm>
+          <a:off x="0" y="0"/>
+          <a:ext cx="0" cy="0"/>
+          <a:chOff x="0" y="0"/>
+          <a:chExt cx="0" cy="0"/>
+        </a:xfrm>
+      </p:grpSpPr>
+      <p:sp>
+        <p:nvSpPr>
+          <p:cNvPr id="148" name="PlaceHolder 1"/>
+          <p:cNvSpPr>
+            <a:spLocks noGrp="1" noRot="1" noChangeAspect="1"/>
+          </p:cNvSpPr>
+          <p:nvPr>
+            <p:ph type="sldImg"/>
+          </p:nvPr>
+        </p:nvSpPr>
+        <p:spPr>
+          <a:xfrm>
+            <a:off x="685800" y="1143000"/>
+            <a:ext cx="5486400" cy="3086100"/>
+          </a:xfrm>
+          <a:prstGeom prst="rect">
+            <a:avLst/>
+          </a:prstGeom>
+        </p:spPr>
+      </p:sp>
+      <p:sp>
+        <p:nvSpPr>
+          <p:cNvPr id="149" name="PlaceHolder 2"/>
+          <p:cNvSpPr>
+            <a:spLocks noGrp="1"/>
+          </p:cNvSpPr>
+          <p:nvPr>
+            <p:ph type="body"/>
+          </p:nvPr>
+        </p:nvSpPr>
+        <p:spPr>
+          <a:xfrm>
+            <a:off x="685800" y="4400640"/>
+            <a:ext cx="5486040" cy="3600000"/>
+          </a:xfrm>
+          <a:prstGeom prst="rect">
+            <a:avLst/>
+          </a:prstGeom>
+        </p:spPr>
+        <p:txBody>
+          <a:bodyPr>
+            <a:noAutofit/>
+          </a:bodyPr>
+          <a:lstStyle/>
+          <a:p>
+            <a:endParaRPr lang="en-US" sz="2000" b="0" strike="noStrike" spc="-1">
+              <a:latin typeface="Arial"/>
+            </a:endParaRPr>
+          </a:p>
+        </p:txBody>
+      </p:sp>
+      <p:sp>
+        <p:nvSpPr>
+          <p:cNvPr id="150" name="TextShape 3"/>
+          <p:cNvSpPr txBox="1"/>
+          <p:nvPr/>
+        </p:nvSpPr>
+        <p:spPr>
+          <a:xfrm>
+            <a:off x="3884760" y="8685360"/>
+            <a:ext cx="2971440" cy="458280"/>
+          </a:xfrm>
+          <a:prstGeom prst="rect">
+            <a:avLst/>
+          </a:prstGeom>
+          <a:noFill/>
+          <a:ln>
+            <a:noFill/>
+          </a:ln>
+        </p:spPr>
+        <p:txBody>
+          <a:bodyPr anchor="b">
+            <a:noAutofit/>
+          </a:bodyPr>
+          <a:lstStyle/>
+          <a:p>
+            <a:pPr algn="r">
+              <a:lnSpc>
+                <a:spcPct val="100000"/>
+              </a:lnSpc>
+            </a:pPr>
+            <a:fld id="{677DA20C-D3E3-4F02-A624-D52A93CA4942}" type="slidenum">
+              <a:rPr lang="en-GB" sz="1200" b="0" strike="noStrike" spc="-1">
+                <a:latin typeface="Times New Roman"/>
+              </a:rPr>
+              <a:t>7</a:t>
+            </a:fld>
+            <a:endParaRPr lang="en-US" sz="1200" b="0" strike="noStrike" spc="-1">
+              <a:latin typeface="Times New Roman"/>
+            </a:endParaRPr>
+          </a:p>
+        </p:txBody>
+      </p:sp>
+    </p:spTree>
   </p:cSld>
   <p:clrMapOvr>
     <a:masterClrMapping/>
@@ -1878,6 +2007,36 @@
 </p:sldLayout>
 </file>
 
+<file path=ppt/slideLayouts/slideLayout14.xml><?xml version="1.0" encoding="utf-8"?>
+<p:sldLayout xmlns:a="http://schemas.openxmlformats.org/drawingml/2006/main" xmlns:r="http://schemas.openxmlformats.org/officeDocument/2006/relationships" xmlns:p="http://schemas.openxmlformats.org/presentationml/2006/main" type="blank">
+  <p:cSld name="Blank Slide">
+    <p:spTree>
+      <p:nvGrpSpPr>
+        <p:cNvPr id="1" name=""/>
+        <p:cNvGrpSpPr/>
+        <p:nvPr/>
+      </p:nvGrpSpPr>
+      <p:grpSpPr>
+        <a:xfrm>
+          <a:off x="0" y="0"/>
+          <a:ext cx="0" cy="0"/>
+          <a:chOff x="0" y="0"/>
+          <a:chExt cx="0" cy="0"/>
+        </a:xfrm>
+      </p:grpSpPr>
+    </p:spTree>
+    <p:extLst>
+      <p:ext uri="{BB962C8B-B14F-4D97-AF65-F5344CB8AC3E}">
+        <p14:creationId xmlns:p14="http://schemas.microsoft.com/office/powerpoint/2010/main" val="661407491"/>
+      </p:ext>
+    </p:extLst>
+  </p:cSld>
+  <p:clrMapOvr>
+    <a:masterClrMapping/>
+  </p:clrMapOvr>
+</p:sldLayout>
+</file>
+
 <file path=ppt/slideLayouts/slideLayout2.xml><?xml version="1.0" encoding="utf-8"?>
 <p:sldLayout xmlns:a="http://schemas.openxmlformats.org/drawingml/2006/main" xmlns:r="http://schemas.openxmlformats.org/officeDocument/2006/relationships" xmlns:p="http://schemas.openxmlformats.org/presentationml/2006/main" type="title" preserve="1">
   <p:cSld name="Section divider">
@@ -4371,6 +4530,7 @@
     <p:sldLayoutId id="2147483723" r:id="rId11"/>
     <p:sldLayoutId id="2147483706" r:id="rId12"/>
     <p:sldLayoutId id="2147483697" r:id="rId13"/>
+    <p:sldLayoutId id="2147483724" r:id="rId14"/>
   </p:sldLayoutIdLst>
   <p:hf hdr="0" dt="0"/>
   <p:txStyles>
@@ -4714,20 +4874,6 @@
 <file path=ppt/slides/slide1.xml><?xml version="1.0" encoding="utf-8"?>
 <p:sld xmlns:a="http://schemas.openxmlformats.org/drawingml/2006/main" xmlns:r="http://schemas.openxmlformats.org/officeDocument/2006/relationships" xmlns:p="http://schemas.openxmlformats.org/presentationml/2006/main">
   <p:cSld>
-    <p:bg>
-      <p:bgPr>
-        <a:blipFill dpi="0" rotWithShape="1">
-          <a:blip r:embed="rId2">
-            <a:lum/>
-          </a:blip>
-          <a:srcRect/>
-          <a:stretch>
-            <a:fillRect/>
-          </a:stretch>
-        </a:blipFill>
-        <a:effectLst/>
-      </p:bgPr>
-    </p:bg>
     <p:spTree>
       <p:nvGrpSpPr>
         <p:cNvPr id="1" name=""/>
@@ -4758,12 +4904,7 @@
             <p:ph type="ctrTitle"/>
           </p:nvPr>
         </p:nvSpPr>
-        <p:spPr>
-          <a:xfrm>
-            <a:off x="965289" y="2634034"/>
-            <a:ext cx="10031157" cy="2160000"/>
-          </a:xfrm>
-        </p:spPr>
+        <p:spPr/>
         <p:txBody>
           <a:bodyPr>
             <a:normAutofit fontScale="90000"/>
@@ -4772,7 +4913,7 @@
           <a:p>
             <a:r>
               <a:rPr lang="en-US" dirty="0"/>
-              <a:t>Research Question – </a:t>
+              <a:t>Visualization and Analysis – </a:t>
             </a:r>
             <a:br>
               <a:rPr lang="en-US" dirty="0"/>
@@ -4786,7 +4927,7 @@
             </a:br>
             <a:r>
               <a:rPr lang="en-US" sz="2200" dirty="0"/>
-              <a:t>Date : 4 November ,2024</a:t>
+              <a:t>Date: 25/11/2024</a:t>
             </a:r>
             <a:br>
               <a:rPr lang="en-US" sz="8000" dirty="0"/>
@@ -4811,39 +4952,23 @@
             <p:ph type="subTitle" idx="1"/>
           </p:nvPr>
         </p:nvSpPr>
-        <p:spPr>
-          <a:xfrm>
-            <a:off x="965290" y="943897"/>
-            <a:ext cx="10031156" cy="222482"/>
-          </a:xfrm>
-        </p:spPr>
+        <p:spPr/>
         <p:txBody>
           <a:bodyPr/>
           <a:lstStyle/>
           <a:p>
             <a:r>
               <a:rPr lang="en-US" sz="2000" dirty="0"/>
-              <a:t>Group Name: A 194                          Name of Student Presenting:     </a:t>
-            </a:r>
-            <a:r>
-              <a:rPr lang="en-US" sz="1600" dirty="0" err="1"/>
+              <a:t>Group Id:      A194                                                     Name of Student Presenting: </a:t>
+            </a:r>
+            <a:r>
+              <a:rPr lang="en-US" sz="2000" dirty="0" err="1"/>
               <a:t>Ranan</a:t>
             </a:r>
             <a:r>
-              <a:rPr lang="en-US" sz="1600" dirty="0"/>
+              <a:rPr lang="en-US" sz="2000" dirty="0"/>
               <a:t> Barua</a:t>
             </a:r>
-          </a:p>
-          <a:p>
-            <a:r>
-              <a:rPr lang="en-US" sz="1600" dirty="0"/>
-              <a:t>							               </a:t>
-            </a:r>
-            <a:r>
-              <a:rPr lang="en-GB" sz="1050" dirty="0"/>
-              <a:t>				</a:t>
-            </a:r>
-            <a:endParaRPr lang="en-US" sz="2000" dirty="0"/>
           </a:p>
         </p:txBody>
       </p:sp>
@@ -4865,8 +4990,8 @@
         </p:nvSpPr>
         <p:spPr>
           <a:xfrm>
-            <a:off x="965289" y="274319"/>
-            <a:ext cx="10532612" cy="404691"/>
+            <a:off x="965289" y="274320"/>
+            <a:ext cx="10451131" cy="1065593"/>
           </a:xfrm>
         </p:spPr>
         <p:txBody>
@@ -4875,8 +5000,94 @@
           <a:p>
             <a:r>
               <a:rPr lang="en-GB" dirty="0"/>
-              <a:t>7COM1079-2024 		                 										</a:t>
-            </a:r>
+              <a:t>7COM1079-2024 			           Names of Student Attendees : Mohammed Nahian Chowdhury</a:t>
+            </a:r>
+          </a:p>
+          <a:p>
+            <a:r>
+              <a:rPr lang="en-GB" dirty="0"/>
+              <a:t>							        Raihan Jamil </a:t>
+            </a:r>
+          </a:p>
+          <a:p>
+            <a:r>
+              <a:rPr lang="en-GB" dirty="0"/>
+              <a:t>							        Rejoice </a:t>
+            </a:r>
+            <a:r>
+              <a:rPr lang="en-GB" dirty="0" err="1"/>
+              <a:t>Chinasa</a:t>
+            </a:r>
+            <a:r>
+              <a:rPr lang="en-GB" dirty="0"/>
+              <a:t> </a:t>
+            </a:r>
+            <a:r>
+              <a:rPr lang="en-GB" dirty="0" err="1"/>
+              <a:t>Ogbodo</a:t>
+            </a:r>
+            <a:endParaRPr lang="en-GB" dirty="0"/>
+          </a:p>
+          <a:p>
+            <a:r>
+              <a:rPr lang="en-GB" dirty="0"/>
+              <a:t>							        </a:t>
+            </a:r>
+            <a:r>
+              <a:rPr lang="en-GB" dirty="0" err="1"/>
+              <a:t>Ibitomide</a:t>
+            </a:r>
+            <a:r>
+              <a:rPr lang="en-GB" dirty="0"/>
+              <a:t> </a:t>
+            </a:r>
+            <a:r>
+              <a:rPr lang="en-GB" dirty="0" err="1"/>
+              <a:t>Teslim</a:t>
+            </a:r>
+            <a:r>
+              <a:rPr lang="en-GB" dirty="0"/>
+              <a:t> Situ</a:t>
+            </a:r>
+          </a:p>
+          <a:p>
+            <a:endParaRPr lang="en-GB" dirty="0"/>
+          </a:p>
+          <a:p>
+            <a:r>
+              <a:rPr lang="en-GB" dirty="0"/>
+              <a:t>							         </a:t>
+            </a:r>
+          </a:p>
+        </p:txBody>
+      </p:sp>
+      <p:sp>
+        <p:nvSpPr>
+          <p:cNvPr id="5" name="Slide Number Placeholder 4">
+            <a:extLst>
+              <a:ext uri="{FF2B5EF4-FFF2-40B4-BE49-F238E27FC236}">
+                <a16:creationId xmlns:a16="http://schemas.microsoft.com/office/drawing/2014/main" id="{6B584311-58F1-BD4D-8FED-50D72C3DED34}"/>
+              </a:ext>
+            </a:extLst>
+          </p:cNvPr>
+          <p:cNvSpPr>
+            <a:spLocks noGrp="1"/>
+          </p:cNvSpPr>
+          <p:nvPr>
+            <p:ph type="sldNum" sz="quarter" idx="12"/>
+          </p:nvPr>
+        </p:nvSpPr>
+        <p:spPr/>
+        <p:txBody>
+          <a:bodyPr/>
+          <a:lstStyle/>
+          <a:p>
+            <a:fld id="{E4D355CA-84B7-41B1-B164-8BB439CC7C6B}" type="slidenum">
+              <a:rPr lang="en-GB" smtClean="0"/>
+              <a:pPr/>
+              <a:t>1</a:t>
+            </a:fld>
+            <a:endParaRPr lang="en-GB" dirty="0"/>
           </a:p>
         </p:txBody>
       </p:sp>
@@ -4915,7 +5126,7 @@
           <p:cNvPr id="2" name="Subtitle 1">
             <a:extLst>
               <a:ext uri="{FF2B5EF4-FFF2-40B4-BE49-F238E27FC236}">
-                <a16:creationId xmlns:a16="http://schemas.microsoft.com/office/drawing/2014/main" id="{7D9D8228-727F-1E46-B5AD-91D158B8255E}"/>
+                <a16:creationId xmlns:a16="http://schemas.microsoft.com/office/drawing/2014/main" id="{E31262B9-84B0-C1A5-543C-8FA0F2459C07}"/>
               </a:ext>
             </a:extLst>
           </p:cNvPr>
@@ -4928,65 +5139,19 @@
         </p:nvSpPr>
         <p:spPr>
           <a:xfrm>
-            <a:off x="965288" y="1264920"/>
-            <a:ext cx="9989224" cy="312420"/>
+            <a:off x="2554756" y="3121037"/>
+            <a:ext cx="8508577" cy="2039437"/>
           </a:xfrm>
         </p:spPr>
         <p:txBody>
-          <a:bodyPr vert="horz" lIns="0" tIns="0" rIns="0" bIns="0" rtlCol="0" anchor="t">
-            <a:noAutofit/>
-          </a:bodyPr>
+          <a:bodyPr/>
           <a:lstStyle/>
           <a:p>
             <a:r>
-              <a:rPr lang="en-US" sz="2400" dirty="0"/>
-              <a:t>Dataset </a:t>
-            </a:r>
-            <a:r>
-              <a:rPr lang="en-US" sz="2400" dirty="0">
-                <a:solidFill>
-                  <a:srgbClr val="203232"/>
-                </a:solidFill>
-              </a:rPr>
-              <a:t>ID : </a:t>
-            </a:r>
-            <a:r>
-              <a:rPr lang="en-US" sz="2000" dirty="0">
-                <a:solidFill>
-                  <a:srgbClr val="203232"/>
-                </a:solidFill>
-              </a:rPr>
-              <a:t>DS275</a:t>
-            </a:r>
-            <a:r>
-              <a:rPr lang="en-US" sz="2400" dirty="0">
-                <a:solidFill>
-                  <a:srgbClr val="203232"/>
-                </a:solidFill>
-              </a:rPr>
-              <a:t>  ( </a:t>
-            </a:r>
-            <a:r>
-              <a:rPr lang="en-US" sz="2000" dirty="0">
-                <a:solidFill>
-                  <a:srgbClr val="203232"/>
-                </a:solidFill>
-              </a:rPr>
-              <a:t>Wine Quality.csv</a:t>
-            </a:r>
-            <a:r>
-              <a:rPr lang="en-US" sz="2400" dirty="0">
-                <a:solidFill>
-                  <a:srgbClr val="203232"/>
-                </a:solidFill>
-              </a:rPr>
-              <a:t>)</a:t>
-            </a:r>
-            <a:endParaRPr lang="en-US" sz="2400" dirty="0">
-              <a:solidFill>
-                <a:srgbClr val="FF0000"/>
-              </a:solidFill>
-            </a:endParaRPr>
+              <a:rPr lang="en-US" sz="4800" dirty="0"/>
+              <a:t>Part 1: VISUALISATION</a:t>
+            </a:r>
+            <a:endParaRPr lang="en-GB" sz="4800" dirty="0"/>
           </a:p>
         </p:txBody>
       </p:sp>
@@ -4995,7 +5160,7 @@
           <p:cNvPr id="3" name="Footer Placeholder 2">
             <a:extLst>
               <a:ext uri="{FF2B5EF4-FFF2-40B4-BE49-F238E27FC236}">
-                <a16:creationId xmlns:a16="http://schemas.microsoft.com/office/drawing/2014/main" id="{00EBC183-8AA5-EC44-9987-D65F5C1892A1}"/>
+                <a16:creationId xmlns:a16="http://schemas.microsoft.com/office/drawing/2014/main" id="{AA8750A5-C5AD-CEC8-7CD5-C4412264CC71}"/>
               </a:ext>
             </a:extLst>
           </p:cNvPr>
@@ -5006,87 +5171,16 @@
             <p:ph type="ftr" sz="quarter" idx="11"/>
           </p:nvPr>
         </p:nvSpPr>
-        <p:spPr>
-          <a:xfrm>
-            <a:off x="995768" y="791022"/>
-            <a:ext cx="9129687" cy="230832"/>
-          </a:xfrm>
-        </p:spPr>
+        <p:spPr/>
         <p:txBody>
           <a:bodyPr/>
           <a:lstStyle/>
           <a:p>
             <a:r>
-              <a:rPr lang="en-GB" dirty="0"/>
-              <a:t>7COM1079-2024  Student Group No:  A194                   Names of Student Group Attendees: </a:t>
-            </a:r>
-            <a:r>
-              <a:rPr lang="en-GB" dirty="0" err="1"/>
-              <a:t>Ranan</a:t>
-            </a:r>
-            <a:r>
-              <a:rPr lang="en-GB" dirty="0"/>
-              <a:t> Barua</a:t>
-            </a:r>
-          </a:p>
-          <a:p>
-            <a:r>
-              <a:rPr lang="en-GB" dirty="0"/>
-              <a:t>								          Raihan Jamil</a:t>
-            </a:r>
-          </a:p>
-          <a:p>
-            <a:r>
-              <a:rPr lang="en-GB" dirty="0"/>
-              <a:t>						               Mohammed Nahian Chowdhury</a:t>
-            </a:r>
-          </a:p>
-          <a:p>
-            <a:r>
-              <a:rPr lang="en-GB" dirty="0"/>
-              <a:t>						                          Rejoice </a:t>
-            </a:r>
-            <a:r>
-              <a:rPr lang="en-GB" dirty="0" err="1"/>
-              <a:t>Chinasa</a:t>
-            </a:r>
-            <a:r>
-              <a:rPr lang="en-GB" dirty="0"/>
-              <a:t> </a:t>
-            </a:r>
-            <a:r>
-              <a:rPr lang="en-GB" dirty="0" err="1"/>
-              <a:t>Ogbodo</a:t>
+              <a:rPr lang="en-GB"/>
+              <a:t>PRESENTATION TITLE (ADD VIA INSERT, HEADER &amp; FOOTER)</a:t>
             </a:r>
             <a:endParaRPr lang="en-GB" dirty="0"/>
-          </a:p>
-          <a:p>
-            <a:r>
-              <a:rPr lang="en-GB" dirty="0"/>
-              <a:t>						                                 </a:t>
-            </a:r>
-            <a:r>
-              <a:rPr lang="en-GB" dirty="0" err="1"/>
-              <a:t>Ibitomide</a:t>
-            </a:r>
-            <a:r>
-              <a:rPr lang="en-GB" dirty="0"/>
-              <a:t> </a:t>
-            </a:r>
-            <a:r>
-              <a:rPr lang="en-GB" dirty="0" err="1"/>
-              <a:t>Teslim</a:t>
-            </a:r>
-            <a:r>
-              <a:rPr lang="en-GB" dirty="0"/>
-              <a:t> Situ</a:t>
-            </a:r>
-          </a:p>
-          <a:p>
-            <a:r>
-              <a:rPr lang="en-GB" dirty="0"/>
-              <a:t> </a:t>
-            </a:r>
           </a:p>
         </p:txBody>
       </p:sp>
@@ -5095,7 +5189,7 @@
           <p:cNvPr id="4" name="Slide Number Placeholder 3">
             <a:extLst>
               <a:ext uri="{FF2B5EF4-FFF2-40B4-BE49-F238E27FC236}">
-                <a16:creationId xmlns:a16="http://schemas.microsoft.com/office/drawing/2014/main" id="{CC9D9611-42EE-7840-81EE-DD6B1A99CD7B}"/>
+                <a16:creationId xmlns:a16="http://schemas.microsoft.com/office/drawing/2014/main" id="{2B0B5058-8385-6382-3B48-5ADE78EDFDAD}"/>
               </a:ext>
             </a:extLst>
           </p:cNvPr>
@@ -5106,207 +5200,24 @@
             <p:ph type="sldNum" sz="quarter" idx="12"/>
           </p:nvPr>
         </p:nvSpPr>
-        <p:spPr>
-          <a:xfrm>
-            <a:off x="10954512" y="555565"/>
-            <a:ext cx="622800" cy="230832"/>
-          </a:xfrm>
-        </p:spPr>
+        <p:spPr/>
         <p:txBody>
           <a:bodyPr/>
           <a:lstStyle/>
           <a:p>
-            <a:r>
-              <a:rPr lang="en-US" dirty="0"/>
+            <a:fld id="{E4D355CA-84B7-41B1-B164-8BB439CC7C6B}" type="slidenum">
+              <a:rPr lang="en-GB" smtClean="0"/>
+              <a:pPr/>
               <a:t>2</a:t>
-            </a:r>
+            </a:fld>
             <a:endParaRPr lang="en-GB" dirty="0"/>
-          </a:p>
-        </p:txBody>
-      </p:sp>
-      <p:sp>
-        <p:nvSpPr>
-          <p:cNvPr id="5" name="Title 4">
-            <a:extLst>
-              <a:ext uri="{FF2B5EF4-FFF2-40B4-BE49-F238E27FC236}">
-                <a16:creationId xmlns:a16="http://schemas.microsoft.com/office/drawing/2014/main" id="{B3FA3829-F12C-214D-8FBA-7E1A740F65CA}"/>
-              </a:ext>
-            </a:extLst>
-          </p:cNvPr>
-          <p:cNvSpPr>
-            <a:spLocks noGrp="1"/>
-          </p:cNvSpPr>
-          <p:nvPr>
-            <p:ph type="ctrTitle"/>
-          </p:nvPr>
-        </p:nvSpPr>
-        <p:spPr>
-          <a:xfrm>
-            <a:off x="883807" y="2476903"/>
-            <a:ext cx="10974945" cy="2699181"/>
-          </a:xfrm>
-        </p:spPr>
-        <p:txBody>
-          <a:bodyPr>
-            <a:noAutofit/>
-          </a:bodyPr>
-          <a:lstStyle/>
-          <a:p>
-            <a:pPr>
-              <a:lnSpc>
-                <a:spcPct val="100000"/>
-              </a:lnSpc>
-            </a:pPr>
-            <a:r>
-              <a:rPr lang="en-US" sz="2400" b="0" dirty="0">
-                <a:latin typeface="ADLaM Display" panose="020F0502020204030204" pitchFamily="2" charset="0"/>
-                <a:ea typeface="ADLaM Display" panose="020F0502020204030204" pitchFamily="2" charset="0"/>
-                <a:cs typeface="ADLaM Display" panose="020F0502020204030204" pitchFamily="2" charset="0"/>
-              </a:rPr>
-              <a:t>This dataset is captivating as it reveals how varying amounts of each wine component combine to shape the ultimate quality of the wine.</a:t>
-            </a:r>
-            <a:r>
-              <a:rPr lang="en-US" sz="2400" b="0" i="1" dirty="0">
-                <a:solidFill>
-                  <a:schemeClr val="accent2">
-                    <a:lumMod val="75000"/>
-                  </a:schemeClr>
-                </a:solidFill>
-                <a:latin typeface="ADLaM Display" panose="020F0502020204030204" pitchFamily="2" charset="0"/>
-                <a:ea typeface="ADLaM Display" panose="020F0502020204030204" pitchFamily="2" charset="0"/>
-                <a:cs typeface="ADLaM Display" panose="020F0502020204030204" pitchFamily="2" charset="0"/>
-              </a:rPr>
-              <a:t> </a:t>
-            </a:r>
-            <a:br>
-              <a:rPr lang="en-US" sz="2400" b="0" dirty="0">
-                <a:latin typeface="Calibri" panose="020F0502020204030204" pitchFamily="34" charset="0"/>
-                <a:cs typeface="Calibri" panose="020F0502020204030204" pitchFamily="34" charset="0"/>
-              </a:rPr>
-            </a:br>
-            <a:r>
-              <a:rPr lang="en-US" sz="2400" b="0" i="1" dirty="0">
-                <a:solidFill>
-                  <a:srgbClr val="7030A0"/>
-                </a:solidFill>
-                <a:latin typeface="Dubai Medium" panose="020B0603030403030204" pitchFamily="34" charset="-78"/>
-                <a:cs typeface="Dubai Medium" panose="020B0603030403030204" pitchFamily="34" charset="-78"/>
-              </a:rPr>
-              <a:t>Our  Independent variable is </a:t>
-            </a:r>
-            <a:r>
-              <a:rPr lang="en-US" sz="2400" b="0" dirty="0">
-                <a:latin typeface="Dubai Medium" panose="020B0603030403030204" pitchFamily="34" charset="-78"/>
-                <a:cs typeface="Dubai Medium" panose="020B0603030403030204" pitchFamily="34" charset="-78"/>
-              </a:rPr>
-              <a:t>---  </a:t>
-            </a:r>
-            <a:r>
-              <a:rPr lang="en-US" sz="2400" b="0" dirty="0">
-                <a:solidFill>
-                  <a:srgbClr val="00B050"/>
-                </a:solidFill>
-                <a:latin typeface="Dubai Medium" panose="020B0603030403030204" pitchFamily="34" charset="-78"/>
-                <a:cs typeface="Dubai Medium" panose="020B0603030403030204" pitchFamily="34" charset="-78"/>
-              </a:rPr>
-              <a:t>Alcohol Content</a:t>
-            </a:r>
-            <a:br>
-              <a:rPr lang="en-US" sz="2400" b="0" dirty="0">
-                <a:latin typeface="Dubai Medium" panose="020B0603030403030204" pitchFamily="34" charset="-78"/>
-                <a:cs typeface="Dubai Medium" panose="020B0603030403030204" pitchFamily="34" charset="-78"/>
-              </a:rPr>
-            </a:br>
-            <a:r>
-              <a:rPr lang="en-US" sz="2400" b="0" dirty="0">
-                <a:latin typeface="Dubai Medium" panose="020B0603030403030204" pitchFamily="34" charset="-78"/>
-                <a:cs typeface="Dubai Medium" panose="020B0603030403030204" pitchFamily="34" charset="-78"/>
-              </a:rPr>
-              <a:t>                   This  Independent variable datatype is ---  </a:t>
-            </a:r>
-            <a:r>
-              <a:rPr lang="en-US" sz="2400" b="0" dirty="0">
-                <a:solidFill>
-                  <a:srgbClr val="00B050"/>
-                </a:solidFill>
-                <a:latin typeface="Dubai Medium" panose="020B0603030403030204" pitchFamily="34" charset="-78"/>
-                <a:cs typeface="Dubai Medium" panose="020B0603030403030204" pitchFamily="34" charset="-78"/>
-              </a:rPr>
-              <a:t>Interval/Measurement Data</a:t>
-            </a:r>
-            <a:br>
-              <a:rPr lang="en-US" sz="2400" b="0" dirty="0">
-                <a:latin typeface="Dubai Medium" panose="020B0603030403030204" pitchFamily="34" charset="-78"/>
-                <a:cs typeface="Dubai Medium" panose="020B0603030403030204" pitchFamily="34" charset="-78"/>
-              </a:rPr>
-            </a:br>
-            <a:r>
-              <a:rPr lang="en-US" sz="2400" b="0" i="1" dirty="0">
-                <a:solidFill>
-                  <a:srgbClr val="7030A0"/>
-                </a:solidFill>
-                <a:latin typeface="Dubai Medium" panose="020B0603030403030204" pitchFamily="34" charset="-78"/>
-                <a:cs typeface="Dubai Medium" panose="020B0603030403030204" pitchFamily="34" charset="-78"/>
-              </a:rPr>
-              <a:t>Our Dependent variable is </a:t>
-            </a:r>
-            <a:r>
-              <a:rPr lang="en-US" sz="2400" b="0" dirty="0">
-                <a:latin typeface="Dubai Medium" panose="020B0603030403030204" pitchFamily="34" charset="-78"/>
-                <a:cs typeface="Dubai Medium" panose="020B0603030403030204" pitchFamily="34" charset="-78"/>
-              </a:rPr>
-              <a:t>---  </a:t>
-            </a:r>
-            <a:r>
-              <a:rPr lang="en-US" sz="2400" b="0" dirty="0">
-                <a:solidFill>
-                  <a:srgbClr val="00B050"/>
-                </a:solidFill>
-                <a:latin typeface="Dubai Medium" panose="020B0603030403030204" pitchFamily="34" charset="-78"/>
-                <a:cs typeface="Dubai Medium" panose="020B0603030403030204" pitchFamily="34" charset="-78"/>
-              </a:rPr>
-              <a:t>Wine Quality</a:t>
-            </a:r>
-            <a:br>
-              <a:rPr lang="en-US" sz="2400" b="0" dirty="0">
-                <a:latin typeface="Dubai Medium" panose="020B0603030403030204" pitchFamily="34" charset="-78"/>
-                <a:cs typeface="Dubai Medium" panose="020B0603030403030204" pitchFamily="34" charset="-78"/>
-              </a:rPr>
-            </a:br>
-            <a:r>
-              <a:rPr lang="en-US" sz="2400" b="0" dirty="0">
-                <a:solidFill>
-                  <a:srgbClr val="FF0000"/>
-                </a:solidFill>
-                <a:latin typeface="Dubai Medium" panose="020B0603030403030204" pitchFamily="34" charset="-78"/>
-                <a:cs typeface="Dubai Medium" panose="020B0603030403030204" pitchFamily="34" charset="-78"/>
-              </a:rPr>
-              <a:t>                   </a:t>
-            </a:r>
-            <a:r>
-              <a:rPr lang="en-US" sz="2400" b="0" dirty="0">
-                <a:latin typeface="Dubai Medium" panose="020B0603030403030204" pitchFamily="34" charset="-78"/>
-                <a:cs typeface="Dubai Medium" panose="020B0603030403030204" pitchFamily="34" charset="-78"/>
-              </a:rPr>
-              <a:t>This Dependent variable datatype is --- </a:t>
-            </a:r>
-            <a:r>
-              <a:rPr lang="en-US" sz="2400" b="0" dirty="0">
-                <a:solidFill>
-                  <a:srgbClr val="00B050"/>
-                </a:solidFill>
-                <a:latin typeface="Dubai Medium" panose="020B0603030403030204" pitchFamily="34" charset="-78"/>
-                <a:cs typeface="Dubai Medium" panose="020B0603030403030204" pitchFamily="34" charset="-78"/>
-              </a:rPr>
-              <a:t>Ordinal Data</a:t>
-            </a:r>
           </a:p>
         </p:txBody>
       </p:sp>
     </p:spTree>
     <p:extLst>
       <p:ext uri="{BB962C8B-B14F-4D97-AF65-F5344CB8AC3E}">
-        <p14:creationId xmlns:p14="http://schemas.microsoft.com/office/powerpoint/2010/main" val="1718004908"/>
+        <p14:creationId xmlns:p14="http://schemas.microsoft.com/office/powerpoint/2010/main" val="2339144795"/>
       </p:ext>
     </p:extLst>
   </p:cSld>
@@ -5338,7 +5249,7 @@
           <p:cNvPr id="2" name="Subtitle 1">
             <a:extLst>
               <a:ext uri="{FF2B5EF4-FFF2-40B4-BE49-F238E27FC236}">
-                <a16:creationId xmlns:a16="http://schemas.microsoft.com/office/drawing/2014/main" id="{8E3CD731-5ACF-B002-247D-243F6E2149EC}"/>
+                <a16:creationId xmlns:a16="http://schemas.microsoft.com/office/drawing/2014/main" id="{7D9D8228-727F-1E46-B5AD-91D158B8255E}"/>
               </a:ext>
             </a:extLst>
           </p:cNvPr>
@@ -5351,27 +5262,86 @@
         </p:nvSpPr>
         <p:spPr>
           <a:xfrm>
-            <a:off x="965289" y="1147638"/>
-            <a:ext cx="9753625" cy="230832"/>
+            <a:off x="965288" y="1080636"/>
+            <a:ext cx="10088994" cy="621415"/>
           </a:xfrm>
         </p:spPr>
         <p:txBody>
           <a:bodyPr/>
           <a:lstStyle/>
           <a:p>
-            <a:pPr>
-              <a:spcAft>
-                <a:spcPts val="0"/>
-              </a:spcAft>
-            </a:pPr>
-            <a:r>
-              <a:rPr lang="en-GB" dirty="0"/>
-              <a:t>Our Research Question is </a:t>
-            </a:r>
-            <a:endParaRPr lang="en-GB" sz="1800" dirty="0">
+            <a:r>
+              <a:rPr lang="en-US" sz="2400" b="0" dirty="0">
+                <a:latin typeface="Calibri" panose="020F0502020204030204" pitchFamily="34" charset="0"/>
+                <a:cs typeface="Calibri" panose="020F0502020204030204" pitchFamily="34" charset="0"/>
+              </a:rPr>
+              <a:t>We are using the dataset DS275 winequality-white.csv</a:t>
+            </a:r>
+            <a:r>
+              <a:rPr lang="en-US" sz="2400" b="0" dirty="0">
+                <a:solidFill>
+                  <a:srgbClr val="FF0000"/>
+                </a:solidFill>
+                <a:latin typeface="Calibri" panose="020F0502020204030204" pitchFamily="34" charset="0"/>
+                <a:cs typeface="Calibri" panose="020F0502020204030204" pitchFamily="34" charset="0"/>
+              </a:rPr>
+              <a:t> </a:t>
+            </a:r>
+            <a:r>
+              <a:rPr lang="en-US" sz="2400" b="0" dirty="0">
+                <a:solidFill>
+                  <a:schemeClr val="tx1"/>
+                </a:solidFill>
+                <a:latin typeface="Calibri" panose="020F0502020204030204" pitchFamily="34" charset="0"/>
+                <a:cs typeface="Calibri" panose="020F0502020204030204" pitchFamily="34" charset="0"/>
+              </a:rPr>
+              <a:t>to answer our Research Question </a:t>
+            </a:r>
+            <a:r>
+              <a:rPr lang="en-US" sz="1600" b="0" dirty="0">
+                <a:solidFill>
+                  <a:schemeClr val="tx1"/>
+                </a:solidFill>
+                <a:latin typeface="Calibri" panose="020F0502020204030204" pitchFamily="34" charset="0"/>
+                <a:cs typeface="Calibri" panose="020F0502020204030204" pitchFamily="34" charset="0"/>
+              </a:rPr>
+              <a:t>“</a:t>
+            </a:r>
+            <a:r>
+              <a:rPr lang="en-GB" sz="1600" b="0" dirty="0">
+                <a:solidFill>
+                  <a:srgbClr val="242424"/>
+                </a:solidFill>
+                <a:effectLst/>
+                <a:latin typeface="Arial" panose="020B0604020202020204" pitchFamily="34" charset="0"/>
+                <a:ea typeface="Arial" panose="020B0604020202020204" pitchFamily="34" charset="0"/>
+              </a:rPr>
+              <a:t>Is there a difference in the mean quality rating between wines with low alcohol content and wines with high alcohol content?”</a:t>
+            </a:r>
+            <a:endParaRPr lang="en-US" sz="1600" b="0" baseline="30000" dirty="0">
               <a:solidFill>
-                <a:srgbClr val="FF0000"/>
+                <a:schemeClr val="tx1"/>
               </a:solidFill>
+              <a:latin typeface="Calibri" panose="020F0502020204030204" pitchFamily="34" charset="0"/>
+              <a:cs typeface="Calibri" panose="020F0502020204030204" pitchFamily="34" charset="0"/>
+            </a:endParaRPr>
+          </a:p>
+          <a:p>
+            <a:br>
+              <a:rPr lang="en-US" sz="2400" b="0" dirty="0">
+                <a:solidFill>
+                  <a:srgbClr val="FF0000"/>
+                </a:solidFill>
+                <a:latin typeface="Calibri" panose="020F0502020204030204" pitchFamily="34" charset="0"/>
+                <a:cs typeface="Calibri" panose="020F0502020204030204" pitchFamily="34" charset="0"/>
+              </a:rPr>
+            </a:br>
+            <a:endParaRPr lang="en-US" sz="2400" dirty="0">
+              <a:solidFill>
+                <a:schemeClr val="tx1"/>
+              </a:solidFill>
+              <a:latin typeface="Calibri" panose="020F0502020204030204" pitchFamily="34" charset="0"/>
+              <a:cs typeface="Calibri" panose="020F0502020204030204" pitchFamily="34" charset="0"/>
             </a:endParaRPr>
           </a:p>
         </p:txBody>
@@ -5381,7 +5351,7 @@
           <p:cNvPr id="3" name="Footer Placeholder 2">
             <a:extLst>
               <a:ext uri="{FF2B5EF4-FFF2-40B4-BE49-F238E27FC236}">
-                <a16:creationId xmlns:a16="http://schemas.microsoft.com/office/drawing/2014/main" id="{3C4D431B-7665-75B0-2D73-5BD588DCB766}"/>
+                <a16:creationId xmlns:a16="http://schemas.microsoft.com/office/drawing/2014/main" id="{00EBC183-8AA5-EC44-9987-D65F5C1892A1}"/>
               </a:ext>
             </a:extLst>
           </p:cNvPr>
@@ -5392,14 +5362,19 @@
             <p:ph type="ftr" sz="quarter" idx="11"/>
           </p:nvPr>
         </p:nvSpPr>
-        <p:spPr/>
+        <p:spPr>
+          <a:xfrm>
+            <a:off x="965288" y="791022"/>
+            <a:ext cx="9129687" cy="230832"/>
+          </a:xfrm>
+        </p:spPr>
         <p:txBody>
           <a:bodyPr/>
           <a:lstStyle/>
           <a:p>
             <a:r>
               <a:rPr lang="en-GB" dirty="0"/>
-              <a:t>PRE 7COM1079-2024  Student Group No:  A 194</a:t>
+              <a:t>7COM1079-2024  Student Group No:                    Names of Student Group Attendees: </a:t>
             </a:r>
           </a:p>
         </p:txBody>
@@ -5409,7 +5384,7 @@
           <p:cNvPr id="4" name="Slide Number Placeholder 3">
             <a:extLst>
               <a:ext uri="{FF2B5EF4-FFF2-40B4-BE49-F238E27FC236}">
-                <a16:creationId xmlns:a16="http://schemas.microsoft.com/office/drawing/2014/main" id="{1625FA15-B17F-387B-E383-5505647ABB89}"/>
+                <a16:creationId xmlns:a16="http://schemas.microsoft.com/office/drawing/2014/main" id="{CC9D9611-42EE-7840-81EE-DD6B1A99CD7B}"/>
               </a:ext>
             </a:extLst>
           </p:cNvPr>
@@ -5420,302 +5395,1806 @@
             <p:ph type="sldNum" sz="quarter" idx="12"/>
           </p:nvPr>
         </p:nvSpPr>
-        <p:spPr>
-          <a:xfrm>
-            <a:off x="10616400" y="791022"/>
-            <a:ext cx="622800" cy="230832"/>
-          </a:xfrm>
-        </p:spPr>
+        <p:spPr/>
         <p:txBody>
           <a:bodyPr/>
           <a:lstStyle/>
           <a:p>
-            <a:r>
-              <a:rPr lang="en-US" dirty="0"/>
+            <a:fld id="{E4D355CA-84B7-41B1-B164-8BB439CC7C6B}" type="slidenum">
+              <a:rPr lang="en-GB" smtClean="0"/>
+              <a:pPr/>
               <a:t>3</a:t>
-            </a:r>
+            </a:fld>
             <a:endParaRPr lang="en-GB" dirty="0"/>
           </a:p>
         </p:txBody>
       </p:sp>
-      <p:sp>
-        <p:nvSpPr>
-          <p:cNvPr id="5" name="Title 4">
+      <p:graphicFrame>
+        <p:nvGraphicFramePr>
+          <p:cNvPr id="11" name="Table 10">
             <a:extLst>
               <a:ext uri="{FF2B5EF4-FFF2-40B4-BE49-F238E27FC236}">
-                <a16:creationId xmlns:a16="http://schemas.microsoft.com/office/drawing/2014/main" id="{3440DA25-F620-152B-DE9E-776F7B74DFF0}"/>
+                <a16:creationId xmlns:a16="http://schemas.microsoft.com/office/drawing/2014/main" id="{17468CB6-B0D7-5760-9515-F26AE1D82D2B}"/>
               </a:ext>
             </a:extLst>
           </p:cNvPr>
-          <p:cNvSpPr>
-            <a:spLocks noGrp="1"/>
-          </p:cNvSpPr>
-          <p:nvPr>
-            <p:ph type="ctrTitle"/>
-          </p:nvPr>
+          <p:cNvGraphicFramePr>
+            <a:graphicFrameLocks noGrp="1"/>
+          </p:cNvGraphicFramePr>
+          <p:nvPr/>
+        </p:nvGraphicFramePr>
+        <p:xfrm>
+          <a:off x="6096000" y="1905506"/>
+          <a:ext cx="6480761" cy="2839759"/>
+        </p:xfrm>
+        <a:graphic>
+          <a:graphicData uri="http://schemas.openxmlformats.org/drawingml/2006/table">
+            <a:tbl>
+              <a:tblPr>
+                <a:tableStyleId>{5C22544A-7EE6-4342-B048-85BDC9FD1C3A}</a:tableStyleId>
+              </a:tblPr>
+              <a:tblGrid>
+                <a:gridCol w="1144153">
+                  <a:extLst>
+                    <a:ext uri="{9D8B030D-6E8A-4147-A177-3AD203B41FA5}">
+                      <a16:colId xmlns:a16="http://schemas.microsoft.com/office/drawing/2014/main" val="689264672"/>
+                    </a:ext>
+                  </a:extLst>
+                </a:gridCol>
+                <a:gridCol w="1334152">
+                  <a:extLst>
+                    <a:ext uri="{9D8B030D-6E8A-4147-A177-3AD203B41FA5}">
+                      <a16:colId xmlns:a16="http://schemas.microsoft.com/office/drawing/2014/main" val="2024805648"/>
+                    </a:ext>
+                  </a:extLst>
+                </a:gridCol>
+                <a:gridCol w="1334152">
+                  <a:extLst>
+                    <a:ext uri="{9D8B030D-6E8A-4147-A177-3AD203B41FA5}">
+                      <a16:colId xmlns:a16="http://schemas.microsoft.com/office/drawing/2014/main" val="3269430387"/>
+                    </a:ext>
+                  </a:extLst>
+                </a:gridCol>
+                <a:gridCol w="1334152">
+                  <a:extLst>
+                    <a:ext uri="{9D8B030D-6E8A-4147-A177-3AD203B41FA5}">
+                      <a16:colId xmlns:a16="http://schemas.microsoft.com/office/drawing/2014/main" val="3416526610"/>
+                    </a:ext>
+                  </a:extLst>
+                </a:gridCol>
+                <a:gridCol w="1334152">
+                  <a:extLst>
+                    <a:ext uri="{9D8B030D-6E8A-4147-A177-3AD203B41FA5}">
+                      <a16:colId xmlns:a16="http://schemas.microsoft.com/office/drawing/2014/main" val="247013150"/>
+                    </a:ext>
+                  </a:extLst>
+                </a:gridCol>
+              </a:tblGrid>
+              <a:tr h="325369">
+                <a:tc>
+                  <a:txBody>
+                    <a:bodyPr/>
+                    <a:lstStyle/>
+                    <a:p>
+                      <a:pPr algn="l" fontAlgn="b"/>
+                      <a:r>
+                        <a:rPr lang="en-GB" sz="1200" b="1" u="none" strike="noStrike">
+                          <a:effectLst/>
+                        </a:rPr>
+                        <a:t>Company</a:t>
+                      </a:r>
+                      <a:endParaRPr lang="en-GB" sz="1200" b="1" i="0" u="none" strike="noStrike">
+                        <a:solidFill>
+                          <a:srgbClr val="000000"/>
+                        </a:solidFill>
+                        <a:effectLst/>
+                        <a:latin typeface="Calibri" panose="020F0502020204030204" pitchFamily="34" charset="0"/>
+                      </a:endParaRPr>
+                    </a:p>
+                  </a:txBody>
+                  <a:tcPr marL="5286" marR="5286" marT="5286" marB="0" anchor="b"/>
+                </a:tc>
+                <a:tc>
+                  <a:txBody>
+                    <a:bodyPr/>
+                    <a:lstStyle/>
+                    <a:p>
+                      <a:pPr algn="l" fontAlgn="b"/>
+                      <a:r>
+                        <a:rPr lang="en-GB" sz="1200" b="1" u="none" strike="noStrike">
+                          <a:effectLst/>
+                        </a:rPr>
+                        <a:t>Valuation ($B)</a:t>
+                      </a:r>
+                      <a:endParaRPr lang="en-GB" sz="1200" b="1" i="0" u="none" strike="noStrike">
+                        <a:solidFill>
+                          <a:srgbClr val="000000"/>
+                        </a:solidFill>
+                        <a:effectLst/>
+                        <a:latin typeface="Calibri" panose="020F0502020204030204" pitchFamily="34" charset="0"/>
+                      </a:endParaRPr>
+                    </a:p>
+                  </a:txBody>
+                  <a:tcPr marL="5286" marR="5286" marT="5286" marB="0" anchor="b"/>
+                </a:tc>
+                <a:tc>
+                  <a:txBody>
+                    <a:bodyPr/>
+                    <a:lstStyle/>
+                    <a:p>
+                      <a:pPr algn="l" fontAlgn="b"/>
+                      <a:r>
+                        <a:rPr lang="en-GB" sz="1200" b="1" u="none" strike="noStrike" dirty="0">
+                          <a:effectLst/>
+                        </a:rPr>
+                        <a:t>Date Joined</a:t>
+                      </a:r>
+                      <a:endParaRPr lang="en-GB" sz="1200" b="1" i="0" u="none" strike="noStrike" dirty="0">
+                        <a:solidFill>
+                          <a:srgbClr val="000000"/>
+                        </a:solidFill>
+                        <a:effectLst/>
+                        <a:latin typeface="Calibri" panose="020F0502020204030204" pitchFamily="34" charset="0"/>
+                      </a:endParaRPr>
+                    </a:p>
+                  </a:txBody>
+                  <a:tcPr marL="5286" marR="5286" marT="5286" marB="0" anchor="b"/>
+                </a:tc>
+                <a:tc>
+                  <a:txBody>
+                    <a:bodyPr/>
+                    <a:lstStyle/>
+                    <a:p>
+                      <a:pPr algn="l" fontAlgn="b"/>
+                      <a:r>
+                        <a:rPr lang="en-GB" sz="1200" b="1" u="none" strike="noStrike" dirty="0">
+                          <a:effectLst/>
+                        </a:rPr>
+                        <a:t>Country</a:t>
+                      </a:r>
+                      <a:endParaRPr lang="en-GB" sz="1200" b="1" i="0" u="none" strike="noStrike" dirty="0">
+                        <a:solidFill>
+                          <a:srgbClr val="000000"/>
+                        </a:solidFill>
+                        <a:effectLst/>
+                        <a:latin typeface="Calibri" panose="020F0502020204030204" pitchFamily="34" charset="0"/>
+                      </a:endParaRPr>
+                    </a:p>
+                  </a:txBody>
+                  <a:tcPr marL="5286" marR="5286" marT="5286" marB="0" anchor="b"/>
+                </a:tc>
+                <a:tc>
+                  <a:txBody>
+                    <a:bodyPr/>
+                    <a:lstStyle/>
+                    <a:p>
+                      <a:pPr algn="l" fontAlgn="b"/>
+                      <a:endParaRPr lang="en-GB" sz="1200" b="1" i="0" u="none" strike="noStrike" dirty="0">
+                        <a:solidFill>
+                          <a:srgbClr val="000000"/>
+                        </a:solidFill>
+                        <a:effectLst/>
+                        <a:latin typeface="Calibri" panose="020F0502020204030204" pitchFamily="34" charset="0"/>
+                      </a:endParaRPr>
+                    </a:p>
+                  </a:txBody>
+                  <a:tcPr marL="5286" marR="5286" marT="5286" marB="0" anchor="b"/>
+                </a:tc>
+                <a:extLst>
+                  <a:ext uri="{0D108BD9-81ED-4DB2-BD59-A6C34878D82A}">
+                    <a16:rowId xmlns:a16="http://schemas.microsoft.com/office/drawing/2014/main" val="678807124"/>
+                  </a:ext>
+                </a:extLst>
+              </a:tr>
+              <a:tr h="224695">
+                <a:tc>
+                  <a:txBody>
+                    <a:bodyPr/>
+                    <a:lstStyle/>
+                    <a:p>
+                      <a:pPr algn="l" fontAlgn="b"/>
+                      <a:r>
+                        <a:rPr lang="en-GB" sz="1200" u="none" strike="noStrike">
+                          <a:effectLst/>
+                        </a:rPr>
+                        <a:t>Bytedance</a:t>
+                      </a:r>
+                      <a:endParaRPr lang="en-GB" sz="1200" b="0" i="0" u="none" strike="noStrike">
+                        <a:solidFill>
+                          <a:srgbClr val="000000"/>
+                        </a:solidFill>
+                        <a:effectLst/>
+                        <a:latin typeface="Calibri" panose="020F0502020204030204" pitchFamily="34" charset="0"/>
+                      </a:endParaRPr>
+                    </a:p>
+                  </a:txBody>
+                  <a:tcPr marL="5286" marR="5286" marT="5286" marB="0" anchor="b"/>
+                </a:tc>
+                <a:tc>
+                  <a:txBody>
+                    <a:bodyPr/>
+                    <a:lstStyle/>
+                    <a:p>
+                      <a:pPr algn="l" fontAlgn="b"/>
+                      <a:r>
+                        <a:rPr lang="en-GB" sz="1200" u="none" strike="noStrike">
+                          <a:effectLst/>
+                        </a:rPr>
+                        <a:t>$140</a:t>
+                      </a:r>
+                      <a:endParaRPr lang="en-GB" sz="1200" b="0" i="0" u="none" strike="noStrike">
+                        <a:solidFill>
+                          <a:srgbClr val="000000"/>
+                        </a:solidFill>
+                        <a:effectLst/>
+                        <a:latin typeface="Calibri" panose="020F0502020204030204" pitchFamily="34" charset="0"/>
+                      </a:endParaRPr>
+                    </a:p>
+                  </a:txBody>
+                  <a:tcPr marL="5286" marR="5286" marT="5286" marB="0" anchor="b"/>
+                </a:tc>
+                <a:tc>
+                  <a:txBody>
+                    <a:bodyPr/>
+                    <a:lstStyle/>
+                    <a:p>
+                      <a:pPr algn="l" fontAlgn="b"/>
+                      <a:r>
+                        <a:rPr lang="en-GB" sz="1200" u="none" strike="noStrike">
+                          <a:effectLst/>
+                        </a:rPr>
+                        <a:t>4/7/2017</a:t>
+                      </a:r>
+                      <a:endParaRPr lang="en-GB" sz="1200" b="0" i="0" u="none" strike="noStrike">
+                        <a:solidFill>
+                          <a:srgbClr val="000000"/>
+                        </a:solidFill>
+                        <a:effectLst/>
+                        <a:latin typeface="Calibri" panose="020F0502020204030204" pitchFamily="34" charset="0"/>
+                      </a:endParaRPr>
+                    </a:p>
+                  </a:txBody>
+                  <a:tcPr marL="5286" marR="5286" marT="5286" marB="0" anchor="b"/>
+                </a:tc>
+                <a:tc>
+                  <a:txBody>
+                    <a:bodyPr/>
+                    <a:lstStyle/>
+                    <a:p>
+                      <a:pPr algn="l" fontAlgn="b"/>
+                      <a:r>
+                        <a:rPr lang="en-GB" sz="1200" u="none" strike="noStrike" dirty="0">
+                          <a:effectLst/>
+                        </a:rPr>
+                        <a:t>China</a:t>
+                      </a:r>
+                      <a:endParaRPr lang="en-GB" sz="1200" b="0" i="0" u="none" strike="noStrike" dirty="0">
+                        <a:solidFill>
+                          <a:srgbClr val="000000"/>
+                        </a:solidFill>
+                        <a:effectLst/>
+                        <a:latin typeface="Calibri" panose="020F0502020204030204" pitchFamily="34" charset="0"/>
+                      </a:endParaRPr>
+                    </a:p>
+                  </a:txBody>
+                  <a:tcPr marL="5286" marR="5286" marT="5286" marB="0" anchor="b"/>
+                </a:tc>
+                <a:tc>
+                  <a:txBody>
+                    <a:bodyPr/>
+                    <a:lstStyle/>
+                    <a:p>
+                      <a:pPr algn="l" fontAlgn="b"/>
+                      <a:endParaRPr lang="en-GB" sz="1200" b="0" i="0" u="none" strike="noStrike" dirty="0">
+                        <a:solidFill>
+                          <a:srgbClr val="000000"/>
+                        </a:solidFill>
+                        <a:effectLst/>
+                        <a:latin typeface="Calibri" panose="020F0502020204030204" pitchFamily="34" charset="0"/>
+                      </a:endParaRPr>
+                    </a:p>
+                  </a:txBody>
+                  <a:tcPr marL="5286" marR="5286" marT="5286" marB="0" anchor="b"/>
+                </a:tc>
+                <a:extLst>
+                  <a:ext uri="{0D108BD9-81ED-4DB2-BD59-A6C34878D82A}">
+                    <a16:rowId xmlns:a16="http://schemas.microsoft.com/office/drawing/2014/main" val="2623801640"/>
+                  </a:ext>
+                </a:extLst>
+              </a:tr>
+              <a:tr h="224695">
+                <a:tc>
+                  <a:txBody>
+                    <a:bodyPr/>
+                    <a:lstStyle/>
+                    <a:p>
+                      <a:pPr algn="l" fontAlgn="b"/>
+                      <a:r>
+                        <a:rPr lang="en-GB" sz="1200" u="none" strike="noStrike">
+                          <a:effectLst/>
+                        </a:rPr>
+                        <a:t>SpaceX</a:t>
+                      </a:r>
+                      <a:endParaRPr lang="en-GB" sz="1200" b="0" i="0" u="none" strike="noStrike">
+                        <a:solidFill>
+                          <a:srgbClr val="000000"/>
+                        </a:solidFill>
+                        <a:effectLst/>
+                        <a:latin typeface="Calibri" panose="020F0502020204030204" pitchFamily="34" charset="0"/>
+                      </a:endParaRPr>
+                    </a:p>
+                  </a:txBody>
+                  <a:tcPr marL="5286" marR="5286" marT="5286" marB="0" anchor="b"/>
+                </a:tc>
+                <a:tc>
+                  <a:txBody>
+                    <a:bodyPr/>
+                    <a:lstStyle/>
+                    <a:p>
+                      <a:pPr algn="l" fontAlgn="b"/>
+                      <a:r>
+                        <a:rPr lang="en-GB" sz="1200" u="none" strike="noStrike">
+                          <a:effectLst/>
+                        </a:rPr>
+                        <a:t>$100.3</a:t>
+                      </a:r>
+                      <a:endParaRPr lang="en-GB" sz="1200" b="0" i="0" u="none" strike="noStrike">
+                        <a:solidFill>
+                          <a:srgbClr val="000000"/>
+                        </a:solidFill>
+                        <a:effectLst/>
+                        <a:latin typeface="Calibri" panose="020F0502020204030204" pitchFamily="34" charset="0"/>
+                      </a:endParaRPr>
+                    </a:p>
+                  </a:txBody>
+                  <a:tcPr marL="5286" marR="5286" marT="5286" marB="0" anchor="b"/>
+                </a:tc>
+                <a:tc>
+                  <a:txBody>
+                    <a:bodyPr/>
+                    <a:lstStyle/>
+                    <a:p>
+                      <a:pPr algn="l" fontAlgn="b"/>
+                      <a:r>
+                        <a:rPr lang="en-GB" sz="1200" u="none" strike="noStrike">
+                          <a:effectLst/>
+                        </a:rPr>
+                        <a:t>12/1/2012</a:t>
+                      </a:r>
+                      <a:endParaRPr lang="en-GB" sz="1200" b="0" i="0" u="none" strike="noStrike">
+                        <a:solidFill>
+                          <a:srgbClr val="000000"/>
+                        </a:solidFill>
+                        <a:effectLst/>
+                        <a:latin typeface="Calibri" panose="020F0502020204030204" pitchFamily="34" charset="0"/>
+                      </a:endParaRPr>
+                    </a:p>
+                  </a:txBody>
+                  <a:tcPr marL="5286" marR="5286" marT="5286" marB="0" anchor="b"/>
+                </a:tc>
+                <a:tc gridSpan="2">
+                  <a:txBody>
+                    <a:bodyPr/>
+                    <a:lstStyle/>
+                    <a:p>
+                      <a:pPr algn="l" fontAlgn="b"/>
+                      <a:r>
+                        <a:rPr lang="en-GB" sz="1200" u="none" strike="noStrike" dirty="0">
+                          <a:effectLst/>
+                        </a:rPr>
+                        <a:t>United States</a:t>
+                      </a:r>
+                      <a:endParaRPr lang="en-GB" sz="1200" b="0" i="0" u="none" strike="noStrike" dirty="0">
+                        <a:solidFill>
+                          <a:srgbClr val="000000"/>
+                        </a:solidFill>
+                        <a:effectLst/>
+                        <a:latin typeface="Calibri" panose="020F0502020204030204" pitchFamily="34" charset="0"/>
+                      </a:endParaRPr>
+                    </a:p>
+                  </a:txBody>
+                  <a:tcPr marL="5286" marR="5286" marT="5286" marB="0" anchor="b"/>
+                </a:tc>
+                <a:tc hMerge="1">
+                  <a:txBody>
+                    <a:bodyPr/>
+                    <a:lstStyle/>
+                    <a:p>
+                      <a:endParaRPr lang="en-GB"/>
+                    </a:p>
+                  </a:txBody>
+                  <a:tcPr/>
+                </a:tc>
+                <a:extLst>
+                  <a:ext uri="{0D108BD9-81ED-4DB2-BD59-A6C34878D82A}">
+                    <a16:rowId xmlns:a16="http://schemas.microsoft.com/office/drawing/2014/main" val="3443593110"/>
+                  </a:ext>
+                </a:extLst>
+              </a:tr>
+              <a:tr h="224695">
+                <a:tc>
+                  <a:txBody>
+                    <a:bodyPr/>
+                    <a:lstStyle/>
+                    <a:p>
+                      <a:pPr algn="l" fontAlgn="b"/>
+                      <a:r>
+                        <a:rPr lang="en-GB" sz="1200" u="none" strike="noStrike">
+                          <a:effectLst/>
+                        </a:rPr>
+                        <a:t>Stripe</a:t>
+                      </a:r>
+                      <a:endParaRPr lang="en-GB" sz="1200" b="0" i="0" u="none" strike="noStrike">
+                        <a:solidFill>
+                          <a:srgbClr val="000000"/>
+                        </a:solidFill>
+                        <a:effectLst/>
+                        <a:latin typeface="Calibri" panose="020F0502020204030204" pitchFamily="34" charset="0"/>
+                      </a:endParaRPr>
+                    </a:p>
+                  </a:txBody>
+                  <a:tcPr marL="5286" marR="5286" marT="5286" marB="0" anchor="b"/>
+                </a:tc>
+                <a:tc>
+                  <a:txBody>
+                    <a:bodyPr/>
+                    <a:lstStyle/>
+                    <a:p>
+                      <a:pPr algn="l" fontAlgn="b"/>
+                      <a:r>
+                        <a:rPr lang="en-GB" sz="1200" u="none" strike="noStrike">
+                          <a:effectLst/>
+                        </a:rPr>
+                        <a:t>$95</a:t>
+                      </a:r>
+                      <a:endParaRPr lang="en-GB" sz="1200" b="0" i="0" u="none" strike="noStrike">
+                        <a:solidFill>
+                          <a:srgbClr val="000000"/>
+                        </a:solidFill>
+                        <a:effectLst/>
+                        <a:latin typeface="Calibri" panose="020F0502020204030204" pitchFamily="34" charset="0"/>
+                      </a:endParaRPr>
+                    </a:p>
+                  </a:txBody>
+                  <a:tcPr marL="5286" marR="5286" marT="5286" marB="0" anchor="b"/>
+                </a:tc>
+                <a:tc>
+                  <a:txBody>
+                    <a:bodyPr/>
+                    <a:lstStyle/>
+                    <a:p>
+                      <a:pPr algn="l" fontAlgn="b"/>
+                      <a:r>
+                        <a:rPr lang="en-GB" sz="1200" u="none" strike="noStrike">
+                          <a:effectLst/>
+                        </a:rPr>
+                        <a:t>1/23/2014</a:t>
+                      </a:r>
+                      <a:endParaRPr lang="en-GB" sz="1200" b="0" i="0" u="none" strike="noStrike">
+                        <a:solidFill>
+                          <a:srgbClr val="000000"/>
+                        </a:solidFill>
+                        <a:effectLst/>
+                        <a:latin typeface="Calibri" panose="020F0502020204030204" pitchFamily="34" charset="0"/>
+                      </a:endParaRPr>
+                    </a:p>
+                  </a:txBody>
+                  <a:tcPr marL="5286" marR="5286" marT="5286" marB="0" anchor="b"/>
+                </a:tc>
+                <a:tc gridSpan="2">
+                  <a:txBody>
+                    <a:bodyPr/>
+                    <a:lstStyle/>
+                    <a:p>
+                      <a:pPr algn="l" fontAlgn="b"/>
+                      <a:r>
+                        <a:rPr lang="en-GB" sz="1200" u="none" strike="noStrike" dirty="0">
+                          <a:effectLst/>
+                        </a:rPr>
+                        <a:t>United States</a:t>
+                      </a:r>
+                      <a:endParaRPr lang="en-GB" sz="1200" b="0" i="0" u="none" strike="noStrike" dirty="0">
+                        <a:solidFill>
+                          <a:srgbClr val="000000"/>
+                        </a:solidFill>
+                        <a:effectLst/>
+                        <a:latin typeface="Calibri" panose="020F0502020204030204" pitchFamily="34" charset="0"/>
+                      </a:endParaRPr>
+                    </a:p>
+                  </a:txBody>
+                  <a:tcPr marL="5286" marR="5286" marT="5286" marB="0" anchor="b"/>
+                </a:tc>
+                <a:tc hMerge="1">
+                  <a:txBody>
+                    <a:bodyPr/>
+                    <a:lstStyle/>
+                    <a:p>
+                      <a:endParaRPr lang="en-GB"/>
+                    </a:p>
+                  </a:txBody>
+                  <a:tcPr/>
+                </a:tc>
+                <a:extLst>
+                  <a:ext uri="{0D108BD9-81ED-4DB2-BD59-A6C34878D82A}">
+                    <a16:rowId xmlns:a16="http://schemas.microsoft.com/office/drawing/2014/main" val="3238261768"/>
+                  </a:ext>
+                </a:extLst>
+              </a:tr>
+              <a:tr h="215612">
+                <a:tc>
+                  <a:txBody>
+                    <a:bodyPr/>
+                    <a:lstStyle/>
+                    <a:p>
+                      <a:pPr algn="l" fontAlgn="b"/>
+                      <a:r>
+                        <a:rPr lang="en-GB" sz="1200" u="none" strike="noStrike" dirty="0">
+                          <a:effectLst/>
+                        </a:rPr>
+                        <a:t>Klarna</a:t>
+                      </a:r>
+                      <a:endParaRPr lang="en-GB" sz="1200" b="0" i="0" u="none" strike="noStrike" dirty="0">
+                        <a:solidFill>
+                          <a:srgbClr val="000000"/>
+                        </a:solidFill>
+                        <a:effectLst/>
+                        <a:latin typeface="Calibri" panose="020F0502020204030204" pitchFamily="34" charset="0"/>
+                      </a:endParaRPr>
+                    </a:p>
+                  </a:txBody>
+                  <a:tcPr marL="5286" marR="5286" marT="5286" marB="0" anchor="b"/>
+                </a:tc>
+                <a:tc>
+                  <a:txBody>
+                    <a:bodyPr/>
+                    <a:lstStyle/>
+                    <a:p>
+                      <a:pPr algn="l" fontAlgn="b"/>
+                      <a:r>
+                        <a:rPr lang="en-GB" sz="1200" u="none" strike="noStrike" dirty="0">
+                          <a:effectLst/>
+                        </a:rPr>
+                        <a:t>$45.6</a:t>
+                      </a:r>
+                      <a:endParaRPr lang="en-GB" sz="1200" b="0" i="0" u="none" strike="noStrike" dirty="0">
+                        <a:solidFill>
+                          <a:srgbClr val="000000"/>
+                        </a:solidFill>
+                        <a:effectLst/>
+                        <a:latin typeface="Calibri" panose="020F0502020204030204" pitchFamily="34" charset="0"/>
+                      </a:endParaRPr>
+                    </a:p>
+                  </a:txBody>
+                  <a:tcPr marL="5286" marR="5286" marT="5286" marB="0" anchor="b"/>
+                </a:tc>
+                <a:tc>
+                  <a:txBody>
+                    <a:bodyPr/>
+                    <a:lstStyle/>
+                    <a:p>
+                      <a:pPr algn="l" fontAlgn="b"/>
+                      <a:r>
+                        <a:rPr lang="en-GB" sz="1200" u="none" strike="noStrike">
+                          <a:effectLst/>
+                        </a:rPr>
+                        <a:t>12/12/2011</a:t>
+                      </a:r>
+                      <a:endParaRPr lang="en-GB" sz="1200" b="0" i="0" u="none" strike="noStrike">
+                        <a:solidFill>
+                          <a:srgbClr val="000000"/>
+                        </a:solidFill>
+                        <a:effectLst/>
+                        <a:latin typeface="Calibri" panose="020F0502020204030204" pitchFamily="34" charset="0"/>
+                      </a:endParaRPr>
+                    </a:p>
+                  </a:txBody>
+                  <a:tcPr marL="5286" marR="5286" marT="5286" marB="0" anchor="b"/>
+                </a:tc>
+                <a:tc>
+                  <a:txBody>
+                    <a:bodyPr/>
+                    <a:lstStyle/>
+                    <a:p>
+                      <a:pPr algn="l" fontAlgn="b"/>
+                      <a:r>
+                        <a:rPr lang="en-GB" sz="1200" u="none" strike="noStrike">
+                          <a:effectLst/>
+                        </a:rPr>
+                        <a:t>Sweden</a:t>
+                      </a:r>
+                      <a:endParaRPr lang="en-GB" sz="1200" b="0" i="0" u="none" strike="noStrike">
+                        <a:solidFill>
+                          <a:srgbClr val="000000"/>
+                        </a:solidFill>
+                        <a:effectLst/>
+                        <a:latin typeface="Calibri" panose="020F0502020204030204" pitchFamily="34" charset="0"/>
+                      </a:endParaRPr>
+                    </a:p>
+                  </a:txBody>
+                  <a:tcPr marL="5286" marR="5286" marT="5286" marB="0" anchor="b"/>
+                </a:tc>
+                <a:tc>
+                  <a:txBody>
+                    <a:bodyPr/>
+                    <a:lstStyle/>
+                    <a:p>
+                      <a:pPr algn="l" fontAlgn="b"/>
+                      <a:endParaRPr lang="en-GB" sz="1200" b="0" i="0" u="none" strike="noStrike" dirty="0">
+                        <a:solidFill>
+                          <a:srgbClr val="000000"/>
+                        </a:solidFill>
+                        <a:effectLst/>
+                        <a:latin typeface="Calibri" panose="020F0502020204030204" pitchFamily="34" charset="0"/>
+                      </a:endParaRPr>
+                    </a:p>
+                  </a:txBody>
+                  <a:tcPr marL="5286" marR="5286" marT="5286" marB="0" anchor="b"/>
+                </a:tc>
+                <a:extLst>
+                  <a:ext uri="{0D108BD9-81ED-4DB2-BD59-A6C34878D82A}">
+                    <a16:rowId xmlns:a16="http://schemas.microsoft.com/office/drawing/2014/main" val="3294421581"/>
+                  </a:ext>
+                </a:extLst>
+              </a:tr>
+              <a:tr h="246990">
+                <a:tc>
+                  <a:txBody>
+                    <a:bodyPr/>
+                    <a:lstStyle/>
+                    <a:p>
+                      <a:pPr algn="l" fontAlgn="b"/>
+                      <a:r>
+                        <a:rPr lang="en-GB" sz="1200" u="none" strike="noStrike" dirty="0">
+                          <a:effectLst/>
+                        </a:rPr>
+                        <a:t>Epic Games</a:t>
+                      </a:r>
+                      <a:endParaRPr lang="en-GB" sz="1200" b="0" i="0" u="none" strike="noStrike" dirty="0">
+                        <a:solidFill>
+                          <a:srgbClr val="000000"/>
+                        </a:solidFill>
+                        <a:effectLst/>
+                        <a:latin typeface="Calibri" panose="020F0502020204030204" pitchFamily="34" charset="0"/>
+                      </a:endParaRPr>
+                    </a:p>
+                  </a:txBody>
+                  <a:tcPr marL="5286" marR="5286" marT="5286" marB="0" anchor="b"/>
+                </a:tc>
+                <a:tc>
+                  <a:txBody>
+                    <a:bodyPr/>
+                    <a:lstStyle/>
+                    <a:p>
+                      <a:pPr algn="l" fontAlgn="b"/>
+                      <a:r>
+                        <a:rPr lang="en-GB" sz="1200" u="none" strike="noStrike" dirty="0">
+                          <a:effectLst/>
+                        </a:rPr>
+                        <a:t>$42</a:t>
+                      </a:r>
+                      <a:endParaRPr lang="en-GB" sz="1200" b="0" i="0" u="none" strike="noStrike" dirty="0">
+                        <a:solidFill>
+                          <a:srgbClr val="000000"/>
+                        </a:solidFill>
+                        <a:effectLst/>
+                        <a:latin typeface="Calibri" panose="020F0502020204030204" pitchFamily="34" charset="0"/>
+                      </a:endParaRPr>
+                    </a:p>
+                  </a:txBody>
+                  <a:tcPr marL="5286" marR="5286" marT="5286" marB="0" anchor="b"/>
+                </a:tc>
+                <a:tc>
+                  <a:txBody>
+                    <a:bodyPr/>
+                    <a:lstStyle/>
+                    <a:p>
+                      <a:pPr algn="l" fontAlgn="b"/>
+                      <a:r>
+                        <a:rPr lang="en-GB" sz="1200" u="none" strike="noStrike">
+                          <a:effectLst/>
+                        </a:rPr>
+                        <a:t>10/26/2018</a:t>
+                      </a:r>
+                      <a:endParaRPr lang="en-GB" sz="1200" b="0" i="0" u="none" strike="noStrike">
+                        <a:solidFill>
+                          <a:srgbClr val="000000"/>
+                        </a:solidFill>
+                        <a:effectLst/>
+                        <a:latin typeface="Calibri" panose="020F0502020204030204" pitchFamily="34" charset="0"/>
+                      </a:endParaRPr>
+                    </a:p>
+                  </a:txBody>
+                  <a:tcPr marL="5286" marR="5286" marT="5286" marB="0" anchor="b"/>
+                </a:tc>
+                <a:tc gridSpan="2">
+                  <a:txBody>
+                    <a:bodyPr/>
+                    <a:lstStyle/>
+                    <a:p>
+                      <a:pPr algn="l" fontAlgn="b"/>
+                      <a:r>
+                        <a:rPr lang="en-GB" sz="1200" u="none" strike="noStrike" dirty="0">
+                          <a:effectLst/>
+                        </a:rPr>
+                        <a:t>United States</a:t>
+                      </a:r>
+                      <a:endParaRPr lang="en-GB" sz="1200" b="0" i="0" u="none" strike="noStrike" dirty="0">
+                        <a:solidFill>
+                          <a:srgbClr val="000000"/>
+                        </a:solidFill>
+                        <a:effectLst/>
+                        <a:latin typeface="Calibri" panose="020F0502020204030204" pitchFamily="34" charset="0"/>
+                      </a:endParaRPr>
+                    </a:p>
+                  </a:txBody>
+                  <a:tcPr marL="5286" marR="5286" marT="5286" marB="0" anchor="b"/>
+                </a:tc>
+                <a:tc hMerge="1">
+                  <a:txBody>
+                    <a:bodyPr/>
+                    <a:lstStyle/>
+                    <a:p>
+                      <a:endParaRPr lang="en-GB"/>
+                    </a:p>
+                  </a:txBody>
+                  <a:tcPr/>
+                </a:tc>
+                <a:extLst>
+                  <a:ext uri="{0D108BD9-81ED-4DB2-BD59-A6C34878D82A}">
+                    <a16:rowId xmlns:a16="http://schemas.microsoft.com/office/drawing/2014/main" val="3655231650"/>
+                  </a:ext>
+                </a:extLst>
+              </a:tr>
+              <a:tr h="224695">
+                <a:tc>
+                  <a:txBody>
+                    <a:bodyPr/>
+                    <a:lstStyle/>
+                    <a:p>
+                      <a:pPr algn="l" fontAlgn="b"/>
+                      <a:r>
+                        <a:rPr lang="en-GB" sz="1200" u="none" strike="noStrike">
+                          <a:effectLst/>
+                        </a:rPr>
+                        <a:t>Canva</a:t>
+                      </a:r>
+                      <a:endParaRPr lang="en-GB" sz="1200" b="0" i="0" u="none" strike="noStrike">
+                        <a:solidFill>
+                          <a:srgbClr val="000000"/>
+                        </a:solidFill>
+                        <a:effectLst/>
+                        <a:latin typeface="Calibri" panose="020F0502020204030204" pitchFamily="34" charset="0"/>
+                      </a:endParaRPr>
+                    </a:p>
+                  </a:txBody>
+                  <a:tcPr marL="5286" marR="5286" marT="5286" marB="0" anchor="b"/>
+                </a:tc>
+                <a:tc>
+                  <a:txBody>
+                    <a:bodyPr/>
+                    <a:lstStyle/>
+                    <a:p>
+                      <a:pPr algn="l" fontAlgn="b"/>
+                      <a:r>
+                        <a:rPr lang="en-GB" sz="1200" u="none" strike="noStrike" dirty="0">
+                          <a:effectLst/>
+                        </a:rPr>
+                        <a:t>$40</a:t>
+                      </a:r>
+                      <a:endParaRPr lang="en-GB" sz="1200" b="0" i="0" u="none" strike="noStrike" dirty="0">
+                        <a:solidFill>
+                          <a:srgbClr val="000000"/>
+                        </a:solidFill>
+                        <a:effectLst/>
+                        <a:latin typeface="Calibri" panose="020F0502020204030204" pitchFamily="34" charset="0"/>
+                      </a:endParaRPr>
+                    </a:p>
+                  </a:txBody>
+                  <a:tcPr marL="5286" marR="5286" marT="5286" marB="0" anchor="b"/>
+                </a:tc>
+                <a:tc>
+                  <a:txBody>
+                    <a:bodyPr/>
+                    <a:lstStyle/>
+                    <a:p>
+                      <a:pPr algn="l" fontAlgn="b"/>
+                      <a:r>
+                        <a:rPr lang="en-GB" sz="1200" u="none" strike="noStrike">
+                          <a:effectLst/>
+                        </a:rPr>
+                        <a:t>1/8/2018</a:t>
+                      </a:r>
+                      <a:endParaRPr lang="en-GB" sz="1200" b="0" i="0" u="none" strike="noStrike">
+                        <a:solidFill>
+                          <a:srgbClr val="000000"/>
+                        </a:solidFill>
+                        <a:effectLst/>
+                        <a:latin typeface="Calibri" panose="020F0502020204030204" pitchFamily="34" charset="0"/>
+                      </a:endParaRPr>
+                    </a:p>
+                  </a:txBody>
+                  <a:tcPr marL="5286" marR="5286" marT="5286" marB="0" anchor="b"/>
+                </a:tc>
+                <a:tc>
+                  <a:txBody>
+                    <a:bodyPr/>
+                    <a:lstStyle/>
+                    <a:p>
+                      <a:pPr algn="l" fontAlgn="b"/>
+                      <a:r>
+                        <a:rPr lang="en-GB" sz="1200" u="none" strike="noStrike">
+                          <a:effectLst/>
+                        </a:rPr>
+                        <a:t>Australia</a:t>
+                      </a:r>
+                      <a:endParaRPr lang="en-GB" sz="1200" b="0" i="0" u="none" strike="noStrike">
+                        <a:solidFill>
+                          <a:srgbClr val="000000"/>
+                        </a:solidFill>
+                        <a:effectLst/>
+                        <a:latin typeface="Calibri" panose="020F0502020204030204" pitchFamily="34" charset="0"/>
+                      </a:endParaRPr>
+                    </a:p>
+                  </a:txBody>
+                  <a:tcPr marL="5286" marR="5286" marT="5286" marB="0" anchor="b"/>
+                </a:tc>
+                <a:tc>
+                  <a:txBody>
+                    <a:bodyPr/>
+                    <a:lstStyle/>
+                    <a:p>
+                      <a:pPr algn="l" fontAlgn="b"/>
+                      <a:endParaRPr lang="en-GB" sz="1200" b="0" i="0" u="none" strike="noStrike">
+                        <a:solidFill>
+                          <a:srgbClr val="000000"/>
+                        </a:solidFill>
+                        <a:effectLst/>
+                        <a:latin typeface="Calibri" panose="020F0502020204030204" pitchFamily="34" charset="0"/>
+                      </a:endParaRPr>
+                    </a:p>
+                  </a:txBody>
+                  <a:tcPr marL="5286" marR="5286" marT="5286" marB="0" anchor="b"/>
+                </a:tc>
+                <a:extLst>
+                  <a:ext uri="{0D108BD9-81ED-4DB2-BD59-A6C34878D82A}">
+                    <a16:rowId xmlns:a16="http://schemas.microsoft.com/office/drawing/2014/main" val="1230431584"/>
+                  </a:ext>
+                </a:extLst>
+              </a:tr>
+              <a:tr h="263311">
+                <a:tc>
+                  <a:txBody>
+                    <a:bodyPr/>
+                    <a:lstStyle/>
+                    <a:p>
+                      <a:pPr algn="l" fontAlgn="b"/>
+                      <a:r>
+                        <a:rPr lang="en-GB" sz="1200" u="none" strike="noStrike" dirty="0">
+                          <a:effectLst/>
+                        </a:rPr>
+                        <a:t>Checkout.com</a:t>
+                      </a:r>
+                      <a:endParaRPr lang="en-GB" sz="1200" b="0" i="0" u="none" strike="noStrike" dirty="0">
+                        <a:solidFill>
+                          <a:srgbClr val="000000"/>
+                        </a:solidFill>
+                        <a:effectLst/>
+                        <a:latin typeface="Calibri" panose="020F0502020204030204" pitchFamily="34" charset="0"/>
+                      </a:endParaRPr>
+                    </a:p>
+                  </a:txBody>
+                  <a:tcPr marL="5286" marR="5286" marT="5286" marB="0" anchor="b"/>
+                </a:tc>
+                <a:tc>
+                  <a:txBody>
+                    <a:bodyPr/>
+                    <a:lstStyle/>
+                    <a:p>
+                      <a:pPr algn="l" fontAlgn="b"/>
+                      <a:r>
+                        <a:rPr lang="en-GB" sz="1200" u="none" strike="noStrike">
+                          <a:effectLst/>
+                        </a:rPr>
+                        <a:t>$40</a:t>
+                      </a:r>
+                      <a:endParaRPr lang="en-GB" sz="1200" b="0" i="0" u="none" strike="noStrike">
+                        <a:solidFill>
+                          <a:srgbClr val="000000"/>
+                        </a:solidFill>
+                        <a:effectLst/>
+                        <a:latin typeface="Calibri" panose="020F0502020204030204" pitchFamily="34" charset="0"/>
+                      </a:endParaRPr>
+                    </a:p>
+                  </a:txBody>
+                  <a:tcPr marL="5286" marR="5286" marT="5286" marB="0" anchor="b"/>
+                </a:tc>
+                <a:tc>
+                  <a:txBody>
+                    <a:bodyPr/>
+                    <a:lstStyle/>
+                    <a:p>
+                      <a:pPr algn="l" fontAlgn="b"/>
+                      <a:r>
+                        <a:rPr lang="en-GB" sz="1200" u="none" strike="noStrike">
+                          <a:effectLst/>
+                        </a:rPr>
+                        <a:t>5/2/2019</a:t>
+                      </a:r>
+                      <a:endParaRPr lang="en-GB" sz="1200" b="0" i="0" u="none" strike="noStrike">
+                        <a:solidFill>
+                          <a:srgbClr val="000000"/>
+                        </a:solidFill>
+                        <a:effectLst/>
+                        <a:latin typeface="Calibri" panose="020F0502020204030204" pitchFamily="34" charset="0"/>
+                      </a:endParaRPr>
+                    </a:p>
+                  </a:txBody>
+                  <a:tcPr marL="5286" marR="5286" marT="5286" marB="0" anchor="b"/>
+                </a:tc>
+                <a:tc gridSpan="2">
+                  <a:txBody>
+                    <a:bodyPr/>
+                    <a:lstStyle/>
+                    <a:p>
+                      <a:pPr algn="l" fontAlgn="b"/>
+                      <a:r>
+                        <a:rPr lang="en-GB" sz="1200" u="none" strike="noStrike">
+                          <a:effectLst/>
+                        </a:rPr>
+                        <a:t>United Kingdom</a:t>
+                      </a:r>
+                      <a:endParaRPr lang="en-GB" sz="1200" b="0" i="0" u="none" strike="noStrike">
+                        <a:solidFill>
+                          <a:srgbClr val="000000"/>
+                        </a:solidFill>
+                        <a:effectLst/>
+                        <a:latin typeface="Calibri" panose="020F0502020204030204" pitchFamily="34" charset="0"/>
+                      </a:endParaRPr>
+                    </a:p>
+                  </a:txBody>
+                  <a:tcPr marL="5286" marR="5286" marT="5286" marB="0" anchor="b"/>
+                </a:tc>
+                <a:tc hMerge="1">
+                  <a:txBody>
+                    <a:bodyPr/>
+                    <a:lstStyle/>
+                    <a:p>
+                      <a:endParaRPr lang="en-GB"/>
+                    </a:p>
+                  </a:txBody>
+                  <a:tcPr/>
+                </a:tc>
+                <a:extLst>
+                  <a:ext uri="{0D108BD9-81ED-4DB2-BD59-A6C34878D82A}">
+                    <a16:rowId xmlns:a16="http://schemas.microsoft.com/office/drawing/2014/main" val="3320254073"/>
+                  </a:ext>
+                </a:extLst>
+              </a:tr>
+              <a:tr h="215612">
+                <a:tc>
+                  <a:txBody>
+                    <a:bodyPr/>
+                    <a:lstStyle/>
+                    <a:p>
+                      <a:pPr algn="l" fontAlgn="b"/>
+                      <a:r>
+                        <a:rPr lang="en-GB" sz="1200" u="none" strike="noStrike">
+                          <a:effectLst/>
+                        </a:rPr>
+                        <a:t>Instacart</a:t>
+                      </a:r>
+                      <a:endParaRPr lang="en-GB" sz="1200" b="0" i="0" u="none" strike="noStrike">
+                        <a:solidFill>
+                          <a:srgbClr val="000000"/>
+                        </a:solidFill>
+                        <a:effectLst/>
+                        <a:latin typeface="Calibri" panose="020F0502020204030204" pitchFamily="34" charset="0"/>
+                      </a:endParaRPr>
+                    </a:p>
+                  </a:txBody>
+                  <a:tcPr marL="5286" marR="5286" marT="5286" marB="0" anchor="b"/>
+                </a:tc>
+                <a:tc>
+                  <a:txBody>
+                    <a:bodyPr/>
+                    <a:lstStyle/>
+                    <a:p>
+                      <a:pPr algn="l" fontAlgn="b"/>
+                      <a:r>
+                        <a:rPr lang="en-GB" sz="1200" u="none" strike="noStrike">
+                          <a:effectLst/>
+                        </a:rPr>
+                        <a:t>$39</a:t>
+                      </a:r>
+                      <a:endParaRPr lang="en-GB" sz="1200" b="0" i="0" u="none" strike="noStrike">
+                        <a:solidFill>
+                          <a:srgbClr val="000000"/>
+                        </a:solidFill>
+                        <a:effectLst/>
+                        <a:latin typeface="Calibri" panose="020F0502020204030204" pitchFamily="34" charset="0"/>
+                      </a:endParaRPr>
+                    </a:p>
+                  </a:txBody>
+                  <a:tcPr marL="5286" marR="5286" marT="5286" marB="0" anchor="b"/>
+                </a:tc>
+                <a:tc>
+                  <a:txBody>
+                    <a:bodyPr/>
+                    <a:lstStyle/>
+                    <a:p>
+                      <a:pPr algn="l" fontAlgn="b"/>
+                      <a:r>
+                        <a:rPr lang="en-GB" sz="1200" u="none" strike="noStrike">
+                          <a:effectLst/>
+                        </a:rPr>
+                        <a:t>12/30/2014</a:t>
+                      </a:r>
+                      <a:endParaRPr lang="en-GB" sz="1200" b="0" i="0" u="none" strike="noStrike">
+                        <a:solidFill>
+                          <a:srgbClr val="000000"/>
+                        </a:solidFill>
+                        <a:effectLst/>
+                        <a:latin typeface="Calibri" panose="020F0502020204030204" pitchFamily="34" charset="0"/>
+                      </a:endParaRPr>
+                    </a:p>
+                  </a:txBody>
+                  <a:tcPr marL="5286" marR="5286" marT="5286" marB="0" anchor="b"/>
+                </a:tc>
+                <a:tc gridSpan="2">
+                  <a:txBody>
+                    <a:bodyPr/>
+                    <a:lstStyle/>
+                    <a:p>
+                      <a:pPr algn="l" fontAlgn="b"/>
+                      <a:r>
+                        <a:rPr lang="en-GB" sz="1200" u="none" strike="noStrike">
+                          <a:effectLst/>
+                        </a:rPr>
+                        <a:t>United States</a:t>
+                      </a:r>
+                      <a:endParaRPr lang="en-GB" sz="1200" b="0" i="0" u="none" strike="noStrike">
+                        <a:solidFill>
+                          <a:srgbClr val="000000"/>
+                        </a:solidFill>
+                        <a:effectLst/>
+                        <a:latin typeface="Calibri" panose="020F0502020204030204" pitchFamily="34" charset="0"/>
+                      </a:endParaRPr>
+                    </a:p>
+                  </a:txBody>
+                  <a:tcPr marL="5286" marR="5286" marT="5286" marB="0" anchor="b"/>
+                </a:tc>
+                <a:tc hMerge="1">
+                  <a:txBody>
+                    <a:bodyPr/>
+                    <a:lstStyle/>
+                    <a:p>
+                      <a:endParaRPr lang="en-GB"/>
+                    </a:p>
+                  </a:txBody>
+                  <a:tcPr/>
+                </a:tc>
+                <a:extLst>
+                  <a:ext uri="{0D108BD9-81ED-4DB2-BD59-A6C34878D82A}">
+                    <a16:rowId xmlns:a16="http://schemas.microsoft.com/office/drawing/2014/main" val="3538045890"/>
+                  </a:ext>
+                </a:extLst>
+              </a:tr>
+              <a:tr h="224695">
+                <a:tc>
+                  <a:txBody>
+                    <a:bodyPr/>
+                    <a:lstStyle/>
+                    <a:p>
+                      <a:pPr algn="l" fontAlgn="b"/>
+                      <a:r>
+                        <a:rPr lang="en-GB" sz="1200" u="none" strike="noStrike">
+                          <a:effectLst/>
+                        </a:rPr>
+                        <a:t>Databricks</a:t>
+                      </a:r>
+                      <a:endParaRPr lang="en-GB" sz="1200" b="0" i="0" u="none" strike="noStrike">
+                        <a:solidFill>
+                          <a:srgbClr val="000000"/>
+                        </a:solidFill>
+                        <a:effectLst/>
+                        <a:latin typeface="Calibri" panose="020F0502020204030204" pitchFamily="34" charset="0"/>
+                      </a:endParaRPr>
+                    </a:p>
+                  </a:txBody>
+                  <a:tcPr marL="5286" marR="5286" marT="5286" marB="0" anchor="b"/>
+                </a:tc>
+                <a:tc>
+                  <a:txBody>
+                    <a:bodyPr/>
+                    <a:lstStyle/>
+                    <a:p>
+                      <a:pPr algn="l" fontAlgn="b"/>
+                      <a:r>
+                        <a:rPr lang="en-GB" sz="1200" u="none" strike="noStrike">
+                          <a:effectLst/>
+                        </a:rPr>
+                        <a:t>$38</a:t>
+                      </a:r>
+                      <a:endParaRPr lang="en-GB" sz="1200" b="0" i="0" u="none" strike="noStrike">
+                        <a:solidFill>
+                          <a:srgbClr val="000000"/>
+                        </a:solidFill>
+                        <a:effectLst/>
+                        <a:latin typeface="Calibri" panose="020F0502020204030204" pitchFamily="34" charset="0"/>
+                      </a:endParaRPr>
+                    </a:p>
+                  </a:txBody>
+                  <a:tcPr marL="5286" marR="5286" marT="5286" marB="0" anchor="b"/>
+                </a:tc>
+                <a:tc>
+                  <a:txBody>
+                    <a:bodyPr/>
+                    <a:lstStyle/>
+                    <a:p>
+                      <a:pPr algn="l" fontAlgn="b"/>
+                      <a:r>
+                        <a:rPr lang="en-GB" sz="1200" u="none" strike="noStrike">
+                          <a:effectLst/>
+                        </a:rPr>
+                        <a:t>2/5/2019</a:t>
+                      </a:r>
+                      <a:endParaRPr lang="en-GB" sz="1200" b="0" i="0" u="none" strike="noStrike">
+                        <a:solidFill>
+                          <a:srgbClr val="000000"/>
+                        </a:solidFill>
+                        <a:effectLst/>
+                        <a:latin typeface="Calibri" panose="020F0502020204030204" pitchFamily="34" charset="0"/>
+                      </a:endParaRPr>
+                    </a:p>
+                  </a:txBody>
+                  <a:tcPr marL="5286" marR="5286" marT="5286" marB="0" anchor="b"/>
+                </a:tc>
+                <a:tc gridSpan="2">
+                  <a:txBody>
+                    <a:bodyPr/>
+                    <a:lstStyle/>
+                    <a:p>
+                      <a:pPr algn="l" fontAlgn="b"/>
+                      <a:r>
+                        <a:rPr lang="en-GB" sz="1200" u="none" strike="noStrike">
+                          <a:effectLst/>
+                        </a:rPr>
+                        <a:t>United States</a:t>
+                      </a:r>
+                      <a:endParaRPr lang="en-GB" sz="1200" b="0" i="0" u="none" strike="noStrike">
+                        <a:solidFill>
+                          <a:srgbClr val="000000"/>
+                        </a:solidFill>
+                        <a:effectLst/>
+                        <a:latin typeface="Calibri" panose="020F0502020204030204" pitchFamily="34" charset="0"/>
+                      </a:endParaRPr>
+                    </a:p>
+                  </a:txBody>
+                  <a:tcPr marL="5286" marR="5286" marT="5286" marB="0" anchor="b"/>
+                </a:tc>
+                <a:tc hMerge="1">
+                  <a:txBody>
+                    <a:bodyPr/>
+                    <a:lstStyle/>
+                    <a:p>
+                      <a:endParaRPr lang="en-GB"/>
+                    </a:p>
+                  </a:txBody>
+                  <a:tcPr/>
+                </a:tc>
+                <a:extLst>
+                  <a:ext uri="{0D108BD9-81ED-4DB2-BD59-A6C34878D82A}">
+                    <a16:rowId xmlns:a16="http://schemas.microsoft.com/office/drawing/2014/main" val="3379435483"/>
+                  </a:ext>
+                </a:extLst>
+              </a:tr>
+              <a:tr h="224695">
+                <a:tc>
+                  <a:txBody>
+                    <a:bodyPr/>
+                    <a:lstStyle/>
+                    <a:p>
+                      <a:pPr algn="l" fontAlgn="b"/>
+                      <a:r>
+                        <a:rPr lang="en-GB" sz="1200" u="none" strike="noStrike">
+                          <a:effectLst/>
+                        </a:rPr>
+                        <a:t>Revolut</a:t>
+                      </a:r>
+                      <a:endParaRPr lang="en-GB" sz="1200" b="0" i="0" u="none" strike="noStrike">
+                        <a:solidFill>
+                          <a:srgbClr val="000000"/>
+                        </a:solidFill>
+                        <a:effectLst/>
+                        <a:latin typeface="Calibri" panose="020F0502020204030204" pitchFamily="34" charset="0"/>
+                      </a:endParaRPr>
+                    </a:p>
+                  </a:txBody>
+                  <a:tcPr marL="5286" marR="5286" marT="5286" marB="0" anchor="b"/>
+                </a:tc>
+                <a:tc>
+                  <a:txBody>
+                    <a:bodyPr/>
+                    <a:lstStyle/>
+                    <a:p>
+                      <a:pPr algn="l" fontAlgn="b"/>
+                      <a:r>
+                        <a:rPr lang="en-GB" sz="1200" u="none" strike="noStrike">
+                          <a:effectLst/>
+                        </a:rPr>
+                        <a:t>$33</a:t>
+                      </a:r>
+                      <a:endParaRPr lang="en-GB" sz="1200" b="0" i="0" u="none" strike="noStrike">
+                        <a:solidFill>
+                          <a:srgbClr val="000000"/>
+                        </a:solidFill>
+                        <a:effectLst/>
+                        <a:latin typeface="Calibri" panose="020F0502020204030204" pitchFamily="34" charset="0"/>
+                      </a:endParaRPr>
+                    </a:p>
+                  </a:txBody>
+                  <a:tcPr marL="5286" marR="5286" marT="5286" marB="0" anchor="b"/>
+                </a:tc>
+                <a:tc>
+                  <a:txBody>
+                    <a:bodyPr/>
+                    <a:lstStyle/>
+                    <a:p>
+                      <a:pPr algn="l" fontAlgn="b"/>
+                      <a:r>
+                        <a:rPr lang="en-GB" sz="1200" u="none" strike="noStrike">
+                          <a:effectLst/>
+                        </a:rPr>
+                        <a:t>4/26/2018</a:t>
+                      </a:r>
+                      <a:endParaRPr lang="en-GB" sz="1200" b="0" i="0" u="none" strike="noStrike">
+                        <a:solidFill>
+                          <a:srgbClr val="000000"/>
+                        </a:solidFill>
+                        <a:effectLst/>
+                        <a:latin typeface="Calibri" panose="020F0502020204030204" pitchFamily="34" charset="0"/>
+                      </a:endParaRPr>
+                    </a:p>
+                  </a:txBody>
+                  <a:tcPr marL="5286" marR="5286" marT="5286" marB="0" anchor="b"/>
+                </a:tc>
+                <a:tc gridSpan="2">
+                  <a:txBody>
+                    <a:bodyPr/>
+                    <a:lstStyle/>
+                    <a:p>
+                      <a:pPr algn="l" fontAlgn="b"/>
+                      <a:r>
+                        <a:rPr lang="en-GB" sz="1200" u="none" strike="noStrike" dirty="0">
+                          <a:effectLst/>
+                        </a:rPr>
+                        <a:t>United Kingdom</a:t>
+                      </a:r>
+                      <a:endParaRPr lang="en-GB" sz="1200" b="0" i="0" u="none" strike="noStrike" dirty="0">
+                        <a:solidFill>
+                          <a:srgbClr val="000000"/>
+                        </a:solidFill>
+                        <a:effectLst/>
+                        <a:latin typeface="Calibri" panose="020F0502020204030204" pitchFamily="34" charset="0"/>
+                      </a:endParaRPr>
+                    </a:p>
+                  </a:txBody>
+                  <a:tcPr marL="5286" marR="5286" marT="5286" marB="0" anchor="b"/>
+                </a:tc>
+                <a:tc hMerge="1">
+                  <a:txBody>
+                    <a:bodyPr/>
+                    <a:lstStyle/>
+                    <a:p>
+                      <a:endParaRPr lang="en-GB"/>
+                    </a:p>
+                  </a:txBody>
+                  <a:tcPr/>
+                </a:tc>
+                <a:extLst>
+                  <a:ext uri="{0D108BD9-81ED-4DB2-BD59-A6C34878D82A}">
+                    <a16:rowId xmlns:a16="http://schemas.microsoft.com/office/drawing/2014/main" val="1198607929"/>
+                  </a:ext>
+                </a:extLst>
+              </a:tr>
+              <a:tr h="224695">
+                <a:tc>
+                  <a:txBody>
+                    <a:bodyPr/>
+                    <a:lstStyle/>
+                    <a:p>
+                      <a:pPr algn="l" fontAlgn="b"/>
+                      <a:r>
+                        <a:rPr lang="en-GB" sz="1200" u="none" strike="noStrike">
+                          <a:effectLst/>
+                        </a:rPr>
+                        <a:t>Chime</a:t>
+                      </a:r>
+                      <a:endParaRPr lang="en-GB" sz="1200" b="0" i="0" u="none" strike="noStrike">
+                        <a:solidFill>
+                          <a:srgbClr val="000000"/>
+                        </a:solidFill>
+                        <a:effectLst/>
+                        <a:latin typeface="Calibri" panose="020F0502020204030204" pitchFamily="34" charset="0"/>
+                      </a:endParaRPr>
+                    </a:p>
+                  </a:txBody>
+                  <a:tcPr marL="5286" marR="5286" marT="5286" marB="0" anchor="b"/>
+                </a:tc>
+                <a:tc>
+                  <a:txBody>
+                    <a:bodyPr/>
+                    <a:lstStyle/>
+                    <a:p>
+                      <a:pPr algn="l" fontAlgn="b"/>
+                      <a:r>
+                        <a:rPr lang="en-GB" sz="1200" u="none" strike="noStrike">
+                          <a:effectLst/>
+                        </a:rPr>
+                        <a:t>$25</a:t>
+                      </a:r>
+                      <a:endParaRPr lang="en-GB" sz="1200" b="0" i="0" u="none" strike="noStrike">
+                        <a:solidFill>
+                          <a:srgbClr val="000000"/>
+                        </a:solidFill>
+                        <a:effectLst/>
+                        <a:latin typeface="Calibri" panose="020F0502020204030204" pitchFamily="34" charset="0"/>
+                      </a:endParaRPr>
+                    </a:p>
+                  </a:txBody>
+                  <a:tcPr marL="5286" marR="5286" marT="5286" marB="0" anchor="b"/>
+                </a:tc>
+                <a:tc>
+                  <a:txBody>
+                    <a:bodyPr/>
+                    <a:lstStyle/>
+                    <a:p>
+                      <a:pPr algn="l" fontAlgn="b"/>
+                      <a:r>
+                        <a:rPr lang="en-GB" sz="1200" u="none" strike="noStrike">
+                          <a:effectLst/>
+                        </a:rPr>
+                        <a:t>3/5/2019</a:t>
+                      </a:r>
+                      <a:endParaRPr lang="en-GB" sz="1200" b="0" i="0" u="none" strike="noStrike">
+                        <a:solidFill>
+                          <a:srgbClr val="000000"/>
+                        </a:solidFill>
+                        <a:effectLst/>
+                        <a:latin typeface="Calibri" panose="020F0502020204030204" pitchFamily="34" charset="0"/>
+                      </a:endParaRPr>
+                    </a:p>
+                  </a:txBody>
+                  <a:tcPr marL="5286" marR="5286" marT="5286" marB="0" anchor="b"/>
+                </a:tc>
+                <a:tc gridSpan="2">
+                  <a:txBody>
+                    <a:bodyPr/>
+                    <a:lstStyle/>
+                    <a:p>
+                      <a:pPr algn="l" fontAlgn="b"/>
+                      <a:r>
+                        <a:rPr lang="en-GB" sz="1200" u="none" strike="noStrike" dirty="0">
+                          <a:effectLst/>
+                        </a:rPr>
+                        <a:t>United States</a:t>
+                      </a:r>
+                      <a:endParaRPr lang="en-GB" sz="1200" b="0" i="0" u="none" strike="noStrike" dirty="0">
+                        <a:solidFill>
+                          <a:srgbClr val="000000"/>
+                        </a:solidFill>
+                        <a:effectLst/>
+                        <a:latin typeface="Calibri" panose="020F0502020204030204" pitchFamily="34" charset="0"/>
+                      </a:endParaRPr>
+                    </a:p>
+                  </a:txBody>
+                  <a:tcPr marL="5286" marR="5286" marT="5286" marB="0" anchor="b"/>
+                </a:tc>
+                <a:tc hMerge="1">
+                  <a:txBody>
+                    <a:bodyPr/>
+                    <a:lstStyle/>
+                    <a:p>
+                      <a:endParaRPr lang="en-GB"/>
+                    </a:p>
+                  </a:txBody>
+                  <a:tcPr/>
+                </a:tc>
+                <a:extLst>
+                  <a:ext uri="{0D108BD9-81ED-4DB2-BD59-A6C34878D82A}">
+                    <a16:rowId xmlns:a16="http://schemas.microsoft.com/office/drawing/2014/main" val="3157507781"/>
+                  </a:ext>
+                </a:extLst>
+              </a:tr>
+            </a:tbl>
+          </a:graphicData>
+        </a:graphic>
+      </p:graphicFrame>
+      <p:sp>
+        <p:nvSpPr>
+          <p:cNvPr id="14" name="TextBox 13">
+            <a:extLst>
+              <a:ext uri="{FF2B5EF4-FFF2-40B4-BE49-F238E27FC236}">
+                <a16:creationId xmlns:a16="http://schemas.microsoft.com/office/drawing/2014/main" id="{0A4C457C-5DA3-C517-09E5-B11F2D78DF70}"/>
+              </a:ext>
+            </a:extLst>
+          </p:cNvPr>
+          <p:cNvSpPr txBox="1"/>
+          <p:nvPr/>
         </p:nvSpPr>
         <p:spPr>
           <a:xfrm>
-            <a:off x="965289" y="1893915"/>
-            <a:ext cx="10640594" cy="338746"/>
+            <a:off x="501041" y="5085731"/>
+            <a:ext cx="11690959" cy="1477328"/>
           </a:xfrm>
+          <a:prstGeom prst="rect">
+            <a:avLst/>
+          </a:prstGeom>
+          <a:solidFill>
+            <a:srgbClr val="FFFF00"/>
+          </a:solidFill>
         </p:spPr>
         <p:txBody>
-          <a:bodyPr>
-            <a:noAutofit/>
+          <a:bodyPr wrap="square">
+            <a:spAutoFit/>
           </a:bodyPr>
           <a:lstStyle/>
           <a:p>
-            <a:pPr>
-              <a:lnSpc>
-                <a:spcPct val="100000"/>
-              </a:lnSpc>
-            </a:pPr>
-            <a:r>
-              <a:rPr lang="en-IE" sz="2400" b="0" dirty="0">
-                <a:effectLst/>
+            <a:r>
+              <a:rPr lang="en-US" baseline="30000" dirty="0">
+                <a:solidFill>
+                  <a:srgbClr val="FF0000"/>
+                </a:solidFill>
                 <a:latin typeface="Calibri" panose="020F0502020204030204" pitchFamily="34" charset="0"/>
-                <a:ea typeface="Calibri" panose="020F0502020204030204" pitchFamily="34" charset="0"/>
-                <a:cs typeface="Times New Roman" panose="02020603050405020304" pitchFamily="18" charset="0"/>
+                <a:cs typeface="Calibri" panose="020F0502020204030204" pitchFamily="34" charset="0"/>
               </a:rPr>
-              <a:t>“</a:t>
-            </a:r>
-            <a:r>
-              <a:rPr lang="en-IE" sz="2400" b="0" dirty="0">
-                <a:effectLst/>
-                <a:latin typeface="Raleway" pitchFamily="2" charset="0"/>
-                <a:ea typeface="Calibri" panose="020F0502020204030204" pitchFamily="34" charset="0"/>
-                <a:cs typeface="Times New Roman" panose="02020603050405020304" pitchFamily="18" charset="0"/>
+              <a:t>1 </a:t>
+            </a:r>
+            <a:r>
+              <a:rPr lang="en-US" sz="1800" b="0" dirty="0">
+                <a:solidFill>
+                  <a:srgbClr val="FF0000"/>
+                </a:solidFill>
+                <a:latin typeface="Calibri" panose="020F0502020204030204" pitchFamily="34" charset="0"/>
+                <a:cs typeface="Calibri" panose="020F0502020204030204" pitchFamily="34" charset="0"/>
               </a:rPr>
-              <a:t>Is there a difference in the mean quality rating between wines with low alcohol content and wines with hig</a:t>
-            </a:r>
-            <a:r>
-              <a:rPr lang="en-IE" sz="2400" b="0" dirty="0">
-                <a:latin typeface="Raleway" pitchFamily="2" charset="0"/>
-                <a:ea typeface="Calibri" panose="020F0502020204030204" pitchFamily="34" charset="0"/>
-                <a:cs typeface="Times New Roman" panose="02020603050405020304" pitchFamily="18" charset="0"/>
+              <a:t>Be sure you follow one of the three prescribed RQ Templates – identifying the type of statistical analysis you will be using.  If you do not have the correct RQ, we will stop your presentation here.</a:t>
+            </a:r>
+          </a:p>
+          <a:p>
+            <a:r>
+              <a:rPr lang="en-US" baseline="30000" dirty="0">
+                <a:solidFill>
+                  <a:srgbClr val="FF0000"/>
+                </a:solidFill>
+                <a:latin typeface="Calibri" panose="020F0502020204030204" pitchFamily="34" charset="0"/>
+                <a:cs typeface="Calibri" panose="020F0502020204030204" pitchFamily="34" charset="0"/>
               </a:rPr>
-              <a:t>h alcohol content?</a:t>
-            </a:r>
-            <a:r>
-              <a:rPr lang="en-IE" sz="2400" b="0" dirty="0">
-                <a:solidFill>
-                  <a:srgbClr val="0070C0"/>
-                </a:solidFill>
-                <a:effectLst/>
+              <a:t>2 </a:t>
+            </a:r>
+            <a:r>
+              <a:rPr lang="en-US" dirty="0">
+                <a:solidFill>
+                  <a:srgbClr val="FF0000"/>
+                </a:solidFill>
                 <a:latin typeface="Calibri" panose="020F0502020204030204" pitchFamily="34" charset="0"/>
-                <a:ea typeface="Calibri" panose="020F0502020204030204" pitchFamily="34" charset="0"/>
-                <a:cs typeface="Times New Roman" panose="02020603050405020304" pitchFamily="18" charset="0"/>
+                <a:cs typeface="Calibri" panose="020F0502020204030204" pitchFamily="34" charset="0"/>
               </a:rPr>
-              <a:t>”</a:t>
-            </a:r>
-            <a:br>
-              <a:rPr lang="en-IE" sz="2400" b="0" dirty="0">
-                <a:solidFill>
-                  <a:srgbClr val="0070C0"/>
-                </a:solidFill>
-                <a:effectLst/>
-                <a:latin typeface="Calibri" panose="020F0502020204030204" pitchFamily="34" charset="0"/>
-                <a:ea typeface="Calibri" panose="020F0502020204030204" pitchFamily="34" charset="0"/>
-                <a:cs typeface="Times New Roman" panose="02020603050405020304" pitchFamily="18" charset="0"/>
-              </a:rPr>
-            </a:br>
-            <a:r>
-              <a:rPr lang="en-IE" sz="2400" b="0" dirty="0">
-                <a:solidFill>
-                  <a:srgbClr val="0070C0"/>
-                </a:solidFill>
-                <a:effectLst/>
-                <a:latin typeface="Calibri" panose="020F0502020204030204" pitchFamily="34" charset="0"/>
-                <a:ea typeface="Calibri" panose="020F0502020204030204" pitchFamily="34" charset="0"/>
-                <a:cs typeface="Times New Roman" panose="02020603050405020304" pitchFamily="18" charset="0"/>
-              </a:rPr>
-              <a:t>  </a:t>
-            </a:r>
-            <a:r>
-              <a:rPr lang="en-IE" sz="2400" b="0" dirty="0">
-                <a:solidFill>
-                  <a:srgbClr val="0070C0"/>
-                </a:solidFill>
-                <a:latin typeface="Calibri" panose="020F0502020204030204" pitchFamily="34" charset="0"/>
-                <a:ea typeface="Calibri" panose="020F0502020204030204" pitchFamily="34" charset="0"/>
-                <a:cs typeface="Times New Roman" panose="02020603050405020304" pitchFamily="18" charset="0"/>
-              </a:rPr>
-              <a:t>	</a:t>
-            </a:r>
-            <a:br>
-              <a:rPr lang="en-IE" sz="2400" b="0" dirty="0">
-                <a:solidFill>
-                  <a:srgbClr val="0070C0"/>
-                </a:solidFill>
-                <a:latin typeface="Calibri" panose="020F0502020204030204" pitchFamily="34" charset="0"/>
-                <a:ea typeface="Calibri" panose="020F0502020204030204" pitchFamily="34" charset="0"/>
-                <a:cs typeface="Times New Roman" panose="02020603050405020304" pitchFamily="18" charset="0"/>
-              </a:rPr>
-            </a:br>
-            <a:r>
-              <a:rPr lang="en-IE" sz="2400" b="0" dirty="0">
-                <a:solidFill>
-                  <a:srgbClr val="0070C0"/>
-                </a:solidFill>
-                <a:latin typeface="Calibri" panose="020F0502020204030204" pitchFamily="34" charset="0"/>
-                <a:ea typeface="Calibri" panose="020F0502020204030204" pitchFamily="34" charset="0"/>
-                <a:cs typeface="Times New Roman" panose="02020603050405020304" pitchFamily="18" charset="0"/>
-              </a:rPr>
-              <a:t>            </a:t>
-            </a:r>
-            <a:r>
-              <a:rPr lang="en-GB" sz="2400" b="0" spc="0" dirty="0">
-                <a:latin typeface="+mn-lt"/>
-              </a:rPr>
-              <a:t>1.</a:t>
-            </a:r>
-            <a:r>
-              <a:rPr lang="en-GB" sz="2400" b="0" spc="0" dirty="0">
-                <a:latin typeface="Raleway" pitchFamily="2" charset="0"/>
-              </a:rPr>
-              <a:t>Null hypothesis (H</a:t>
-            </a:r>
-            <a:r>
-              <a:rPr lang="en-GB" sz="2400" b="0" i="1" spc="0" baseline="-25000" dirty="0">
-                <a:latin typeface="Raleway" pitchFamily="2" charset="0"/>
-              </a:rPr>
-              <a:t>o</a:t>
-            </a:r>
-            <a:r>
-              <a:rPr lang="en-GB" sz="2400" b="0" spc="0" dirty="0">
-                <a:latin typeface="Raleway" pitchFamily="2" charset="0"/>
-              </a:rPr>
-              <a:t>): There is no difference in the mean quality rating between wines with low alcohol content and wines with high alcohol content.</a:t>
-            </a:r>
-            <a:br>
-              <a:rPr lang="en-GB" sz="2400" b="0" spc="0" dirty="0">
-                <a:solidFill>
-                  <a:schemeClr val="accent2">
-                    <a:lumMod val="75000"/>
-                  </a:schemeClr>
-                </a:solidFill>
-                <a:latin typeface="+mn-lt"/>
-              </a:rPr>
-            </a:br>
-            <a:br>
-              <a:rPr lang="en-GB" sz="2400" b="0" spc="0" dirty="0">
-                <a:latin typeface="+mn-lt"/>
-              </a:rPr>
-            </a:br>
-            <a:r>
-              <a:rPr lang="en-GB" sz="2400" b="0" spc="0" dirty="0">
-                <a:latin typeface="+mn-lt"/>
-              </a:rPr>
-              <a:t>      2. </a:t>
-            </a:r>
-            <a:r>
-              <a:rPr lang="en-GB" sz="2400" b="0" spc="0" dirty="0">
-                <a:latin typeface="Raleway" pitchFamily="2" charset="0"/>
-              </a:rPr>
-              <a:t>Alternative hypothesis (H</a:t>
-            </a:r>
-            <a:r>
-              <a:rPr lang="en-GB" sz="2400" b="0" spc="0" baseline="-25000" dirty="0">
-                <a:latin typeface="Raleway" pitchFamily="2" charset="0"/>
-              </a:rPr>
-              <a:t>1</a:t>
-            </a:r>
-            <a:r>
-              <a:rPr lang="en-GB" sz="2400" b="0" spc="0" dirty="0">
-                <a:latin typeface="Raleway" pitchFamily="2" charset="0"/>
-              </a:rPr>
-              <a:t>) :There is a difference in the mean quality rating between wines with low alcohol content and wines with high alcohol content</a:t>
-            </a:r>
-            <a:r>
-              <a:rPr lang="en-GB" sz="2400" b="0" spc="0" dirty="0">
-                <a:solidFill>
-                  <a:schemeClr val="accent5">
-                    <a:lumMod val="75000"/>
-                  </a:schemeClr>
-                </a:solidFill>
-                <a:latin typeface="+mn-lt"/>
-              </a:rPr>
-              <a:t>.             </a:t>
-            </a:r>
-            <a:r>
-              <a:rPr lang="en-GB" sz="2400" b="0" spc="0" dirty="0">
-                <a:solidFill>
-                  <a:schemeClr val="accent2">
-                    <a:lumMod val="75000"/>
-                  </a:schemeClr>
-                </a:solidFill>
-                <a:latin typeface="+mn-lt"/>
-              </a:rPr>
-              <a:t>	</a:t>
-            </a:r>
-            <a:br>
-              <a:rPr lang="en-GB" sz="2400" b="0" dirty="0">
-                <a:solidFill>
-                  <a:schemeClr val="accent2">
-                    <a:lumMod val="75000"/>
-                  </a:schemeClr>
-                </a:solidFill>
-              </a:rPr>
-            </a:br>
-            <a:br>
-              <a:rPr lang="en-IE" sz="2400" b="0" dirty="0">
-                <a:solidFill>
-                  <a:srgbClr val="0070C0"/>
-                </a:solidFill>
-                <a:effectLst/>
-                <a:latin typeface="Calibri" panose="020F0502020204030204" pitchFamily="34" charset="0"/>
-                <a:ea typeface="Calibri" panose="020F0502020204030204" pitchFamily="34" charset="0"/>
-                <a:cs typeface="Times New Roman" panose="02020603050405020304" pitchFamily="18" charset="0"/>
-              </a:rPr>
-            </a:br>
-            <a:br>
-              <a:rPr lang="en-IE" sz="2400" b="0" dirty="0">
-                <a:solidFill>
-                  <a:srgbClr val="0070C0"/>
-                </a:solidFill>
-                <a:latin typeface="Calibri" panose="020F0502020204030204" pitchFamily="34" charset="0"/>
-                <a:ea typeface="Calibri" panose="020F0502020204030204" pitchFamily="34" charset="0"/>
-                <a:cs typeface="Times New Roman" panose="02020603050405020304" pitchFamily="18" charset="0"/>
-              </a:rPr>
-            </a:br>
-            <a:r>
-              <a:rPr lang="en-IE" sz="2400" b="0" dirty="0">
-                <a:effectLst/>
-                <a:latin typeface="Calibri" panose="020F0502020204030204" pitchFamily="34" charset="0"/>
-                <a:ea typeface="Calibri" panose="020F0502020204030204" pitchFamily="34" charset="0"/>
-                <a:cs typeface="Times New Roman" panose="02020603050405020304" pitchFamily="18" charset="0"/>
-              </a:rPr>
-              <a:t> </a:t>
-            </a:r>
-            <a:br>
-              <a:rPr lang="en-IE" sz="2400" dirty="0">
-                <a:effectLst/>
-                <a:latin typeface="Calibri" panose="020F0502020204030204" pitchFamily="34" charset="0"/>
-                <a:ea typeface="Calibri" panose="020F0502020204030204" pitchFamily="34" charset="0"/>
-                <a:cs typeface="Times New Roman" panose="02020603050405020304" pitchFamily="18" charset="0"/>
-              </a:rPr>
-            </a:br>
-            <a:br>
-              <a:rPr lang="en-IE" sz="2400" dirty="0">
-                <a:effectLst/>
-                <a:latin typeface="Calibri" panose="020F0502020204030204" pitchFamily="34" charset="0"/>
-                <a:ea typeface="Calibri" panose="020F0502020204030204" pitchFamily="34" charset="0"/>
-                <a:cs typeface="Times New Roman" panose="02020603050405020304" pitchFamily="18" charset="0"/>
-              </a:rPr>
-            </a:br>
-            <a:endParaRPr lang="en-GB" sz="2400" dirty="0">
+              <a:t>The variable name in your RQ may be different from the column name in cases where the column names are abbreviations.  </a:t>
+            </a:r>
+            <a:endParaRPr lang="en-US" sz="1800" b="0" dirty="0">
               <a:solidFill>
                 <a:srgbClr val="FF0000"/>
               </a:solidFill>
+              <a:latin typeface="Calibri" panose="020F0502020204030204" pitchFamily="34" charset="0"/>
+              <a:cs typeface="Calibri" panose="020F0502020204030204" pitchFamily="34" charset="0"/>
             </a:endParaRPr>
           </a:p>
-        </p:txBody>
-      </p:sp>
+          <a:p>
+            <a:r>
+              <a:rPr lang="en-US" baseline="30000" dirty="0">
+                <a:solidFill>
+                  <a:srgbClr val="FF0000"/>
+                </a:solidFill>
+                <a:latin typeface="Calibri" panose="020F0502020204030204" pitchFamily="34" charset="0"/>
+                <a:cs typeface="Calibri" panose="020F0502020204030204" pitchFamily="34" charset="0"/>
+              </a:rPr>
+              <a:t>3.4.</a:t>
+            </a:r>
+            <a:r>
+              <a:rPr lang="en-US" dirty="0">
+                <a:solidFill>
+                  <a:srgbClr val="FF0000"/>
+                </a:solidFill>
+                <a:latin typeface="Calibri" panose="020F0502020204030204" pitchFamily="34" charset="0"/>
+                <a:cs typeface="Calibri" panose="020F0502020204030204" pitchFamily="34" charset="0"/>
+              </a:rPr>
+              <a:t>Be sure to identify which variable is your </a:t>
+            </a:r>
+            <a:r>
+              <a:rPr lang="en-US" b="1" dirty="0">
+                <a:solidFill>
+                  <a:srgbClr val="FF0000"/>
+                </a:solidFill>
+                <a:latin typeface="Calibri" panose="020F0502020204030204" pitchFamily="34" charset="0"/>
+                <a:cs typeface="Calibri" panose="020F0502020204030204" pitchFamily="34" charset="0"/>
+              </a:rPr>
+              <a:t>dependent variable </a:t>
+            </a:r>
+            <a:r>
+              <a:rPr lang="en-US" dirty="0">
+                <a:solidFill>
+                  <a:srgbClr val="FF0000"/>
+                </a:solidFill>
+                <a:latin typeface="Calibri" panose="020F0502020204030204" pitchFamily="34" charset="0"/>
+                <a:cs typeface="Calibri" panose="020F0502020204030204" pitchFamily="34" charset="0"/>
+              </a:rPr>
+              <a:t>and which one is your </a:t>
+            </a:r>
+            <a:r>
+              <a:rPr lang="en-US" b="1" dirty="0">
+                <a:solidFill>
+                  <a:srgbClr val="FF0000"/>
+                </a:solidFill>
+                <a:latin typeface="Calibri" panose="020F0502020204030204" pitchFamily="34" charset="0"/>
+                <a:cs typeface="Calibri" panose="020F0502020204030204" pitchFamily="34" charset="0"/>
+              </a:rPr>
+              <a:t>independent variable </a:t>
+            </a:r>
+            <a:r>
+              <a:rPr lang="en-US" dirty="0">
+                <a:solidFill>
+                  <a:srgbClr val="FF0000"/>
+                </a:solidFill>
+                <a:latin typeface="Calibri" panose="020F0502020204030204" pitchFamily="34" charset="0"/>
+                <a:cs typeface="Calibri" panose="020F0502020204030204" pitchFamily="34" charset="0"/>
+              </a:rPr>
+              <a:t>on this slide</a:t>
+            </a:r>
+            <a:endParaRPr lang="en-GB" dirty="0"/>
+          </a:p>
+        </p:txBody>
+      </p:sp>
+      <p:sp>
+        <p:nvSpPr>
+          <p:cNvPr id="17" name="TextBox 16">
+            <a:extLst>
+              <a:ext uri="{FF2B5EF4-FFF2-40B4-BE49-F238E27FC236}">
+                <a16:creationId xmlns:a16="http://schemas.microsoft.com/office/drawing/2014/main" id="{02FDD890-F323-BC39-8E76-43B2265D0104}"/>
+              </a:ext>
+            </a:extLst>
+          </p:cNvPr>
+          <p:cNvSpPr txBox="1"/>
+          <p:nvPr/>
+        </p:nvSpPr>
+        <p:spPr>
+          <a:xfrm>
+            <a:off x="589799" y="1905506"/>
+            <a:ext cx="4860975" cy="3600986"/>
+          </a:xfrm>
+          <a:prstGeom prst="rect">
+            <a:avLst/>
+          </a:prstGeom>
+          <a:noFill/>
+        </p:spPr>
+        <p:txBody>
+          <a:bodyPr wrap="square" rtlCol="0">
+            <a:spAutoFit/>
+          </a:bodyPr>
+          <a:lstStyle/>
+          <a:p>
+            <a:r>
+              <a:rPr lang="en-GB" sz="2400" dirty="0">
+                <a:solidFill>
+                  <a:srgbClr val="FF0000"/>
+                </a:solidFill>
+              </a:rPr>
+              <a:t>Include a sample of your .csv/</a:t>
+            </a:r>
+            <a:r>
+              <a:rPr lang="en-GB" sz="2400" dirty="0" err="1">
+                <a:solidFill>
+                  <a:srgbClr val="FF0000"/>
+                </a:solidFill>
+              </a:rPr>
+              <a:t>xlxs</a:t>
+            </a:r>
+            <a:r>
+              <a:rPr lang="en-GB" sz="2400" dirty="0">
+                <a:solidFill>
+                  <a:srgbClr val="FF0000"/>
+                </a:solidFill>
+              </a:rPr>
+              <a:t> dataset file to include column names (variables) in your RQ</a:t>
+            </a:r>
+            <a:r>
+              <a:rPr lang="en-GB" sz="2400" baseline="30000" dirty="0">
+                <a:solidFill>
+                  <a:srgbClr val="FF0000"/>
+                </a:solidFill>
+              </a:rPr>
+              <a:t>2</a:t>
+            </a:r>
+            <a:r>
+              <a:rPr lang="en-GB" sz="2400" dirty="0">
+                <a:solidFill>
+                  <a:srgbClr val="FF0000"/>
+                </a:solidFill>
+              </a:rPr>
+              <a:t>. Include number of rows: E.g. “the dataset has 655 rows and the variables we use are </a:t>
+            </a:r>
+            <a:r>
+              <a:rPr lang="en-GB" sz="2400" b="1" dirty="0">
+                <a:solidFill>
+                  <a:srgbClr val="FF0000"/>
+                </a:solidFill>
+              </a:rPr>
+              <a:t>Valuation </a:t>
+            </a:r>
+            <a:r>
+              <a:rPr lang="en-GB" sz="1800" dirty="0">
+                <a:solidFill>
+                  <a:srgbClr val="242424"/>
+                </a:solidFill>
+                <a:effectLst/>
+                <a:latin typeface="Arial" panose="020B0604020202020204" pitchFamily="34" charset="0"/>
+                <a:ea typeface="Arial" panose="020B0604020202020204" pitchFamily="34" charset="0"/>
+              </a:rPr>
+              <a:t>Our dependent variable is quality ( wine quality)</a:t>
+            </a:r>
+            <a:r>
+              <a:rPr lang="en-GB" sz="2400" dirty="0">
+                <a:solidFill>
+                  <a:srgbClr val="FF0000"/>
+                </a:solidFill>
+              </a:rPr>
+              <a:t> and </a:t>
+            </a:r>
+            <a:r>
+              <a:rPr lang="en-GB" sz="2400" b="1" dirty="0">
+                <a:solidFill>
+                  <a:srgbClr val="FF0000"/>
+                </a:solidFill>
+              </a:rPr>
+              <a:t>Country</a:t>
+            </a:r>
+            <a:r>
+              <a:rPr lang="en-GB" sz="2400" dirty="0">
+                <a:solidFill>
+                  <a:srgbClr val="FF0000"/>
+                </a:solidFill>
+              </a:rPr>
+              <a:t> </a:t>
+            </a:r>
+            <a:r>
+              <a:rPr lang="en-GB" sz="1800" dirty="0">
+                <a:solidFill>
+                  <a:srgbClr val="242424"/>
+                </a:solidFill>
+                <a:effectLst/>
+                <a:latin typeface="Arial" panose="020B0604020202020204" pitchFamily="34" charset="0"/>
+                <a:ea typeface="Arial" panose="020B0604020202020204" pitchFamily="34" charset="0"/>
+              </a:rPr>
+              <a:t>Our independent variable is alcohol (alcohol content)</a:t>
+            </a:r>
+            <a:endParaRPr lang="en-US" sz="1800" dirty="0">
+              <a:effectLst/>
+              <a:latin typeface="Arial" panose="020B0604020202020204" pitchFamily="34" charset="0"/>
+              <a:ea typeface="Arial" panose="020B0604020202020204" pitchFamily="34" charset="0"/>
+            </a:endParaRPr>
+          </a:p>
+          <a:p>
+            <a:r>
+              <a:rPr lang="en-GB" sz="2400" dirty="0">
+                <a:solidFill>
+                  <a:srgbClr val="FF0000"/>
+                </a:solidFill>
+              </a:rPr>
+              <a:t>.</a:t>
+            </a:r>
+          </a:p>
+        </p:txBody>
+      </p:sp>
+      <mc:AlternateContent xmlns:mc="http://schemas.openxmlformats.org/markup-compatibility/2006" xmlns:p14="http://schemas.microsoft.com/office/powerpoint/2010/main">
+        <mc:Choice Requires="p14">
+          <p:contentPart p14:bwMode="auto" r:id="rId3">
+            <p14:nvContentPartPr>
+              <p14:cNvPr id="26" name="Ink 25">
+                <a:extLst>
+                  <a:ext uri="{FF2B5EF4-FFF2-40B4-BE49-F238E27FC236}">
+                    <a16:creationId xmlns:a16="http://schemas.microsoft.com/office/drawing/2014/main" id="{F4A00DAC-98CC-1D9A-E4A4-B99AD3FBA824}"/>
+                  </a:ext>
+                </a:extLst>
+              </p14:cNvPr>
+              <p14:cNvContentPartPr/>
+              <p14:nvPr/>
+            </p14:nvContentPartPr>
+            <p14:xfrm>
+              <a:off x="11548041" y="2705494"/>
+              <a:ext cx="360" cy="360"/>
+            </p14:xfrm>
+          </p:contentPart>
+        </mc:Choice>
+        <mc:Fallback xmlns="">
+          <p:pic>
+            <p:nvPicPr>
+              <p:cNvPr id="26" name="Ink 25">
+                <a:extLst>
+                  <a:ext uri="{FF2B5EF4-FFF2-40B4-BE49-F238E27FC236}">
+                    <a16:creationId xmlns:a16="http://schemas.microsoft.com/office/drawing/2014/main" id="{F4A00DAC-98CC-1D9A-E4A4-B99AD3FBA824}"/>
+                  </a:ext>
+                </a:extLst>
+              </p:cNvPr>
+              <p:cNvPicPr/>
+              <p:nvPr/>
+            </p:nvPicPr>
+            <p:blipFill>
+              <a:blip r:embed="rId4"/>
+              <a:stretch>
+                <a:fillRect/>
+              </a:stretch>
+            </p:blipFill>
+            <p:spPr>
+              <a:xfrm>
+                <a:off x="11530041" y="2687494"/>
+                <a:ext cx="36000" cy="36000"/>
+              </a:xfrm>
+              <a:prstGeom prst="rect">
+                <a:avLst/>
+              </a:prstGeom>
+            </p:spPr>
+          </p:pic>
+        </mc:Fallback>
+      </mc:AlternateContent>
+      <p:cxnSp>
+        <p:nvCxnSpPr>
+          <p:cNvPr id="30" name="Straight Arrow Connector 29">
+            <a:extLst>
+              <a:ext uri="{FF2B5EF4-FFF2-40B4-BE49-F238E27FC236}">
+                <a16:creationId xmlns:a16="http://schemas.microsoft.com/office/drawing/2014/main" id="{A174ADF1-9076-4B41-8EBE-E2A8E1BB8369}"/>
+              </a:ext>
+            </a:extLst>
+          </p:cNvPr>
+          <p:cNvCxnSpPr/>
+          <p:nvPr/>
+        </p:nvCxnSpPr>
+        <p:spPr>
+          <a:xfrm>
+            <a:off x="5268160" y="3958225"/>
+            <a:ext cx="631599" cy="0"/>
+          </a:xfrm>
+          <a:prstGeom prst="straightConnector1">
+            <a:avLst/>
+          </a:prstGeom>
+          <a:ln w="38100" cap="flat" cmpd="sng" algn="ctr">
+            <a:solidFill>
+              <a:schemeClr val="dk1"/>
+            </a:solidFill>
+            <a:prstDash val="solid"/>
+            <a:round/>
+            <a:headEnd type="none" w="med" len="med"/>
+            <a:tailEnd type="arrow" w="med" len="med"/>
+          </a:ln>
+        </p:spPr>
+        <p:style>
+          <a:lnRef idx="0">
+            <a:scrgbClr r="0" g="0" b="0"/>
+          </a:lnRef>
+          <a:fillRef idx="0">
+            <a:scrgbClr r="0" g="0" b="0"/>
+          </a:fillRef>
+          <a:effectRef idx="0">
+            <a:scrgbClr r="0" g="0" b="0"/>
+          </a:effectRef>
+          <a:fontRef idx="minor">
+            <a:schemeClr val="tx1"/>
+          </a:fontRef>
+        </p:style>
+      </p:cxnSp>
     </p:spTree>
     <p:extLst>
       <p:ext uri="{BB962C8B-B14F-4D97-AF65-F5344CB8AC3E}">
-        <p14:creationId xmlns:p14="http://schemas.microsoft.com/office/powerpoint/2010/main" val="32494612"/>
+        <p14:creationId xmlns:p14="http://schemas.microsoft.com/office/powerpoint/2010/main" val="1718004908"/>
       </p:ext>
     </p:extLst>
   </p:cSld>
@@ -5747,7 +7226,7 @@
           <p:cNvPr id="3" name="Footer Placeholder 2">
             <a:extLst>
               <a:ext uri="{FF2B5EF4-FFF2-40B4-BE49-F238E27FC236}">
-                <a16:creationId xmlns:a16="http://schemas.microsoft.com/office/drawing/2014/main" id="{1E32129C-44C2-95DE-7FB4-8025AAB3EA1F}"/>
+                <a16:creationId xmlns:a16="http://schemas.microsoft.com/office/drawing/2014/main" id="{3C4D431B-7665-75B0-2D73-5BD588DCB766}"/>
               </a:ext>
             </a:extLst>
           </p:cNvPr>
@@ -5764,10 +7243,8 @@
           <a:lstStyle/>
           <a:p>
             <a:r>
-              <a:rPr lang="en-GB" sz="1800" dirty="0">
-                <a:latin typeface="Raleway" pitchFamily="2" charset="0"/>
-              </a:rPr>
-              <a:t>Here’s a snippet from the dataset</a:t>
+              <a:rPr lang="en-GB" dirty="0"/>
+              <a:t>PRE 7COM1079-2022  Student Group No:  ?????</a:t>
             </a:r>
           </a:p>
         </p:txBody>
@@ -5777,7 +7254,7 @@
           <p:cNvPr id="4" name="Slide Number Placeholder 3">
             <a:extLst>
               <a:ext uri="{FF2B5EF4-FFF2-40B4-BE49-F238E27FC236}">
-                <a16:creationId xmlns:a16="http://schemas.microsoft.com/office/drawing/2014/main" id="{9143F542-9925-BCBE-2DA4-35A32A38D9AD}"/>
+                <a16:creationId xmlns:a16="http://schemas.microsoft.com/office/drawing/2014/main" id="{1625FA15-B17F-387B-E383-5505647ABB89}"/>
               </a:ext>
             </a:extLst>
           </p:cNvPr>
@@ -5802,12 +7279,127 @@
           </a:p>
         </p:txBody>
       </p:sp>
+      <p:sp>
+        <p:nvSpPr>
+          <p:cNvPr id="7" name="TextBox 6">
+            <a:extLst>
+              <a:ext uri="{FF2B5EF4-FFF2-40B4-BE49-F238E27FC236}">
+                <a16:creationId xmlns:a16="http://schemas.microsoft.com/office/drawing/2014/main" id="{F7FEA660-7B39-BC91-3B96-7298CCF66DE1}"/>
+              </a:ext>
+            </a:extLst>
+          </p:cNvPr>
+          <p:cNvSpPr txBox="1"/>
+          <p:nvPr/>
+        </p:nvSpPr>
+        <p:spPr>
+          <a:xfrm>
+            <a:off x="751960" y="6066978"/>
+            <a:ext cx="11440040" cy="646331"/>
+          </a:xfrm>
+          <a:prstGeom prst="rect">
+            <a:avLst/>
+          </a:prstGeom>
+          <a:solidFill>
+            <a:schemeClr val="bg1">
+              <a:lumMod val="95000"/>
+            </a:schemeClr>
+          </a:solidFill>
+        </p:spPr>
+        <p:txBody>
+          <a:bodyPr wrap="square" rtlCol="0">
+            <a:spAutoFit/>
+          </a:bodyPr>
+          <a:lstStyle/>
+          <a:p>
+            <a:r>
+              <a:rPr lang="en-IE" sz="1800" b="1" dirty="0">
+                <a:effectLst/>
+                <a:latin typeface="Calibri" panose="020F0502020204030204" pitchFamily="34" charset="0"/>
+                <a:ea typeface="Calibri" panose="020F0502020204030204" pitchFamily="34" charset="0"/>
+                <a:cs typeface="Times New Roman" panose="02020603050405020304" pitchFamily="18" charset="0"/>
+              </a:rPr>
+              <a:t>Comparison of means</a:t>
+            </a:r>
+            <a:r>
+              <a:rPr lang="en-IE" sz="1800" dirty="0">
+                <a:effectLst/>
+                <a:latin typeface="Calibri" panose="020F0502020204030204" pitchFamily="34" charset="0"/>
+                <a:ea typeface="Calibri" panose="020F0502020204030204" pitchFamily="34" charset="0"/>
+                <a:cs typeface="Times New Roman" panose="02020603050405020304" pitchFamily="18" charset="0"/>
+              </a:rPr>
+              <a:t> (or medians) analyses the difference between the mean (or median) value of a characteristic shared by members of two (or more) different populations.</a:t>
+            </a:r>
+            <a:endParaRPr lang="en-GB" dirty="0"/>
+          </a:p>
+        </p:txBody>
+      </p:sp>
+      <p:sp>
+        <p:nvSpPr>
+          <p:cNvPr id="8" name="Subtitle 7">
+            <a:extLst>
+              <a:ext uri="{FF2B5EF4-FFF2-40B4-BE49-F238E27FC236}">
+                <a16:creationId xmlns:a16="http://schemas.microsoft.com/office/drawing/2014/main" id="{08296624-D625-8A51-63F8-EC461F283B3B}"/>
+              </a:ext>
+            </a:extLst>
+          </p:cNvPr>
+          <p:cNvSpPr>
+            <a:spLocks noGrp="1"/>
+          </p:cNvSpPr>
+          <p:nvPr>
+            <p:ph type="subTitle" idx="1"/>
+          </p:nvPr>
+        </p:nvSpPr>
+        <p:spPr>
+          <a:xfrm>
+            <a:off x="965289" y="353630"/>
+            <a:ext cx="10273911" cy="668224"/>
+          </a:xfrm>
+          <a:solidFill>
+            <a:schemeClr val="bg2"/>
+          </a:solidFill>
+        </p:spPr>
+        <p:txBody>
+          <a:bodyPr/>
+          <a:lstStyle/>
+          <a:p>
+            <a:pPr>
+              <a:lnSpc>
+                <a:spcPct val="100000"/>
+              </a:lnSpc>
+            </a:pPr>
+            <a:endParaRPr lang="en-GB" sz="2400" b="0" dirty="0">
+              <a:solidFill>
+                <a:srgbClr val="FF0000"/>
+              </a:solidFill>
+            </a:endParaRPr>
+          </a:p>
+          <a:p>
+            <a:pPr>
+              <a:lnSpc>
+                <a:spcPct val="100000"/>
+              </a:lnSpc>
+            </a:pPr>
+            <a:r>
+              <a:rPr lang="en-GB" sz="2400" b="0" dirty="0">
+                <a:solidFill>
+                  <a:srgbClr val="FF0000"/>
+                </a:solidFill>
+              </a:rPr>
+              <a:t>		</a:t>
+            </a:r>
+            <a:r>
+              <a:rPr lang="en-GB" sz="2400" b="0" dirty="0"/>
+              <a:t>Boxplot					Histogram</a:t>
+            </a:r>
+          </a:p>
+        </p:txBody>
+      </p:sp>
       <p:pic>
         <p:nvPicPr>
-          <p:cNvPr id="9" name="Picture 8">
+          <p:cNvPr id="5" name="Picture 4">
             <a:extLst>
               <a:ext uri="{FF2B5EF4-FFF2-40B4-BE49-F238E27FC236}">
-                <a16:creationId xmlns:a16="http://schemas.microsoft.com/office/drawing/2014/main" id="{E9E149B0-CB82-D295-A787-58799CC4E7C9}"/>
+                <a16:creationId xmlns:a16="http://schemas.microsoft.com/office/drawing/2014/main" id="{90181BF6-CE69-2AA5-3F77-A21095341CEB}"/>
               </a:ext>
             </a:extLst>
           </p:cNvPr>
@@ -5817,15 +7409,57 @@
           <p:nvPr/>
         </p:nvPicPr>
         <p:blipFill>
-          <a:blip r:embed="rId2"/>
+          <a:blip r:embed="rId3">
+            <a:extLst>
+              <a:ext uri="{28A0092B-C50C-407E-A947-70E740481C1C}">
+                <a14:useLocalDpi xmlns:a14="http://schemas.microsoft.com/office/drawing/2010/main" val="0"/>
+              </a:ext>
+            </a:extLst>
+          </a:blip>
           <a:stretch>
             <a:fillRect/>
           </a:stretch>
         </p:blipFill>
         <p:spPr>
           <a:xfrm>
-            <a:off x="737419" y="1998406"/>
-            <a:ext cx="10815485" cy="2231923"/>
+            <a:off x="1235368" y="2066421"/>
+            <a:ext cx="4235944" cy="2725157"/>
+          </a:xfrm>
+          <a:prstGeom prst="rect">
+            <a:avLst/>
+          </a:prstGeom>
+        </p:spPr>
+      </p:pic>
+      <p:pic>
+        <p:nvPicPr>
+          <p:cNvPr id="9" name="Picture 8">
+            <a:extLst>
+              <a:ext uri="{FF2B5EF4-FFF2-40B4-BE49-F238E27FC236}">
+                <a16:creationId xmlns:a16="http://schemas.microsoft.com/office/drawing/2014/main" id="{FB31842F-8945-0FFC-6911-AAFFB27C7BA4}"/>
+              </a:ext>
+            </a:extLst>
+          </p:cNvPr>
+          <p:cNvPicPr>
+            <a:picLocks noChangeAspect="1"/>
+          </p:cNvPicPr>
+          <p:nvPr/>
+        </p:nvPicPr>
+        <p:blipFill>
+          <a:blip r:embed="rId4">
+            <a:extLst>
+              <a:ext uri="{28A0092B-C50C-407E-A947-70E740481C1C}">
+                <a14:useLocalDpi xmlns:a14="http://schemas.microsoft.com/office/drawing/2010/main" val="0"/>
+              </a:ext>
+            </a:extLst>
+          </a:blip>
+          <a:stretch>
+            <a:fillRect/>
+          </a:stretch>
+        </p:blipFill>
+        <p:spPr>
+          <a:xfrm>
+            <a:off x="6408031" y="2172827"/>
+            <a:ext cx="4909068" cy="2618751"/>
           </a:xfrm>
           <a:prstGeom prst="rect">
             <a:avLst/>
@@ -5835,9 +7469,1404 @@
     </p:spTree>
     <p:extLst>
       <p:ext uri="{BB962C8B-B14F-4D97-AF65-F5344CB8AC3E}">
-        <p14:creationId xmlns:p14="http://schemas.microsoft.com/office/powerpoint/2010/main" val="271734506"/>
+        <p14:creationId xmlns:p14="http://schemas.microsoft.com/office/powerpoint/2010/main" val="2723358785"/>
       </p:ext>
     </p:extLst>
+  </p:cSld>
+  <p:clrMapOvr>
+    <a:masterClrMapping/>
+  </p:clrMapOvr>
+</p:sld>
+</file>
+
+<file path=ppt/slides/slide5.xml><?xml version="1.0" encoding="utf-8"?>
+<p:sld xmlns:a="http://schemas.openxmlformats.org/drawingml/2006/main" xmlns:r="http://schemas.openxmlformats.org/officeDocument/2006/relationships" xmlns:p="http://schemas.openxmlformats.org/presentationml/2006/main">
+  <p:cSld>
+    <p:spTree>
+      <p:nvGrpSpPr>
+        <p:cNvPr id="1" name=""/>
+        <p:cNvGrpSpPr/>
+        <p:nvPr/>
+      </p:nvGrpSpPr>
+      <p:grpSpPr>
+        <a:xfrm>
+          <a:off x="0" y="0"/>
+          <a:ext cx="0" cy="0"/>
+          <a:chOff x="0" y="0"/>
+          <a:chExt cx="0" cy="0"/>
+        </a:xfrm>
+      </p:grpSpPr>
+      <p:sp>
+        <p:nvSpPr>
+          <p:cNvPr id="2" name="Subtitle 1">
+            <a:extLst>
+              <a:ext uri="{FF2B5EF4-FFF2-40B4-BE49-F238E27FC236}">
+                <a16:creationId xmlns:a16="http://schemas.microsoft.com/office/drawing/2014/main" id="{A3BCDAA3-A3AD-A880-5E9C-0E1ABBC0A463}"/>
+              </a:ext>
+            </a:extLst>
+          </p:cNvPr>
+          <p:cNvSpPr>
+            <a:spLocks noGrp="1"/>
+          </p:cNvSpPr>
+          <p:nvPr>
+            <p:ph type="subTitle" idx="1"/>
+          </p:nvPr>
+        </p:nvSpPr>
+        <p:spPr>
+          <a:xfrm>
+            <a:off x="1888742" y="3119566"/>
+            <a:ext cx="10399046" cy="1542970"/>
+          </a:xfrm>
+        </p:spPr>
+        <p:txBody>
+          <a:bodyPr/>
+          <a:lstStyle/>
+          <a:p>
+            <a:r>
+              <a:rPr lang="en-US" sz="8000" dirty="0"/>
+              <a:t>Part 2: Analysis</a:t>
+            </a:r>
+          </a:p>
+          <a:p>
+            <a:endParaRPr lang="en-GB" sz="8000" dirty="0"/>
+          </a:p>
+        </p:txBody>
+      </p:sp>
+      <p:sp>
+        <p:nvSpPr>
+          <p:cNvPr id="3" name="Footer Placeholder 2">
+            <a:extLst>
+              <a:ext uri="{FF2B5EF4-FFF2-40B4-BE49-F238E27FC236}">
+                <a16:creationId xmlns:a16="http://schemas.microsoft.com/office/drawing/2014/main" id="{0287CE03-B588-8643-02BA-1E1B72567176}"/>
+              </a:ext>
+            </a:extLst>
+          </p:cNvPr>
+          <p:cNvSpPr>
+            <a:spLocks noGrp="1"/>
+          </p:cNvSpPr>
+          <p:nvPr>
+            <p:ph type="ftr" sz="quarter" idx="11"/>
+          </p:nvPr>
+        </p:nvSpPr>
+        <p:spPr/>
+        <p:txBody>
+          <a:bodyPr/>
+          <a:lstStyle/>
+          <a:p>
+            <a:r>
+              <a:rPr lang="en-GB"/>
+              <a:t>PRESENTATION TITLE (ADD VIA INSERT, HEADER &amp; FOOTER)</a:t>
+            </a:r>
+            <a:endParaRPr lang="en-GB" dirty="0"/>
+          </a:p>
+        </p:txBody>
+      </p:sp>
+      <p:sp>
+        <p:nvSpPr>
+          <p:cNvPr id="4" name="Slide Number Placeholder 3">
+            <a:extLst>
+              <a:ext uri="{FF2B5EF4-FFF2-40B4-BE49-F238E27FC236}">
+                <a16:creationId xmlns:a16="http://schemas.microsoft.com/office/drawing/2014/main" id="{953BD585-11D8-30FD-4A30-9F1639F0D149}"/>
+              </a:ext>
+            </a:extLst>
+          </p:cNvPr>
+          <p:cNvSpPr>
+            <a:spLocks noGrp="1"/>
+          </p:cNvSpPr>
+          <p:nvPr>
+            <p:ph type="sldNum" sz="quarter" idx="12"/>
+          </p:nvPr>
+        </p:nvSpPr>
+        <p:spPr/>
+        <p:txBody>
+          <a:bodyPr/>
+          <a:lstStyle/>
+          <a:p>
+            <a:fld id="{E4D355CA-84B7-41B1-B164-8BB439CC7C6B}" type="slidenum">
+              <a:rPr lang="en-GB" smtClean="0"/>
+              <a:pPr/>
+              <a:t>5</a:t>
+            </a:fld>
+            <a:endParaRPr lang="en-GB" dirty="0"/>
+          </a:p>
+        </p:txBody>
+      </p:sp>
+    </p:spTree>
+    <p:extLst>
+      <p:ext uri="{BB962C8B-B14F-4D97-AF65-F5344CB8AC3E}">
+        <p14:creationId xmlns:p14="http://schemas.microsoft.com/office/powerpoint/2010/main" val="1771321156"/>
+      </p:ext>
+    </p:extLst>
+  </p:cSld>
+  <p:clrMapOvr>
+    <a:masterClrMapping/>
+  </p:clrMapOvr>
+</p:sld>
+</file>
+
+<file path=ppt/slides/slide6.xml><?xml version="1.0" encoding="utf-8"?>
+<p:sld xmlns:a="http://schemas.openxmlformats.org/drawingml/2006/main" xmlns:r="http://schemas.openxmlformats.org/officeDocument/2006/relationships" xmlns:p="http://schemas.openxmlformats.org/presentationml/2006/main">
+  <p:cSld>
+    <p:spTree>
+      <p:nvGrpSpPr>
+        <p:cNvPr id="1" name=""/>
+        <p:cNvGrpSpPr/>
+        <p:nvPr/>
+      </p:nvGrpSpPr>
+      <p:grpSpPr>
+        <a:xfrm>
+          <a:off x="0" y="0"/>
+          <a:ext cx="0" cy="0"/>
+          <a:chOff x="0" y="0"/>
+          <a:chExt cx="0" cy="0"/>
+        </a:xfrm>
+      </p:grpSpPr>
+      <p:sp>
+        <p:nvSpPr>
+          <p:cNvPr id="104" name="CustomShape 1"/>
+          <p:cNvSpPr/>
+          <p:nvPr/>
+        </p:nvSpPr>
+        <p:spPr>
+          <a:xfrm>
+            <a:off x="0" y="0"/>
+            <a:ext cx="12191760" cy="6857640"/>
+          </a:xfrm>
+          <a:prstGeom prst="rect">
+            <a:avLst/>
+          </a:prstGeom>
+          <a:solidFill>
+            <a:schemeClr val="bg1"/>
+          </a:solidFill>
+          <a:ln>
+            <a:noFill/>
+          </a:ln>
+        </p:spPr>
+        <p:style>
+          <a:lnRef idx="2">
+            <a:schemeClr val="accent1">
+              <a:shade val="50000"/>
+            </a:schemeClr>
+          </a:lnRef>
+          <a:fillRef idx="1">
+            <a:schemeClr val="accent1"/>
+          </a:fillRef>
+          <a:effectRef idx="0">
+            <a:schemeClr val="accent1"/>
+          </a:effectRef>
+          <a:fontRef idx="minor"/>
+        </p:style>
+        <p:txBody>
+          <a:bodyPr/>
+          <a:lstStyle/>
+          <a:p>
+            <a:endParaRPr lang="en-GB"/>
+          </a:p>
+        </p:txBody>
+      </p:sp>
+      <p:sp>
+        <p:nvSpPr>
+          <p:cNvPr id="105" name="CustomShape 2"/>
+          <p:cNvSpPr/>
+          <p:nvPr/>
+        </p:nvSpPr>
+        <p:spPr>
+          <a:xfrm rot="10800000" flipH="1">
+            <a:off x="360" y="360"/>
+            <a:ext cx="12191760" cy="1575720"/>
+          </a:xfrm>
+          <a:prstGeom prst="rect">
+            <a:avLst/>
+          </a:prstGeom>
+          <a:gradFill rotWithShape="0">
+            <a:gsLst>
+              <a:gs pos="0">
+                <a:srgbClr val="000000">
+                  <a:alpha val="96078"/>
+                </a:srgbClr>
+              </a:gs>
+              <a:gs pos="100000">
+                <a:srgbClr val="77418E"/>
+              </a:gs>
+            </a:gsLst>
+            <a:lin ang="15600000"/>
+          </a:gradFill>
+          <a:ln>
+            <a:noFill/>
+          </a:ln>
+        </p:spPr>
+        <p:style>
+          <a:lnRef idx="2">
+            <a:schemeClr val="accent1">
+              <a:shade val="50000"/>
+            </a:schemeClr>
+          </a:lnRef>
+          <a:fillRef idx="1">
+            <a:schemeClr val="accent1"/>
+          </a:fillRef>
+          <a:effectRef idx="0">
+            <a:schemeClr val="accent1"/>
+          </a:effectRef>
+          <a:fontRef idx="minor"/>
+        </p:style>
+        <p:txBody>
+          <a:bodyPr/>
+          <a:lstStyle/>
+          <a:p>
+            <a:endParaRPr lang="en-GB"/>
+          </a:p>
+        </p:txBody>
+      </p:sp>
+      <p:sp>
+        <p:nvSpPr>
+          <p:cNvPr id="106" name="CustomShape 3"/>
+          <p:cNvSpPr/>
+          <p:nvPr/>
+        </p:nvSpPr>
+        <p:spPr>
+          <a:xfrm>
+            <a:off x="0" y="0"/>
+            <a:ext cx="8128440" cy="1575000"/>
+          </a:xfrm>
+          <a:prstGeom prst="rect">
+            <a:avLst/>
+          </a:prstGeom>
+          <a:gradFill rotWithShape="0">
+            <a:gsLst>
+              <a:gs pos="26000">
+                <a:srgbClr val="C49FD3">
+                  <a:alpha val="0"/>
+                </a:srgbClr>
+              </a:gs>
+              <a:gs pos="100000">
+                <a:srgbClr val="9C5FB5">
+                  <a:alpha val="41176"/>
+                </a:srgbClr>
+              </a:gs>
+            </a:gsLst>
+            <a:lin ang="19200000"/>
+          </a:gradFill>
+          <a:ln>
+            <a:noFill/>
+          </a:ln>
+        </p:spPr>
+        <p:style>
+          <a:lnRef idx="2">
+            <a:schemeClr val="accent1">
+              <a:shade val="50000"/>
+            </a:schemeClr>
+          </a:lnRef>
+          <a:fillRef idx="1">
+            <a:schemeClr val="accent1"/>
+          </a:fillRef>
+          <a:effectRef idx="0">
+            <a:schemeClr val="accent1"/>
+          </a:effectRef>
+          <a:fontRef idx="minor"/>
+        </p:style>
+        <p:txBody>
+          <a:bodyPr/>
+          <a:lstStyle/>
+          <a:p>
+            <a:endParaRPr lang="en-GB"/>
+          </a:p>
+        </p:txBody>
+      </p:sp>
+      <p:sp>
+        <p:nvSpPr>
+          <p:cNvPr id="107" name="CustomShape 4"/>
+          <p:cNvSpPr/>
+          <p:nvPr/>
+        </p:nvSpPr>
+        <p:spPr>
+          <a:xfrm flipH="1">
+            <a:off x="0" y="0"/>
+            <a:ext cx="12191760" cy="1573920"/>
+          </a:xfrm>
+          <a:prstGeom prst="rect">
+            <a:avLst/>
+          </a:prstGeom>
+          <a:gradFill rotWithShape="0">
+            <a:gsLst>
+              <a:gs pos="22000">
+                <a:srgbClr val="9C5FB5">
+                  <a:alpha val="15294"/>
+                </a:srgbClr>
+              </a:gs>
+              <a:gs pos="100000">
+                <a:srgbClr val="000000">
+                  <a:alpha val="63137"/>
+                </a:srgbClr>
+              </a:gs>
+            </a:gsLst>
+            <a:lin ang="6000000"/>
+          </a:gradFill>
+          <a:ln>
+            <a:noFill/>
+          </a:ln>
+        </p:spPr>
+        <p:style>
+          <a:lnRef idx="2">
+            <a:schemeClr val="accent1">
+              <a:shade val="50000"/>
+            </a:schemeClr>
+          </a:lnRef>
+          <a:fillRef idx="1">
+            <a:schemeClr val="accent1"/>
+          </a:fillRef>
+          <a:effectRef idx="0">
+            <a:schemeClr val="accent1"/>
+          </a:effectRef>
+          <a:fontRef idx="minor"/>
+        </p:style>
+        <p:txBody>
+          <a:bodyPr/>
+          <a:lstStyle/>
+          <a:p>
+            <a:endParaRPr lang="en-GB"/>
+          </a:p>
+        </p:txBody>
+      </p:sp>
+      <p:sp>
+        <p:nvSpPr>
+          <p:cNvPr id="108" name="TextShape 5"/>
+          <p:cNvSpPr txBox="1"/>
+          <p:nvPr/>
+        </p:nvSpPr>
+        <p:spPr>
+          <a:xfrm>
+            <a:off x="290880" y="158400"/>
+            <a:ext cx="7063200" cy="1158840"/>
+          </a:xfrm>
+          <a:prstGeom prst="rect">
+            <a:avLst/>
+          </a:prstGeom>
+          <a:noFill/>
+          <a:ln>
+            <a:noFill/>
+          </a:ln>
+        </p:spPr>
+        <p:txBody>
+          <a:bodyPr anchor="ctr">
+            <a:normAutofit/>
+          </a:bodyPr>
+          <a:lstStyle/>
+          <a:p>
+            <a:pPr>
+              <a:lnSpc>
+                <a:spcPct val="90000"/>
+              </a:lnSpc>
+            </a:pPr>
+            <a:r>
+              <a:rPr lang="en-US" sz="2400" b="0" strike="noStrike" spc="-202">
+                <a:solidFill>
+                  <a:srgbClr val="FFFFFF"/>
+                </a:solidFill>
+                <a:latin typeface="Arial"/>
+              </a:rPr>
+              <a:t> </a:t>
+            </a:r>
+            <a:br/>
+            <a:br/>
+            <a:endParaRPr lang="en-US" sz="2400" b="0" strike="noStrike" spc="-1">
+              <a:solidFill>
+                <a:srgbClr val="203232"/>
+              </a:solidFill>
+              <a:latin typeface="Arial"/>
+            </a:endParaRPr>
+          </a:p>
+        </p:txBody>
+      </p:sp>
+      <p:sp>
+        <p:nvSpPr>
+          <p:cNvPr id="109" name="TextShape 6"/>
+          <p:cNvSpPr txBox="1"/>
+          <p:nvPr/>
+        </p:nvSpPr>
+        <p:spPr>
+          <a:xfrm>
+            <a:off x="7354080" y="203882"/>
+            <a:ext cx="4705437" cy="1158840"/>
+          </a:xfrm>
+          <a:prstGeom prst="rect">
+            <a:avLst/>
+          </a:prstGeom>
+          <a:noFill/>
+          <a:ln>
+            <a:noFill/>
+          </a:ln>
+        </p:spPr>
+        <p:txBody>
+          <a:bodyPr anchor="ctr">
+            <a:noAutofit/>
+          </a:bodyPr>
+          <a:lstStyle/>
+          <a:p>
+            <a:pPr>
+              <a:lnSpc>
+                <a:spcPts val="2880"/>
+              </a:lnSpc>
+              <a:spcAft>
+                <a:spcPts val="992"/>
+              </a:spcAft>
+              <a:tabLst>
+                <a:tab pos="0" algn="l"/>
+              </a:tabLst>
+            </a:pPr>
+            <a:r>
+              <a:rPr lang="en-GB" sz="3000" b="1" strike="noStrike" spc="-100" dirty="0">
+                <a:solidFill>
+                  <a:srgbClr val="FFFFFF"/>
+                </a:solidFill>
+                <a:latin typeface="Arial"/>
+              </a:rPr>
+              <a:t>Our RQ asks about Differences in means/ medians </a:t>
+            </a:r>
+            <a:endParaRPr lang="en-US" sz="3000" b="1" strike="noStrike" spc="-1" dirty="0">
+              <a:latin typeface="Arial"/>
+            </a:endParaRPr>
+          </a:p>
+        </p:txBody>
+      </p:sp>
+      <p:sp>
+        <p:nvSpPr>
+          <p:cNvPr id="110" name="TextShape 7"/>
+          <p:cNvSpPr txBox="1"/>
+          <p:nvPr/>
+        </p:nvSpPr>
+        <p:spPr>
+          <a:xfrm>
+            <a:off x="11704320" y="6455520"/>
+            <a:ext cx="447840" cy="364680"/>
+          </a:xfrm>
+          <a:prstGeom prst="rect">
+            <a:avLst/>
+          </a:prstGeom>
+          <a:noFill/>
+          <a:ln>
+            <a:noFill/>
+          </a:ln>
+        </p:spPr>
+        <p:txBody>
+          <a:bodyPr anchor="ctr">
+            <a:normAutofit/>
+          </a:bodyPr>
+          <a:lstStyle/>
+          <a:p>
+            <a:pPr algn="r">
+              <a:lnSpc>
+                <a:spcPct val="100000"/>
+              </a:lnSpc>
+              <a:spcAft>
+                <a:spcPts val="601"/>
+              </a:spcAft>
+            </a:pPr>
+            <a:fld id="{29CEFF96-2F62-4B45-8A43-FC60A0A96C7C}" type="slidenum">
+              <a:rPr lang="en-US" sz="1100" b="1" strike="noStrike" spc="-1">
+                <a:solidFill>
+                  <a:srgbClr val="7DABAB"/>
+                </a:solidFill>
+                <a:latin typeface="Arial"/>
+              </a:rPr>
+              <a:t>6</a:t>
+            </a:fld>
+            <a:endParaRPr lang="en-US" sz="1100" b="0" strike="noStrike" spc="-1">
+              <a:latin typeface="Times New Roman"/>
+            </a:endParaRPr>
+          </a:p>
+        </p:txBody>
+      </p:sp>
+      <p:sp>
+        <p:nvSpPr>
+          <p:cNvPr id="111" name="CustomShape 8"/>
+          <p:cNvSpPr/>
+          <p:nvPr/>
+        </p:nvSpPr>
+        <p:spPr>
+          <a:xfrm>
+            <a:off x="366120" y="197640"/>
+            <a:ext cx="6988320" cy="1187640"/>
+          </a:xfrm>
+          <a:prstGeom prst="rect">
+            <a:avLst/>
+          </a:prstGeom>
+          <a:noFill/>
+          <a:ln>
+            <a:noFill/>
+          </a:ln>
+        </p:spPr>
+        <p:style>
+          <a:lnRef idx="0">
+            <a:scrgbClr r="0" g="0" b="0"/>
+          </a:lnRef>
+          <a:fillRef idx="0">
+            <a:scrgbClr r="0" g="0" b="0"/>
+          </a:fillRef>
+          <a:effectRef idx="0">
+            <a:scrgbClr r="0" g="0" b="0"/>
+          </a:effectRef>
+          <a:fontRef idx="minor"/>
+        </p:style>
+        <p:txBody>
+          <a:bodyPr lIns="90000" tIns="45000" rIns="90000" bIns="45000">
+            <a:spAutoFit/>
+          </a:bodyPr>
+          <a:lstStyle/>
+          <a:p>
+            <a:pPr>
+              <a:lnSpc>
+                <a:spcPct val="100000"/>
+              </a:lnSpc>
+            </a:pPr>
+            <a:r>
+              <a:rPr lang="en-GB" sz="2400" b="0" strike="noStrike" spc="-1" dirty="0">
+                <a:solidFill>
+                  <a:srgbClr val="FFFFFF"/>
+                </a:solidFill>
+                <a:latin typeface="Arial"/>
+              </a:rPr>
+              <a:t>Here is a </a:t>
+            </a:r>
+            <a:r>
+              <a:rPr lang="en-GB" sz="2400" b="1" strike="noStrike" spc="-1" dirty="0">
+                <a:solidFill>
+                  <a:srgbClr val="FFFFFF"/>
+                </a:solidFill>
+                <a:latin typeface="Arial"/>
+              </a:rPr>
+              <a:t>Histogram </a:t>
+            </a:r>
+            <a:r>
+              <a:rPr lang="en-GB" sz="2400" b="0" strike="noStrike" spc="-1" dirty="0">
+                <a:solidFill>
+                  <a:srgbClr val="FFFFFF"/>
+                </a:solidFill>
+                <a:latin typeface="Arial"/>
+              </a:rPr>
+              <a:t>showing the frequencies of our dependent variable to include the normal curve overlay (shown in blue)</a:t>
+            </a:r>
+            <a:r>
+              <a:rPr lang="en-GB" sz="1800" b="0" strike="noStrike" spc="-1" dirty="0">
+                <a:solidFill>
+                  <a:srgbClr val="203232"/>
+                </a:solidFill>
+                <a:latin typeface="Arial"/>
+              </a:rPr>
+              <a:t>.</a:t>
+            </a:r>
+            <a:endParaRPr lang="en-US" sz="1800" b="0" strike="noStrike" spc="-1" dirty="0">
+              <a:latin typeface="Arial"/>
+            </a:endParaRPr>
+          </a:p>
+        </p:txBody>
+      </p:sp>
+      <p:sp>
+        <p:nvSpPr>
+          <p:cNvPr id="112" name="CustomShape 9"/>
+          <p:cNvSpPr/>
+          <p:nvPr/>
+        </p:nvSpPr>
+        <p:spPr>
+          <a:xfrm>
+            <a:off x="290880" y="1573920"/>
+            <a:ext cx="10865160" cy="4886280"/>
+          </a:xfrm>
+          <a:prstGeom prst="roundRect">
+            <a:avLst>
+              <a:gd name="adj" fmla="val 16667"/>
+            </a:avLst>
+          </a:prstGeom>
+          <a:solidFill>
+            <a:schemeClr val="accent1">
+              <a:lumMod val="20000"/>
+              <a:lumOff val="80000"/>
+            </a:schemeClr>
+          </a:solidFill>
+          <a:ln/>
+        </p:spPr>
+        <p:style>
+          <a:lnRef idx="2">
+            <a:schemeClr val="accent1">
+              <a:shade val="50000"/>
+            </a:schemeClr>
+          </a:lnRef>
+          <a:fillRef idx="1">
+            <a:schemeClr val="accent1"/>
+          </a:fillRef>
+          <a:effectRef idx="0">
+            <a:schemeClr val="accent1"/>
+          </a:effectRef>
+          <a:fontRef idx="minor"/>
+        </p:style>
+        <p:txBody>
+          <a:bodyPr lIns="90000" tIns="45000" rIns="90000" bIns="45000" anchor="ctr">
+            <a:noAutofit/>
+          </a:bodyPr>
+          <a:lstStyle/>
+          <a:p>
+            <a:pPr>
+              <a:lnSpc>
+                <a:spcPct val="100000"/>
+              </a:lnSpc>
+            </a:pPr>
+            <a:r>
+              <a:rPr lang="en-GB" sz="1800" b="0" strike="noStrike" spc="-1" dirty="0">
+                <a:solidFill>
+                  <a:srgbClr val="000000"/>
+                </a:solidFill>
+                <a:latin typeface="Arial"/>
+              </a:rPr>
+              <a:t>For example:</a:t>
+            </a:r>
+            <a:endParaRPr lang="en-US" sz="1800" b="0" strike="noStrike" spc="-1" dirty="0">
+              <a:latin typeface="Arial"/>
+            </a:endParaRPr>
+          </a:p>
+          <a:p>
+            <a:pPr>
+              <a:lnSpc>
+                <a:spcPct val="100000"/>
+              </a:lnSpc>
+            </a:pPr>
+            <a:endParaRPr lang="en-US" sz="1800" b="0" strike="noStrike" spc="-1" dirty="0">
+              <a:latin typeface="Arial"/>
+            </a:endParaRPr>
+          </a:p>
+          <a:p>
+            <a:pPr>
+              <a:lnSpc>
+                <a:spcPct val="100000"/>
+              </a:lnSpc>
+            </a:pPr>
+            <a:endParaRPr lang="en-US" sz="1800" b="0" strike="noStrike" spc="-1" dirty="0">
+              <a:latin typeface="Arial"/>
+            </a:endParaRPr>
+          </a:p>
+          <a:p>
+            <a:pPr>
+              <a:lnSpc>
+                <a:spcPct val="100000"/>
+              </a:lnSpc>
+            </a:pPr>
+            <a:endParaRPr lang="en-US" sz="1800" b="0" strike="noStrike" spc="-1" dirty="0">
+              <a:latin typeface="Arial"/>
+            </a:endParaRPr>
+          </a:p>
+          <a:p>
+            <a:pPr>
+              <a:lnSpc>
+                <a:spcPct val="100000"/>
+              </a:lnSpc>
+            </a:pPr>
+            <a:endParaRPr lang="en-US" sz="1800" b="0" strike="noStrike" spc="-1" dirty="0">
+              <a:latin typeface="Arial"/>
+            </a:endParaRPr>
+          </a:p>
+          <a:p>
+            <a:pPr>
+              <a:lnSpc>
+                <a:spcPct val="100000"/>
+              </a:lnSpc>
+            </a:pPr>
+            <a:endParaRPr lang="en-US" sz="1800" b="0" strike="noStrike" spc="-1" dirty="0">
+              <a:latin typeface="Arial"/>
+            </a:endParaRPr>
+          </a:p>
+          <a:p>
+            <a:pPr>
+              <a:lnSpc>
+                <a:spcPct val="100000"/>
+              </a:lnSpc>
+            </a:pPr>
+            <a:endParaRPr lang="en-US" sz="1800" b="0" strike="noStrike" spc="-1" dirty="0">
+              <a:latin typeface="Arial"/>
+            </a:endParaRPr>
+          </a:p>
+          <a:p>
+            <a:pPr>
+              <a:lnSpc>
+                <a:spcPct val="100000"/>
+              </a:lnSpc>
+            </a:pPr>
+            <a:endParaRPr lang="en-US" sz="1800" b="0" strike="noStrike" spc="-1" dirty="0">
+              <a:latin typeface="Arial"/>
+            </a:endParaRPr>
+          </a:p>
+          <a:p>
+            <a:pPr>
+              <a:lnSpc>
+                <a:spcPct val="100000"/>
+              </a:lnSpc>
+            </a:pPr>
+            <a:endParaRPr lang="en-US" sz="1800" b="0" strike="noStrike" spc="-1" dirty="0">
+              <a:latin typeface="Arial"/>
+            </a:endParaRPr>
+          </a:p>
+          <a:p>
+            <a:pPr>
+              <a:lnSpc>
+                <a:spcPct val="100000"/>
+              </a:lnSpc>
+            </a:pPr>
+            <a:endParaRPr lang="en-US" sz="1800" b="0" strike="noStrike" spc="-1" dirty="0">
+              <a:latin typeface="Arial"/>
+            </a:endParaRPr>
+          </a:p>
+          <a:p>
+            <a:pPr>
+              <a:lnSpc>
+                <a:spcPct val="100000"/>
+              </a:lnSpc>
+            </a:pPr>
+            <a:endParaRPr lang="en-US" sz="1800" b="0" strike="noStrike" spc="-1" dirty="0">
+              <a:latin typeface="Arial"/>
+            </a:endParaRPr>
+          </a:p>
+          <a:p>
+            <a:pPr>
+              <a:lnSpc>
+                <a:spcPct val="100000"/>
+              </a:lnSpc>
+            </a:pPr>
+            <a:endParaRPr lang="en-US" sz="1800" b="0" strike="noStrike" spc="-1" dirty="0">
+              <a:latin typeface="Arial"/>
+            </a:endParaRPr>
+          </a:p>
+          <a:p>
+            <a:pPr>
+              <a:lnSpc>
+                <a:spcPct val="100000"/>
+              </a:lnSpc>
+            </a:pPr>
+            <a:endParaRPr lang="en-US" sz="1800" b="0" strike="noStrike" spc="-1" dirty="0">
+              <a:latin typeface="Arial"/>
+            </a:endParaRPr>
+          </a:p>
+          <a:p>
+            <a:pPr>
+              <a:lnSpc>
+                <a:spcPct val="100000"/>
+              </a:lnSpc>
+            </a:pPr>
+            <a:endParaRPr lang="en-US" sz="1800" b="0" strike="noStrike" spc="-1" dirty="0">
+              <a:latin typeface="Arial"/>
+            </a:endParaRPr>
+          </a:p>
+          <a:p>
+            <a:pPr>
+              <a:lnSpc>
+                <a:spcPct val="100000"/>
+              </a:lnSpc>
+            </a:pPr>
+            <a:endParaRPr lang="en-US" sz="1800" b="0" strike="noStrike" spc="-1" dirty="0">
+              <a:latin typeface="Arial"/>
+            </a:endParaRPr>
+          </a:p>
+          <a:p>
+            <a:pPr>
+              <a:lnSpc>
+                <a:spcPct val="100000"/>
+              </a:lnSpc>
+            </a:pPr>
+            <a:endParaRPr lang="en-US" sz="1800" b="0" strike="noStrike" spc="-1" dirty="0">
+              <a:latin typeface="Arial"/>
+            </a:endParaRPr>
+          </a:p>
+        </p:txBody>
+      </p:sp>
+      <p:sp>
+        <p:nvSpPr>
+          <p:cNvPr id="113" name="CustomShape 10"/>
+          <p:cNvSpPr/>
+          <p:nvPr/>
+        </p:nvSpPr>
+        <p:spPr>
+          <a:xfrm>
+            <a:off x="6403680" y="1917361"/>
+            <a:ext cx="4475760" cy="4522861"/>
+          </a:xfrm>
+          <a:prstGeom prst="rect">
+            <a:avLst/>
+          </a:prstGeom>
+          <a:noFill/>
+          <a:ln>
+            <a:noFill/>
+          </a:ln>
+        </p:spPr>
+        <p:style>
+          <a:lnRef idx="0">
+            <a:scrgbClr r="0" g="0" b="0"/>
+          </a:lnRef>
+          <a:fillRef idx="0">
+            <a:scrgbClr r="0" g="0" b="0"/>
+          </a:fillRef>
+          <a:effectRef idx="0">
+            <a:scrgbClr r="0" g="0" b="0"/>
+          </a:effectRef>
+          <a:fontRef idx="minor"/>
+        </p:style>
+        <p:txBody>
+          <a:bodyPr wrap="square" lIns="90000" tIns="45000" rIns="90000" bIns="45000">
+            <a:spAutoFit/>
+          </a:bodyPr>
+          <a:lstStyle/>
+          <a:p>
+            <a:pPr>
+              <a:lnSpc>
+                <a:spcPct val="100000"/>
+              </a:lnSpc>
+            </a:pPr>
+            <a:r>
+              <a:rPr lang="en-GB" sz="1800" b="0" strike="noStrike" spc="-1" dirty="0">
+                <a:solidFill>
+                  <a:srgbClr val="203232"/>
+                </a:solidFill>
+                <a:latin typeface="Arial"/>
+              </a:rPr>
+              <a:t>Choose one:</a:t>
+            </a:r>
+          </a:p>
+          <a:p>
+            <a:pPr>
+              <a:lnSpc>
+                <a:spcPct val="100000"/>
+              </a:lnSpc>
+            </a:pPr>
+            <a:endParaRPr lang="en-US" sz="1800" b="0" strike="noStrike" spc="-1" dirty="0">
+              <a:latin typeface="Arial"/>
+            </a:endParaRPr>
+          </a:p>
+          <a:p>
+            <a:pPr>
+              <a:lnSpc>
+                <a:spcPct val="100000"/>
+              </a:lnSpc>
+            </a:pPr>
+            <a:r>
+              <a:rPr lang="en-GB" sz="1800" b="0" strike="noStrike" spc="-1" dirty="0">
+                <a:solidFill>
+                  <a:srgbClr val="203232"/>
+                </a:solidFill>
+                <a:latin typeface="Arial"/>
+              </a:rPr>
+              <a:t>1. The normal curve overlay </a:t>
+            </a:r>
+            <a:r>
+              <a:rPr lang="en-GB" sz="1800" b="1" i="1" strike="noStrike" spc="-1" dirty="0">
+                <a:solidFill>
+                  <a:srgbClr val="203232"/>
+                </a:solidFill>
+                <a:latin typeface="Arial"/>
+              </a:rPr>
+              <a:t>follows</a:t>
+            </a:r>
+            <a:r>
+              <a:rPr lang="en-GB" sz="1800" b="0" strike="noStrike" spc="-1" dirty="0">
+                <a:solidFill>
+                  <a:srgbClr val="203232"/>
+                </a:solidFill>
+                <a:latin typeface="Arial"/>
+              </a:rPr>
+              <a:t> the contours of the underlying data, so we use the parametric test</a:t>
+            </a:r>
+            <a:r>
+              <a:rPr lang="en-GB" sz="1800" b="0" strike="noStrike" spc="-1" dirty="0">
+                <a:solidFill>
+                  <a:srgbClr val="0073CF"/>
+                </a:solidFill>
+                <a:latin typeface="Arial"/>
+              </a:rPr>
+              <a:t>: t-test.</a:t>
+            </a:r>
+            <a:endParaRPr lang="en-US" sz="1800" b="0" strike="noStrike" spc="-1" dirty="0">
+              <a:latin typeface="Arial"/>
+            </a:endParaRPr>
+          </a:p>
+          <a:p>
+            <a:pPr>
+              <a:lnSpc>
+                <a:spcPct val="100000"/>
+              </a:lnSpc>
+            </a:pPr>
+            <a:r>
+              <a:rPr lang="en-GB" sz="1800" b="0" strike="noStrike" spc="-1" dirty="0">
+                <a:solidFill>
+                  <a:srgbClr val="0073CF"/>
+                </a:solidFill>
+                <a:latin typeface="Arial"/>
+              </a:rPr>
+              <a:t>OR</a:t>
+            </a:r>
+            <a:endParaRPr lang="en-US" sz="1800" b="0" strike="noStrike" spc="-1" dirty="0">
+              <a:latin typeface="Arial"/>
+            </a:endParaRPr>
+          </a:p>
+          <a:p>
+            <a:pPr>
+              <a:lnSpc>
+                <a:spcPct val="100000"/>
+              </a:lnSpc>
+            </a:pPr>
+            <a:r>
+              <a:rPr lang="en-GB" sz="1800" b="0" strike="noStrike" spc="-1" dirty="0">
+                <a:solidFill>
+                  <a:srgbClr val="203232"/>
+                </a:solidFill>
+                <a:latin typeface="Arial"/>
+              </a:rPr>
+              <a:t>2. The normal curve overlay </a:t>
+            </a:r>
+            <a:r>
+              <a:rPr lang="en-GB" sz="1800" b="1" i="1" strike="noStrike" spc="-1" dirty="0">
+                <a:solidFill>
+                  <a:srgbClr val="203232"/>
+                </a:solidFill>
+                <a:latin typeface="Arial"/>
+              </a:rPr>
+              <a:t>does not follow</a:t>
+            </a:r>
+            <a:r>
+              <a:rPr lang="en-GB" sz="1800" b="0" strike="noStrike" spc="-1" dirty="0">
+                <a:solidFill>
+                  <a:srgbClr val="203232"/>
+                </a:solidFill>
+                <a:latin typeface="Arial"/>
+              </a:rPr>
+              <a:t> the shape of the underlying data, so we use the non-parametric test that does not assume normality: </a:t>
+            </a:r>
+            <a:r>
+              <a:rPr lang="en-GB" sz="1800" b="0" strike="noStrike" spc="-1" dirty="0">
+                <a:solidFill>
+                  <a:srgbClr val="0073CF"/>
+                </a:solidFill>
+                <a:latin typeface="Arial"/>
+              </a:rPr>
+              <a:t>Wilcoxon</a:t>
+            </a:r>
+            <a:r>
+              <a:rPr lang="en-GB" sz="1800" b="0" strike="noStrike" spc="-1" dirty="0">
+                <a:solidFill>
+                  <a:srgbClr val="203232"/>
+                </a:solidFill>
+                <a:latin typeface="Arial"/>
+              </a:rPr>
+              <a:t> also known as the </a:t>
+            </a:r>
+            <a:r>
+              <a:rPr lang="en-GB" sz="1800" b="0" strike="noStrike" spc="-1" dirty="0">
+                <a:solidFill>
+                  <a:srgbClr val="0073CF"/>
+                </a:solidFill>
+                <a:latin typeface="Arial"/>
+              </a:rPr>
+              <a:t>Mann Whitney U Test.</a:t>
+            </a:r>
+            <a:endParaRPr lang="en-US" sz="1800" b="0" strike="noStrike" spc="-1" dirty="0">
+              <a:latin typeface="Arial"/>
+            </a:endParaRPr>
+          </a:p>
+          <a:p>
+            <a:pPr>
+              <a:lnSpc>
+                <a:spcPct val="100000"/>
+              </a:lnSpc>
+            </a:pPr>
+            <a:endParaRPr lang="en-US" sz="1800" b="0" strike="noStrike" spc="-1" dirty="0">
+              <a:latin typeface="Arial"/>
+            </a:endParaRPr>
+          </a:p>
+          <a:p>
+            <a:pPr>
+              <a:lnSpc>
+                <a:spcPct val="100000"/>
+              </a:lnSpc>
+            </a:pPr>
+            <a:r>
+              <a:rPr lang="en-GB" sz="1800" b="0" strike="noStrike" spc="-1" dirty="0">
+                <a:solidFill>
+                  <a:srgbClr val="0073CF"/>
+                </a:solidFill>
+                <a:latin typeface="Arial"/>
+              </a:rPr>
+              <a:t>The example here is borderline, in terms of shape, so when in doubt choose the non-parametric equivalent.</a:t>
+            </a:r>
+            <a:endParaRPr lang="en-US" sz="1800" b="0" strike="noStrike" spc="-1" dirty="0">
+              <a:latin typeface="Arial"/>
+            </a:endParaRPr>
+          </a:p>
+          <a:p>
+            <a:pPr>
+              <a:lnSpc>
+                <a:spcPct val="100000"/>
+              </a:lnSpc>
+            </a:pPr>
+            <a:endParaRPr lang="en-US" sz="1800" b="0" strike="noStrike" spc="-1" dirty="0">
+              <a:latin typeface="Arial"/>
+            </a:endParaRPr>
+          </a:p>
+        </p:txBody>
+      </p:sp>
+      <p:pic>
+        <p:nvPicPr>
+          <p:cNvPr id="3" name="Picture 2">
+            <a:extLst>
+              <a:ext uri="{FF2B5EF4-FFF2-40B4-BE49-F238E27FC236}">
+                <a16:creationId xmlns:a16="http://schemas.microsoft.com/office/drawing/2014/main" id="{5FC077B9-887F-6053-0043-B273906FEA39}"/>
+              </a:ext>
+            </a:extLst>
+          </p:cNvPr>
+          <p:cNvPicPr>
+            <a:picLocks noChangeAspect="1"/>
+          </p:cNvPicPr>
+          <p:nvPr/>
+        </p:nvPicPr>
+        <p:blipFill>
+          <a:blip r:embed="rId2">
+            <a:extLst>
+              <a:ext uri="{28A0092B-C50C-407E-A947-70E740481C1C}">
+                <a14:useLocalDpi xmlns:a14="http://schemas.microsoft.com/office/drawing/2010/main" val="0"/>
+              </a:ext>
+            </a:extLst>
+          </a:blip>
+          <a:stretch>
+            <a:fillRect/>
+          </a:stretch>
+        </p:blipFill>
+        <p:spPr>
+          <a:xfrm>
+            <a:off x="1035960" y="2261802"/>
+            <a:ext cx="4820323" cy="3905795"/>
+          </a:xfrm>
+          <a:prstGeom prst="rect">
+            <a:avLst/>
+          </a:prstGeom>
+        </p:spPr>
+      </p:pic>
+    </p:spTree>
+  </p:cSld>
+  <p:clrMapOvr>
+    <a:masterClrMapping/>
+  </p:clrMapOvr>
+</p:sld>
+</file>
+
+<file path=ppt/slides/slide7.xml><?xml version="1.0" encoding="utf-8"?>
+<p:sld xmlns:a="http://schemas.openxmlformats.org/drawingml/2006/main" xmlns:r="http://schemas.openxmlformats.org/officeDocument/2006/relationships" xmlns:p="http://schemas.openxmlformats.org/presentationml/2006/main">
+  <p:cSld>
+    <p:spTree>
+      <p:nvGrpSpPr>
+        <p:cNvPr id="1" name=""/>
+        <p:cNvGrpSpPr/>
+        <p:nvPr/>
+      </p:nvGrpSpPr>
+      <p:grpSpPr>
+        <a:xfrm>
+          <a:off x="0" y="0"/>
+          <a:ext cx="0" cy="0"/>
+          <a:chOff x="0" y="0"/>
+          <a:chExt cx="0" cy="0"/>
+        </a:xfrm>
+      </p:grpSpPr>
+      <p:sp>
+        <p:nvSpPr>
+          <p:cNvPr id="135" name="TextShape 1"/>
+          <p:cNvSpPr txBox="1"/>
+          <p:nvPr/>
+        </p:nvSpPr>
+        <p:spPr>
+          <a:xfrm>
+            <a:off x="965160" y="790920"/>
+            <a:ext cx="7176600" cy="230400"/>
+          </a:xfrm>
+          <a:prstGeom prst="rect">
+            <a:avLst/>
+          </a:prstGeom>
+          <a:noFill/>
+          <a:ln>
+            <a:noFill/>
+          </a:ln>
+        </p:spPr>
+        <p:txBody>
+          <a:bodyPr lIns="0" tIns="0" rIns="0" bIns="0">
+            <a:noAutofit/>
+          </a:bodyPr>
+          <a:lstStyle/>
+          <a:p>
+            <a:pPr>
+              <a:lnSpc>
+                <a:spcPct val="100000"/>
+              </a:lnSpc>
+            </a:pPr>
+            <a:r>
+              <a:rPr lang="en-GB" sz="1500" b="0" strike="noStrike" spc="-1">
+                <a:solidFill>
+                  <a:srgbClr val="B3B9B9"/>
+                </a:solidFill>
+                <a:latin typeface="Arial"/>
+              </a:rPr>
+              <a:t>PRE 7COM1079-2022  Student Group No:  ?????</a:t>
+            </a:r>
+            <a:endParaRPr lang="en-US" sz="1500" b="0" strike="noStrike" spc="-1">
+              <a:latin typeface="Times New Roman"/>
+            </a:endParaRPr>
+          </a:p>
+        </p:txBody>
+      </p:sp>
+      <p:sp>
+        <p:nvSpPr>
+          <p:cNvPr id="136" name="TextShape 2"/>
+          <p:cNvSpPr txBox="1"/>
+          <p:nvPr/>
+        </p:nvSpPr>
+        <p:spPr>
+          <a:xfrm>
+            <a:off x="10616400" y="790920"/>
+            <a:ext cx="622440" cy="230400"/>
+          </a:xfrm>
+          <a:prstGeom prst="rect">
+            <a:avLst/>
+          </a:prstGeom>
+          <a:noFill/>
+          <a:ln>
+            <a:noFill/>
+          </a:ln>
+        </p:spPr>
+        <p:txBody>
+          <a:bodyPr lIns="0" tIns="0" rIns="0" bIns="0">
+            <a:noAutofit/>
+          </a:bodyPr>
+          <a:lstStyle/>
+          <a:p>
+            <a:pPr algn="r">
+              <a:lnSpc>
+                <a:spcPct val="100000"/>
+              </a:lnSpc>
+            </a:pPr>
+            <a:fld id="{ADC5D68A-648F-4923-B6A1-749DE04AEFFA}" type="slidenum">
+              <a:rPr lang="en-GB" sz="1500" b="1" strike="noStrike" spc="-1">
+                <a:solidFill>
+                  <a:srgbClr val="B3B9B9"/>
+                </a:solidFill>
+                <a:latin typeface="Arial"/>
+              </a:rPr>
+              <a:t>7</a:t>
+            </a:fld>
+            <a:endParaRPr lang="en-US" sz="1500" b="0" strike="noStrike" spc="-1">
+              <a:latin typeface="Times New Roman"/>
+            </a:endParaRPr>
+          </a:p>
+        </p:txBody>
+      </p:sp>
+      <p:sp>
+        <p:nvSpPr>
+          <p:cNvPr id="137" name="TextShape 3"/>
+          <p:cNvSpPr txBox="1"/>
+          <p:nvPr/>
+        </p:nvSpPr>
+        <p:spPr>
+          <a:xfrm>
+            <a:off x="952919" y="385588"/>
+            <a:ext cx="10815527" cy="667800"/>
+          </a:xfrm>
+          <a:prstGeom prst="rect">
+            <a:avLst/>
+          </a:prstGeom>
+          <a:solidFill>
+            <a:srgbClr val="FFFFFF"/>
+          </a:solidFill>
+          <a:ln>
+            <a:noFill/>
+          </a:ln>
+        </p:spPr>
+        <p:txBody>
+          <a:bodyPr lIns="0" tIns="0" rIns="0" bIns="0">
+            <a:noAutofit/>
+          </a:bodyPr>
+          <a:lstStyle/>
+          <a:p>
+            <a:pPr>
+              <a:lnSpc>
+                <a:spcPct val="100000"/>
+              </a:lnSpc>
+              <a:spcAft>
+                <a:spcPts val="992"/>
+              </a:spcAft>
+              <a:tabLst>
+                <a:tab pos="0" algn="l"/>
+              </a:tabLst>
+            </a:pPr>
+            <a:r>
+              <a:rPr lang="en-GB" sz="3600" b="1" strike="noStrike" spc="-100" dirty="0">
+                <a:solidFill>
+                  <a:srgbClr val="203232"/>
+                </a:solidFill>
+                <a:latin typeface="Arial"/>
+              </a:rPr>
+              <a:t>R Script and Results  (For ALL types of test) – The Analysis</a:t>
+            </a:r>
+            <a:endParaRPr lang="en-US" sz="3600" b="1" strike="noStrike" spc="-1" dirty="0">
+              <a:latin typeface="Arial"/>
+            </a:endParaRPr>
+          </a:p>
+          <a:p>
+            <a:pPr>
+              <a:lnSpc>
+                <a:spcPct val="100000"/>
+              </a:lnSpc>
+              <a:spcAft>
+                <a:spcPts val="992"/>
+              </a:spcAft>
+              <a:tabLst>
+                <a:tab pos="0" algn="l"/>
+              </a:tabLst>
+            </a:pPr>
+            <a:endParaRPr lang="en-US" sz="2400" b="0" strike="noStrike" spc="-1" dirty="0">
+              <a:latin typeface="Arial"/>
+            </a:endParaRPr>
+          </a:p>
+        </p:txBody>
+      </p:sp>
+      <p:sp>
+        <p:nvSpPr>
+          <p:cNvPr id="2" name="TextBox 1">
+            <a:extLst>
+              <a:ext uri="{FF2B5EF4-FFF2-40B4-BE49-F238E27FC236}">
+                <a16:creationId xmlns:a16="http://schemas.microsoft.com/office/drawing/2014/main" id="{58BC67A1-346D-734F-321E-2098D1481674}"/>
+              </a:ext>
+            </a:extLst>
+          </p:cNvPr>
+          <p:cNvSpPr txBox="1"/>
+          <p:nvPr/>
+        </p:nvSpPr>
+        <p:spPr>
+          <a:xfrm>
+            <a:off x="701458" y="1671663"/>
+            <a:ext cx="11066988" cy="4524315"/>
+          </a:xfrm>
+          <a:prstGeom prst="rect">
+            <a:avLst/>
+          </a:prstGeom>
+          <a:solidFill>
+            <a:schemeClr val="bg1"/>
+          </a:solidFill>
+        </p:spPr>
+        <p:txBody>
+          <a:bodyPr wrap="square" rtlCol="0">
+            <a:spAutoFit/>
+          </a:bodyPr>
+          <a:lstStyle/>
+          <a:p>
+            <a:pPr marL="285750" indent="-285750">
+              <a:buFont typeface="Arial" panose="020B0604020202020204" pitchFamily="34" charset="0"/>
+              <a:buChar char="•"/>
+            </a:pPr>
+            <a:r>
+              <a:rPr lang="en-US" sz="3600" b="0" strike="noStrike" spc="-202" dirty="0">
+                <a:solidFill>
+                  <a:srgbClr val="203232"/>
+                </a:solidFill>
+                <a:latin typeface="Arial"/>
+              </a:rPr>
+              <a:t>Include a snippet of the R code you use to </a:t>
+            </a:r>
+            <a:r>
+              <a:rPr lang="en-US" sz="3600" b="0" strike="noStrike" spc="-202">
+                <a:solidFill>
+                  <a:srgbClr val="203232"/>
+                </a:solidFill>
+                <a:latin typeface="Arial"/>
+              </a:rPr>
+              <a:t>calculate your </a:t>
+            </a:r>
+            <a:r>
+              <a:rPr lang="en-US" sz="3600" b="0" strike="noStrike" spc="-202" dirty="0">
+                <a:solidFill>
+                  <a:srgbClr val="203232"/>
+                </a:solidFill>
+                <a:latin typeface="Arial"/>
+              </a:rPr>
+              <a:t>test statistic.</a:t>
+            </a:r>
+          </a:p>
+          <a:p>
+            <a:pPr marL="285750" indent="-285750">
+              <a:buFont typeface="Arial" panose="020B0604020202020204" pitchFamily="34" charset="0"/>
+              <a:buChar char="•"/>
+            </a:pPr>
+            <a:r>
+              <a:rPr lang="en-US" sz="3600" b="0" strike="noStrike" spc="-202" dirty="0">
+                <a:solidFill>
+                  <a:srgbClr val="203232"/>
+                </a:solidFill>
+                <a:latin typeface="Arial"/>
+              </a:rPr>
+              <a:t>Give the value of the test statistic. </a:t>
+            </a:r>
+          </a:p>
+          <a:p>
+            <a:pPr marL="285750" indent="-285750">
+              <a:buFont typeface="Arial" panose="020B0604020202020204" pitchFamily="34" charset="0"/>
+              <a:buChar char="•"/>
+            </a:pPr>
+            <a:r>
+              <a:rPr lang="en-US" sz="3600" b="0" strike="noStrike" spc="-202" dirty="0">
+                <a:solidFill>
+                  <a:srgbClr val="203232"/>
+                </a:solidFill>
+                <a:latin typeface="Arial"/>
+              </a:rPr>
+              <a:t>Tell us the p-value.  Is it &gt; or &lt; 0.05?</a:t>
+            </a:r>
+          </a:p>
+          <a:p>
+            <a:pPr marL="285750" indent="-285750">
+              <a:buFont typeface="Arial" panose="020B0604020202020204" pitchFamily="34" charset="0"/>
+              <a:buChar char="•"/>
+            </a:pPr>
+            <a:r>
+              <a:rPr lang="en-US" sz="3600" b="0" strike="noStrike" spc="-202" dirty="0">
+                <a:solidFill>
+                  <a:srgbClr val="203232"/>
+                </a:solidFill>
+                <a:latin typeface="Arial"/>
+              </a:rPr>
+              <a:t> Is the result significant?</a:t>
+            </a:r>
+          </a:p>
+          <a:p>
+            <a:pPr marL="285750" indent="-285750">
+              <a:buFont typeface="Arial" panose="020B0604020202020204" pitchFamily="34" charset="0"/>
+              <a:buChar char="•"/>
+            </a:pPr>
+            <a:r>
+              <a:rPr lang="en-US" sz="3600" b="0" strike="noStrike" spc="-202" dirty="0">
+                <a:solidFill>
+                  <a:srgbClr val="203232"/>
+                </a:solidFill>
+                <a:latin typeface="Arial"/>
+              </a:rPr>
+              <a:t>Do you accept or reject the null hypothesis?</a:t>
+            </a:r>
+          </a:p>
+          <a:p>
+            <a:pPr marL="285750" indent="-285750">
+              <a:buFont typeface="Arial" panose="020B0604020202020204" pitchFamily="34" charset="0"/>
+              <a:buChar char="•"/>
+            </a:pPr>
+            <a:r>
+              <a:rPr lang="en-US" sz="3600" spc="-202" dirty="0">
+                <a:solidFill>
+                  <a:srgbClr val="203232"/>
+                </a:solidFill>
+                <a:latin typeface="Arial"/>
+              </a:rPr>
+              <a:t>What does the result actually mean in the wider context of learning something useful / answering your RQ?</a:t>
+            </a:r>
+            <a:endParaRPr lang="en-GB" sz="3600" dirty="0"/>
+          </a:p>
+        </p:txBody>
+      </p:sp>
+    </p:spTree>
   </p:cSld>
   <p:clrMapOvr>
     <a:masterClrMapping/>
@@ -6706,6 +9735,14 @@
 </file>
 
 <file path=customXml/item2.xml><?xml version="1.0" encoding="utf-8"?>
+<p:properties xmlns:p="http://schemas.microsoft.com/office/2006/metadata/properties" xmlns:xsi="http://www.w3.org/2001/XMLSchema-instance" xmlns:pc="http://schemas.microsoft.com/office/infopath/2007/PartnerControls">
+  <documentManagement>
+    <Information xmlns="4ad138b4-2b68-4b70-945d-07f8f18b1c9a" xsi:nil="true"/>
+  </documentManagement>
+</p:properties>
+</file>
+
+<file path=customXml/item3.xml><?xml version="1.0" encoding="utf-8"?>
 <ct:contentTypeSchema xmlns:ct="http://schemas.microsoft.com/office/2006/metadata/contentType" xmlns:ma="http://schemas.microsoft.com/office/2006/metadata/properties/metaAttributes" ct:_="" ma:_="" ma:contentTypeName="Document" ma:contentTypeID="0x01010026DBA85F447B164191BB36C258697B67" ma:contentTypeVersion="14" ma:contentTypeDescription="Create a new document." ma:contentTypeScope="" ma:versionID="ea511d05ca7f895fe9556935b5c9af34">
   <xsd:schema xmlns:xsd="http://www.w3.org/2001/XMLSchema" xmlns:xs="http://www.w3.org/2001/XMLSchema" xmlns:p="http://schemas.microsoft.com/office/2006/metadata/properties" xmlns:ns2="4ad138b4-2b68-4b70-945d-07f8f18b1c9a" xmlns:ns3="3c474641-ec36-472f-b125-6b1b0910eaa4" targetNamespace="http://schemas.microsoft.com/office/2006/metadata/properties" ma:root="true" ma:fieldsID="662270106d7a7e100bcac2c5f8d29899" ns2:_="" ns3:_="">
     <xsd:import namespace="4ad138b4-2b68-4b70-945d-07f8f18b1c9a"/>
@@ -6930,14 +9967,6 @@
 </ct:contentTypeSchema>
 </file>
 
-<file path=customXml/item3.xml><?xml version="1.0" encoding="utf-8"?>
-<p:properties xmlns:p="http://schemas.microsoft.com/office/2006/metadata/properties" xmlns:xsi="http://www.w3.org/2001/XMLSchema-instance" xmlns:pc="http://schemas.microsoft.com/office/infopath/2007/PartnerControls">
-  <documentManagement>
-    <Information xmlns="4ad138b4-2b68-4b70-945d-07f8f18b1c9a" xsi:nil="true"/>
-  </documentManagement>
-</p:properties>
-</file>
-
 <file path=customXml/itemProps1.xml><?xml version="1.0" encoding="utf-8"?>
 <ds:datastoreItem xmlns:ds="http://schemas.openxmlformats.org/officeDocument/2006/customXml" ds:itemID="{91C521DD-2673-4EE6-BB9B-DC5C3320FFBB}">
   <ds:schemaRefs>
@@ -6947,6 +9976,23 @@
 </file>
 
 <file path=customXml/itemProps2.xml><?xml version="1.0" encoding="utf-8"?>
+<ds:datastoreItem xmlns:ds="http://schemas.openxmlformats.org/officeDocument/2006/customXml" ds:itemID="{EDD1FC41-23C7-41B0-B5F9-BF4CD38AD2ED}">
+  <ds:schemaRefs>
+    <ds:schemaRef ds:uri="http://schemas.microsoft.com/office/infopath/2007/PartnerControls"/>
+    <ds:schemaRef ds:uri="3c474641-ec36-472f-b125-6b1b0910eaa4"/>
+    <ds:schemaRef ds:uri="http://purl.org/dc/terms/"/>
+    <ds:schemaRef ds:uri="http://schemas.microsoft.com/office/2006/documentManagement/types"/>
+    <ds:schemaRef ds:uri="http://www.w3.org/XML/1998/namespace"/>
+    <ds:schemaRef ds:uri="http://purl.org/dc/elements/1.1/"/>
+    <ds:schemaRef ds:uri="http://schemas.openxmlformats.org/package/2006/metadata/core-properties"/>
+    <ds:schemaRef ds:uri="4ad138b4-2b68-4b70-945d-07f8f18b1c9a"/>
+    <ds:schemaRef ds:uri="http://schemas.microsoft.com/office/2006/metadata/properties"/>
+    <ds:schemaRef ds:uri="http://purl.org/dc/dcmitype/"/>
+  </ds:schemaRefs>
+</ds:datastoreItem>
+</file>
+
+<file path=customXml/itemProps3.xml><?xml version="1.0" encoding="utf-8"?>
 <ds:datastoreItem xmlns:ds="http://schemas.openxmlformats.org/officeDocument/2006/customXml" ds:itemID="{421B8C57-903D-4D0E-8336-7B512F760CD1}">
   <ds:schemaRefs>
     <ds:schemaRef ds:uri="http://schemas.microsoft.com/office/2006/metadata/contentType"/>
@@ -6963,21 +10009,4 @@
     <ds:schemaRef ds:uri="http://schemas.microsoft.com/internal/obd"/>
   </ds:schemaRefs>
 </ds:datastoreItem>
-</file>
-
-<file path=customXml/itemProps3.xml><?xml version="1.0" encoding="utf-8"?>
-<ds:datastoreItem xmlns:ds="http://schemas.openxmlformats.org/officeDocument/2006/customXml" ds:itemID="{EDD1FC41-23C7-41B0-B5F9-BF4CD38AD2ED}">
-  <ds:schemaRefs>
-    <ds:schemaRef ds:uri="http://schemas.microsoft.com/office/infopath/2007/PartnerControls"/>
-    <ds:schemaRef ds:uri="3c474641-ec36-472f-b125-6b1b0910eaa4"/>
-    <ds:schemaRef ds:uri="http://purl.org/dc/terms/"/>
-    <ds:schemaRef ds:uri="http://schemas.microsoft.com/office/2006/documentManagement/types"/>
-    <ds:schemaRef ds:uri="http://www.w3.org/XML/1998/namespace"/>
-    <ds:schemaRef ds:uri="http://purl.org/dc/elements/1.1/"/>
-    <ds:schemaRef ds:uri="http://schemas.openxmlformats.org/package/2006/metadata/core-properties"/>
-    <ds:schemaRef ds:uri="4ad138b4-2b68-4b70-945d-07f8f18b1c9a"/>
-    <ds:schemaRef ds:uri="http://schemas.microsoft.com/office/2006/metadata/properties"/>
-    <ds:schemaRef ds:uri="http://purl.org/dc/dcmitype/"/>
-  </ds:schemaRefs>
-</ds:datastoreItem>
 </file>
--- a/group A194.pptx
+++ b/group A194.pptx
@@ -118,7 +118,7 @@
   </p:defaultTextStyle>
   <p:extLst>
     <p:ext uri="{EFAFB233-063F-42B5-8137-9DF3F51BA10A}">
-      <p15:sldGuideLst xmlns:p15="http://schemas.microsoft.com/office/powerpoint/2012/main">
+      <p15:sldGuideLst xmlns:p15="http://schemas.microsoft.com/office/powerpoint/2012/main" xmlns="">
         <p15:guide id="1" orient="horz" pos="2160" userDrawn="1">
           <p15:clr>
             <a:srgbClr val="A4A3A4"/>
@@ -147,7 +147,7 @@
       </p15:sldGuideLst>
     </p:ext>
     <p:ext uri="{2D200454-40CA-4A62-9FC3-DE9A4176ACB9}">
-      <p15:notesGuideLst xmlns:p15="http://schemas.microsoft.com/office/powerpoint/2012/main"/>
+      <p15:notesGuideLst xmlns:p15="http://schemas.microsoft.com/office/powerpoint/2012/main" xmlns=""/>
     </p:ext>
   </p:extLst>
 </p:presentation>
@@ -249,7 +249,7 @@
           <p:cNvPr id="2" name="Header Placeholder 1">
             <a:extLst>
               <a:ext uri="{FF2B5EF4-FFF2-40B4-BE49-F238E27FC236}">
-                <a16:creationId xmlns:a16="http://schemas.microsoft.com/office/drawing/2014/main" id="{898966F2-21A1-4B2B-ADA6-AD0BB447B7CB}"/>
+                <a16:creationId xmlns:a16="http://schemas.microsoft.com/office/drawing/2014/main" xmlns="" id="{898966F2-21A1-4B2B-ADA6-AD0BB447B7CB}"/>
               </a:ext>
             </a:extLst>
           </p:cNvPr>
@@ -286,7 +286,7 @@
           <p:cNvPr id="3" name="Date Placeholder 2">
             <a:extLst>
               <a:ext uri="{FF2B5EF4-FFF2-40B4-BE49-F238E27FC236}">
-                <a16:creationId xmlns:a16="http://schemas.microsoft.com/office/drawing/2014/main" id="{751468BB-CDF2-4507-B4EF-7B369D307A4D}"/>
+                <a16:creationId xmlns:a16="http://schemas.microsoft.com/office/drawing/2014/main" xmlns="" id="{751468BB-CDF2-4507-B4EF-7B369D307A4D}"/>
               </a:ext>
             </a:extLst>
           </p:cNvPr>
@@ -317,7 +317,7 @@
             <a:fld id="{93FAAC3A-BD1F-4A00-9099-74B95789FE00}" type="datetimeFigureOut">
               <a:rPr lang="en-GB" smtClean="0"/>
               <a:pPr/>
-              <a:t>25/11/2024</a:t>
+              <a:t>27/11/2024</a:t>
             </a:fld>
             <a:endParaRPr lang="en-GB"/>
           </a:p>
@@ -328,7 +328,7 @@
           <p:cNvPr id="4" name="Footer Placeholder 3">
             <a:extLst>
               <a:ext uri="{FF2B5EF4-FFF2-40B4-BE49-F238E27FC236}">
-                <a16:creationId xmlns:a16="http://schemas.microsoft.com/office/drawing/2014/main" id="{904BCF7D-6037-48D3-84E5-56B8B0552143}"/>
+                <a16:creationId xmlns:a16="http://schemas.microsoft.com/office/drawing/2014/main" xmlns="" id="{904BCF7D-6037-48D3-84E5-56B8B0552143}"/>
               </a:ext>
             </a:extLst>
           </p:cNvPr>
@@ -365,7 +365,7 @@
           <p:cNvPr id="5" name="Slide Number Placeholder 4">
             <a:extLst>
               <a:ext uri="{FF2B5EF4-FFF2-40B4-BE49-F238E27FC236}">
-                <a16:creationId xmlns:a16="http://schemas.microsoft.com/office/drawing/2014/main" id="{D619E732-656C-4BB5-ACCB-1568C5C66DD7}"/>
+                <a16:creationId xmlns:a16="http://schemas.microsoft.com/office/drawing/2014/main" xmlns="" id="{D619E732-656C-4BB5-ACCB-1568C5C66DD7}"/>
               </a:ext>
             </a:extLst>
           </p:cNvPr>
@@ -524,7 +524,7 @@
             <a:fld id="{8E359C8A-39F6-4045-9163-4042C4C26B15}" type="datetimeFigureOut">
               <a:rPr lang="en-GB" smtClean="0"/>
               <a:pPr/>
-              <a:t>25/11/2024</a:t>
+              <a:t>27/11/2024</a:t>
             </a:fld>
             <a:endParaRPr lang="en-GB"/>
           </a:p>
@@ -1117,7 +1117,7 @@
           <p:cNvPr id="4" name="Picture 3" descr="University of Hertfordshire logo">
             <a:extLst>
               <a:ext uri="{FF2B5EF4-FFF2-40B4-BE49-F238E27FC236}">
-                <a16:creationId xmlns:a16="http://schemas.microsoft.com/office/drawing/2014/main" id="{16E4BB13-0D32-AA4A-BF91-2B76A7C18242}"/>
+                <a16:creationId xmlns:a16="http://schemas.microsoft.com/office/drawing/2014/main" xmlns="" id="{16E4BB13-0D32-AA4A-BF91-2B76A7C18242}"/>
               </a:ext>
             </a:extLst>
           </p:cNvPr>
@@ -1191,7 +1191,7 @@
           <p:cNvPr id="3" name="Picture Placeholder 2">
             <a:extLst>
               <a:ext uri="{FF2B5EF4-FFF2-40B4-BE49-F238E27FC236}">
-                <a16:creationId xmlns:a16="http://schemas.microsoft.com/office/drawing/2014/main" id="{A307C322-846C-9045-AD91-A93C82FC5AAF}"/>
+                <a16:creationId xmlns:a16="http://schemas.microsoft.com/office/drawing/2014/main" xmlns="" id="{A307C322-846C-9045-AD91-A93C82FC5AAF}"/>
               </a:ext>
             </a:extLst>
           </p:cNvPr>
@@ -1270,7 +1270,7 @@
           <p:cNvPr id="9" name="Media Placeholder 8">
             <a:extLst>
               <a:ext uri="{FF2B5EF4-FFF2-40B4-BE49-F238E27FC236}">
-                <a16:creationId xmlns:a16="http://schemas.microsoft.com/office/drawing/2014/main" id="{9ABCF9A5-761F-434B-BBB5-D788CB1E79D8}"/>
+                <a16:creationId xmlns:a16="http://schemas.microsoft.com/office/drawing/2014/main" xmlns="" id="{9ABCF9A5-761F-434B-BBB5-D788CB1E79D8}"/>
               </a:ext>
             </a:extLst>
           </p:cNvPr>
@@ -1341,7 +1341,7 @@
           <p:cNvPr id="5" name="Footer Placeholder 4">
             <a:extLst>
               <a:ext uri="{FF2B5EF4-FFF2-40B4-BE49-F238E27FC236}">
-                <a16:creationId xmlns:a16="http://schemas.microsoft.com/office/drawing/2014/main" id="{962B6D5D-0892-4B4E-86D9-894852B1242C}"/>
+                <a16:creationId xmlns:a16="http://schemas.microsoft.com/office/drawing/2014/main" xmlns="" id="{962B6D5D-0892-4B4E-86D9-894852B1242C}"/>
               </a:ext>
             </a:extLst>
           </p:cNvPr>
@@ -1369,7 +1369,7 @@
           <p:cNvPr id="6" name="Slide Number Placeholder 5">
             <a:extLst>
               <a:ext uri="{FF2B5EF4-FFF2-40B4-BE49-F238E27FC236}">
-                <a16:creationId xmlns:a16="http://schemas.microsoft.com/office/drawing/2014/main" id="{3B7428FC-C061-4730-9EA5-A52A00413991}"/>
+                <a16:creationId xmlns:a16="http://schemas.microsoft.com/office/drawing/2014/main" xmlns="" id="{3B7428FC-C061-4730-9EA5-A52A00413991}"/>
               </a:ext>
             </a:extLst>
           </p:cNvPr>
@@ -1399,7 +1399,7 @@
           <p:cNvPr id="7" name="Rectangle 6">
             <a:extLst>
               <a:ext uri="{FF2B5EF4-FFF2-40B4-BE49-F238E27FC236}">
-                <a16:creationId xmlns:a16="http://schemas.microsoft.com/office/drawing/2014/main" id="{850AA271-B0BA-42CD-A544-17AAB1FA2EEA}"/>
+                <a16:creationId xmlns:a16="http://schemas.microsoft.com/office/drawing/2014/main" xmlns="" id="{850AA271-B0BA-42CD-A544-17AAB1FA2EEA}"/>
               </a:ext>
             </a:extLst>
           </p:cNvPr>
@@ -1451,7 +1451,7 @@
           <p:cNvPr id="16" name="Content Placeholder 2">
             <a:extLst>
               <a:ext uri="{FF2B5EF4-FFF2-40B4-BE49-F238E27FC236}">
-                <a16:creationId xmlns:a16="http://schemas.microsoft.com/office/drawing/2014/main" id="{699880E3-4DE3-A642-9738-DF49DDCC9AC5}"/>
+                <a16:creationId xmlns:a16="http://schemas.microsoft.com/office/drawing/2014/main" xmlns="" id="{699880E3-4DE3-A642-9738-DF49DDCC9AC5}"/>
               </a:ext>
             </a:extLst>
           </p:cNvPr>
@@ -1508,7 +1508,7 @@
           <p:cNvPr id="17" name="Content Placeholder 2">
             <a:extLst>
               <a:ext uri="{FF2B5EF4-FFF2-40B4-BE49-F238E27FC236}">
-                <a16:creationId xmlns:a16="http://schemas.microsoft.com/office/drawing/2014/main" id="{CF37D495-D835-8E4B-A177-5E12F893DDCA}"/>
+                <a16:creationId xmlns:a16="http://schemas.microsoft.com/office/drawing/2014/main" xmlns="" id="{CF37D495-D835-8E4B-A177-5E12F893DDCA}"/>
               </a:ext>
             </a:extLst>
           </p:cNvPr>
@@ -1600,7 +1600,7 @@
           <p:cNvPr id="18" name="Content Placeholder 2">
             <a:extLst>
               <a:ext uri="{FF2B5EF4-FFF2-40B4-BE49-F238E27FC236}">
-                <a16:creationId xmlns:a16="http://schemas.microsoft.com/office/drawing/2014/main" id="{A6804C7E-983C-9246-90C0-AF8A0CE2CA84}"/>
+                <a16:creationId xmlns:a16="http://schemas.microsoft.com/office/drawing/2014/main" xmlns="" id="{A6804C7E-983C-9246-90C0-AF8A0CE2CA84}"/>
               </a:ext>
             </a:extLst>
           </p:cNvPr>
@@ -1691,7 +1691,7 @@
           <p:cNvPr id="8" name="Picture Placeholder 7">
             <a:extLst>
               <a:ext uri="{FF2B5EF4-FFF2-40B4-BE49-F238E27FC236}">
-                <a16:creationId xmlns:a16="http://schemas.microsoft.com/office/drawing/2014/main" id="{84410427-8F1D-7541-9C05-AFDD3531678D}"/>
+                <a16:creationId xmlns:a16="http://schemas.microsoft.com/office/drawing/2014/main" xmlns="" id="{84410427-8F1D-7541-9C05-AFDD3531678D}"/>
               </a:ext>
             </a:extLst>
           </p:cNvPr>
@@ -1721,7 +1721,7 @@
           <p:cNvPr id="20" name="Picture Placeholder 7">
             <a:extLst>
               <a:ext uri="{FF2B5EF4-FFF2-40B4-BE49-F238E27FC236}">
-                <a16:creationId xmlns:a16="http://schemas.microsoft.com/office/drawing/2014/main" id="{8B7D5964-7A97-5742-8717-CCB747F84A08}"/>
+                <a16:creationId xmlns:a16="http://schemas.microsoft.com/office/drawing/2014/main" xmlns="" id="{8B7D5964-7A97-5742-8717-CCB747F84A08}"/>
               </a:ext>
             </a:extLst>
           </p:cNvPr>
@@ -1751,7 +1751,7 @@
           <p:cNvPr id="21" name="Picture Placeholder 7">
             <a:extLst>
               <a:ext uri="{FF2B5EF4-FFF2-40B4-BE49-F238E27FC236}">
-                <a16:creationId xmlns:a16="http://schemas.microsoft.com/office/drawing/2014/main" id="{344933FE-A401-A841-9AC3-B75285AA32D2}"/>
+                <a16:creationId xmlns:a16="http://schemas.microsoft.com/office/drawing/2014/main" xmlns="" id="{344933FE-A401-A841-9AC3-B75285AA32D2}"/>
               </a:ext>
             </a:extLst>
           </p:cNvPr>
@@ -1819,7 +1819,7 @@
           <p:cNvPr id="7" name="Picture 6">
             <a:extLst>
               <a:ext uri="{FF2B5EF4-FFF2-40B4-BE49-F238E27FC236}">
-                <a16:creationId xmlns:a16="http://schemas.microsoft.com/office/drawing/2014/main" id="{EE2CE188-32E7-4242-9E44-E8055FC030CC}"/>
+                <a16:creationId xmlns:a16="http://schemas.microsoft.com/office/drawing/2014/main" xmlns="" id="{EE2CE188-32E7-4242-9E44-E8055FC030CC}"/>
               </a:ext>
             </a:extLst>
           </p:cNvPr>
@@ -1854,7 +1854,7 @@
           <p:cNvPr id="2" name="Title 1">
             <a:extLst>
               <a:ext uri="{FF2B5EF4-FFF2-40B4-BE49-F238E27FC236}">
-                <a16:creationId xmlns:a16="http://schemas.microsoft.com/office/drawing/2014/main" id="{7381B53D-9933-445F-9B68-E730EB38A5A9}"/>
+                <a16:creationId xmlns:a16="http://schemas.microsoft.com/office/drawing/2014/main" xmlns="" id="{7381B53D-9933-445F-9B68-E730EB38A5A9}"/>
               </a:ext>
             </a:extLst>
           </p:cNvPr>
@@ -1906,7 +1906,7 @@
           <p:cNvPr id="5" name="Footer Placeholder 4">
             <a:extLst>
               <a:ext uri="{FF2B5EF4-FFF2-40B4-BE49-F238E27FC236}">
-                <a16:creationId xmlns:a16="http://schemas.microsoft.com/office/drawing/2014/main" id="{CA2BE80A-BFEC-E24A-B510-73A571F1F04F}"/>
+                <a16:creationId xmlns:a16="http://schemas.microsoft.com/office/drawing/2014/main" xmlns="" id="{CA2BE80A-BFEC-E24A-B510-73A571F1F04F}"/>
               </a:ext>
             </a:extLst>
           </p:cNvPr>
@@ -1954,7 +1954,7 @@
           <p:cNvPr id="6" name="Slide Number Placeholder 5">
             <a:extLst>
               <a:ext uri="{FF2B5EF4-FFF2-40B4-BE49-F238E27FC236}">
-                <a16:creationId xmlns:a16="http://schemas.microsoft.com/office/drawing/2014/main" id="{8E5B25B4-144A-5B4A-8EAD-2022412DF2F1}"/>
+                <a16:creationId xmlns:a16="http://schemas.microsoft.com/office/drawing/2014/main" xmlns="" id="{8E5B25B4-144A-5B4A-8EAD-2022412DF2F1}"/>
               </a:ext>
             </a:extLst>
           </p:cNvPr>
@@ -2067,7 +2067,7 @@
           <p:cNvPr id="2" name="Title 1">
             <a:extLst>
               <a:ext uri="{FF2B5EF4-FFF2-40B4-BE49-F238E27FC236}">
-                <a16:creationId xmlns:a16="http://schemas.microsoft.com/office/drawing/2014/main" id="{7381B53D-9933-445F-9B68-E730EB38A5A9}"/>
+                <a16:creationId xmlns:a16="http://schemas.microsoft.com/office/drawing/2014/main" xmlns="" id="{7381B53D-9933-445F-9B68-E730EB38A5A9}"/>
               </a:ext>
             </a:extLst>
           </p:cNvPr>
@@ -2114,7 +2114,7 @@
           <p:cNvPr id="3" name="Subtitle 2">
             <a:extLst>
               <a:ext uri="{FF2B5EF4-FFF2-40B4-BE49-F238E27FC236}">
-                <a16:creationId xmlns:a16="http://schemas.microsoft.com/office/drawing/2014/main" id="{E2C6B9F5-608F-4534-96F0-C3A5E1A638A6}"/>
+                <a16:creationId xmlns:a16="http://schemas.microsoft.com/office/drawing/2014/main" xmlns="" id="{E2C6B9F5-608F-4534-96F0-C3A5E1A638A6}"/>
               </a:ext>
             </a:extLst>
           </p:cNvPr>
@@ -2191,7 +2191,7 @@
           <p:cNvPr id="5" name="Footer Placeholder 4">
             <a:extLst>
               <a:ext uri="{FF2B5EF4-FFF2-40B4-BE49-F238E27FC236}">
-                <a16:creationId xmlns:a16="http://schemas.microsoft.com/office/drawing/2014/main" id="{0540E7B9-9AC6-4E42-A931-6FF91E6494A1}"/>
+                <a16:creationId xmlns:a16="http://schemas.microsoft.com/office/drawing/2014/main" xmlns="" id="{0540E7B9-9AC6-4E42-A931-6FF91E6494A1}"/>
               </a:ext>
             </a:extLst>
           </p:cNvPr>
@@ -2239,7 +2239,7 @@
           <p:cNvPr id="6" name="Slide Number Placeholder 5">
             <a:extLst>
               <a:ext uri="{FF2B5EF4-FFF2-40B4-BE49-F238E27FC236}">
-                <a16:creationId xmlns:a16="http://schemas.microsoft.com/office/drawing/2014/main" id="{FB16D645-6420-4785-8316-43EF780FA589}"/>
+                <a16:creationId xmlns:a16="http://schemas.microsoft.com/office/drawing/2014/main" xmlns="" id="{FB16D645-6420-4785-8316-43EF780FA589}"/>
               </a:ext>
             </a:extLst>
           </p:cNvPr>
@@ -2284,7 +2284,7 @@
           <p:cNvPr id="8" name="Picture 7" descr="A picture containing drawing&#10;&#10;Description automatically generated">
             <a:extLst>
               <a:ext uri="{FF2B5EF4-FFF2-40B4-BE49-F238E27FC236}">
-                <a16:creationId xmlns:a16="http://schemas.microsoft.com/office/drawing/2014/main" id="{BCCF2CA0-CCE3-4304-8F31-4D1CC50BCBDE}"/>
+                <a16:creationId xmlns:a16="http://schemas.microsoft.com/office/drawing/2014/main" xmlns="" id="{BCCF2CA0-CCE3-4304-8F31-4D1CC50BCBDE}"/>
               </a:ext>
             </a:extLst>
           </p:cNvPr>
@@ -2358,7 +2358,7 @@
           <p:cNvPr id="3" name="Subtitle 2">
             <a:extLst>
               <a:ext uri="{FF2B5EF4-FFF2-40B4-BE49-F238E27FC236}">
-                <a16:creationId xmlns:a16="http://schemas.microsoft.com/office/drawing/2014/main" id="{E2C6B9F5-608F-4534-96F0-C3A5E1A638A6}"/>
+                <a16:creationId xmlns:a16="http://schemas.microsoft.com/office/drawing/2014/main" xmlns="" id="{E2C6B9F5-608F-4534-96F0-C3A5E1A638A6}"/>
               </a:ext>
             </a:extLst>
           </p:cNvPr>
@@ -2435,7 +2435,7 @@
           <p:cNvPr id="5" name="Footer Placeholder 4">
             <a:extLst>
               <a:ext uri="{FF2B5EF4-FFF2-40B4-BE49-F238E27FC236}">
-                <a16:creationId xmlns:a16="http://schemas.microsoft.com/office/drawing/2014/main" id="{0540E7B9-9AC6-4E42-A931-6FF91E6494A1}"/>
+                <a16:creationId xmlns:a16="http://schemas.microsoft.com/office/drawing/2014/main" xmlns="" id="{0540E7B9-9AC6-4E42-A931-6FF91E6494A1}"/>
               </a:ext>
             </a:extLst>
           </p:cNvPr>
@@ -2478,7 +2478,7 @@
           <p:cNvPr id="6" name="Slide Number Placeholder 5">
             <a:extLst>
               <a:ext uri="{FF2B5EF4-FFF2-40B4-BE49-F238E27FC236}">
-                <a16:creationId xmlns:a16="http://schemas.microsoft.com/office/drawing/2014/main" id="{FB16D645-6420-4785-8316-43EF780FA589}"/>
+                <a16:creationId xmlns:a16="http://schemas.microsoft.com/office/drawing/2014/main" xmlns="" id="{FB16D645-6420-4785-8316-43EF780FA589}"/>
               </a:ext>
             </a:extLst>
           </p:cNvPr>
@@ -2523,7 +2523,7 @@
           <p:cNvPr id="9" name="Title 1">
             <a:extLst>
               <a:ext uri="{FF2B5EF4-FFF2-40B4-BE49-F238E27FC236}">
-                <a16:creationId xmlns:a16="http://schemas.microsoft.com/office/drawing/2014/main" id="{E9449821-0D0D-644D-97A3-D56097A9C6DA}"/>
+                <a16:creationId xmlns:a16="http://schemas.microsoft.com/office/drawing/2014/main" xmlns="" id="{E9449821-0D0D-644D-97A3-D56097A9C6DA}"/>
               </a:ext>
             </a:extLst>
           </p:cNvPr>
@@ -2570,7 +2570,7 @@
           <p:cNvPr id="10" name="Rectangle 9">
             <a:extLst>
               <a:ext uri="{FF2B5EF4-FFF2-40B4-BE49-F238E27FC236}">
-                <a16:creationId xmlns:a16="http://schemas.microsoft.com/office/drawing/2014/main" id="{44F6EB17-8019-7B4E-B53C-76B057A7C31F}"/>
+                <a16:creationId xmlns:a16="http://schemas.microsoft.com/office/drawing/2014/main" xmlns="" id="{44F6EB17-8019-7B4E-B53C-76B057A7C31F}"/>
               </a:ext>
             </a:extLst>
           </p:cNvPr>
@@ -2626,7 +2626,7 @@
           <p:cNvPr id="11" name="Picture 10">
             <a:extLst>
               <a:ext uri="{FF2B5EF4-FFF2-40B4-BE49-F238E27FC236}">
-                <a16:creationId xmlns:a16="http://schemas.microsoft.com/office/drawing/2014/main" id="{0503EF50-F00F-9643-BE53-F0A5272FC4B2}"/>
+                <a16:creationId xmlns:a16="http://schemas.microsoft.com/office/drawing/2014/main" xmlns="" id="{0503EF50-F00F-9643-BE53-F0A5272FC4B2}"/>
               </a:ext>
             </a:extLst>
           </p:cNvPr>
@@ -2694,7 +2694,7 @@
           <p:cNvPr id="2" name="Title 1">
             <a:extLst>
               <a:ext uri="{FF2B5EF4-FFF2-40B4-BE49-F238E27FC236}">
-                <a16:creationId xmlns:a16="http://schemas.microsoft.com/office/drawing/2014/main" id="{A1AAFE49-0143-472F-897B-A7DAB87AB4E4}"/>
+                <a16:creationId xmlns:a16="http://schemas.microsoft.com/office/drawing/2014/main" xmlns="" id="{A1AAFE49-0143-472F-897B-A7DAB87AB4E4}"/>
               </a:ext>
             </a:extLst>
           </p:cNvPr>
@@ -2723,7 +2723,7 @@
           <p:cNvPr id="3" name="Content Placeholder 2">
             <a:extLst>
               <a:ext uri="{FF2B5EF4-FFF2-40B4-BE49-F238E27FC236}">
-                <a16:creationId xmlns:a16="http://schemas.microsoft.com/office/drawing/2014/main" id="{981FBDFA-876B-4255-A301-F62F1EDD8D66}"/>
+                <a16:creationId xmlns:a16="http://schemas.microsoft.com/office/drawing/2014/main" xmlns="" id="{981FBDFA-876B-4255-A301-F62F1EDD8D66}"/>
               </a:ext>
             </a:extLst>
           </p:cNvPr>
@@ -2783,7 +2783,7 @@
           <p:cNvPr id="4" name="Content Placeholder 3">
             <a:extLst>
               <a:ext uri="{FF2B5EF4-FFF2-40B4-BE49-F238E27FC236}">
-                <a16:creationId xmlns:a16="http://schemas.microsoft.com/office/drawing/2014/main" id="{46F0C709-1F3D-4B13-A290-4041A33FB10E}"/>
+                <a16:creationId xmlns:a16="http://schemas.microsoft.com/office/drawing/2014/main" xmlns="" id="{46F0C709-1F3D-4B13-A290-4041A33FB10E}"/>
               </a:ext>
             </a:extLst>
           </p:cNvPr>
@@ -2874,7 +2874,7 @@
           <p:cNvPr id="6" name="Footer Placeholder 5">
             <a:extLst>
               <a:ext uri="{FF2B5EF4-FFF2-40B4-BE49-F238E27FC236}">
-                <a16:creationId xmlns:a16="http://schemas.microsoft.com/office/drawing/2014/main" id="{60A8C9C5-E913-47B9-82DE-196768E6D657}"/>
+                <a16:creationId xmlns:a16="http://schemas.microsoft.com/office/drawing/2014/main" xmlns="" id="{60A8C9C5-E913-47B9-82DE-196768E6D657}"/>
               </a:ext>
             </a:extLst>
           </p:cNvPr>
@@ -2902,7 +2902,7 @@
           <p:cNvPr id="7" name="Slide Number Placeholder 6">
             <a:extLst>
               <a:ext uri="{FF2B5EF4-FFF2-40B4-BE49-F238E27FC236}">
-                <a16:creationId xmlns:a16="http://schemas.microsoft.com/office/drawing/2014/main" id="{E1558F66-ECA3-4B00-A383-8D2B86217C93}"/>
+                <a16:creationId xmlns:a16="http://schemas.microsoft.com/office/drawing/2014/main" xmlns="" id="{E1558F66-ECA3-4B00-A383-8D2B86217C93}"/>
               </a:ext>
             </a:extLst>
           </p:cNvPr>
@@ -2932,7 +2932,7 @@
           <p:cNvPr id="8" name="Rectangle 7">
             <a:extLst>
               <a:ext uri="{FF2B5EF4-FFF2-40B4-BE49-F238E27FC236}">
-                <a16:creationId xmlns:a16="http://schemas.microsoft.com/office/drawing/2014/main" id="{62A19DAE-53D8-4F04-A4B9-B6EDFC23886D}"/>
+                <a16:creationId xmlns:a16="http://schemas.microsoft.com/office/drawing/2014/main" xmlns="" id="{62A19DAE-53D8-4F04-A4B9-B6EDFC23886D}"/>
               </a:ext>
             </a:extLst>
           </p:cNvPr>
@@ -2995,7 +2995,7 @@
   </p:clrMapOvr>
   <p:extLst>
     <p:ext uri="{DCECCB84-F9BA-43D5-87BE-67443E8EF086}">
-      <p15:sldGuideLst xmlns:p15="http://schemas.microsoft.com/office/powerpoint/2012/main">
+      <p15:sldGuideLst xmlns:p15="http://schemas.microsoft.com/office/powerpoint/2012/main" xmlns="">
         <p15:guide id="2" pos="6805" userDrawn="1">
           <p15:clr>
             <a:srgbClr val="FBAE40"/>
@@ -3047,7 +3047,7 @@
           <p:cNvPr id="2" name="Title 1">
             <a:extLst>
               <a:ext uri="{FF2B5EF4-FFF2-40B4-BE49-F238E27FC236}">
-                <a16:creationId xmlns:a16="http://schemas.microsoft.com/office/drawing/2014/main" id="{A4DE70B5-BA04-4DB3-853D-A1C05ADF828C}"/>
+                <a16:creationId xmlns:a16="http://schemas.microsoft.com/office/drawing/2014/main" xmlns="" id="{A4DE70B5-BA04-4DB3-853D-A1C05ADF828C}"/>
               </a:ext>
             </a:extLst>
           </p:cNvPr>
@@ -3076,7 +3076,7 @@
           <p:cNvPr id="3" name="Content Placeholder 2">
             <a:extLst>
               <a:ext uri="{FF2B5EF4-FFF2-40B4-BE49-F238E27FC236}">
-                <a16:creationId xmlns:a16="http://schemas.microsoft.com/office/drawing/2014/main" id="{70440712-862D-4568-80A4-86117B896766}"/>
+                <a16:creationId xmlns:a16="http://schemas.microsoft.com/office/drawing/2014/main" xmlns="" id="{70440712-862D-4568-80A4-86117B896766}"/>
               </a:ext>
             </a:extLst>
           </p:cNvPr>
@@ -3133,7 +3133,7 @@
           <p:cNvPr id="5" name="Footer Placeholder 4">
             <a:extLst>
               <a:ext uri="{FF2B5EF4-FFF2-40B4-BE49-F238E27FC236}">
-                <a16:creationId xmlns:a16="http://schemas.microsoft.com/office/drawing/2014/main" id="{962B6D5D-0892-4B4E-86D9-894852B1242C}"/>
+                <a16:creationId xmlns:a16="http://schemas.microsoft.com/office/drawing/2014/main" xmlns="" id="{962B6D5D-0892-4B4E-86D9-894852B1242C}"/>
               </a:ext>
             </a:extLst>
           </p:cNvPr>
@@ -3161,7 +3161,7 @@
           <p:cNvPr id="6" name="Slide Number Placeholder 5">
             <a:extLst>
               <a:ext uri="{FF2B5EF4-FFF2-40B4-BE49-F238E27FC236}">
-                <a16:creationId xmlns:a16="http://schemas.microsoft.com/office/drawing/2014/main" id="{3B7428FC-C061-4730-9EA5-A52A00413991}"/>
+                <a16:creationId xmlns:a16="http://schemas.microsoft.com/office/drawing/2014/main" xmlns="" id="{3B7428FC-C061-4730-9EA5-A52A00413991}"/>
               </a:ext>
             </a:extLst>
           </p:cNvPr>
@@ -3191,7 +3191,7 @@
           <p:cNvPr id="7" name="Rectangle 6">
             <a:extLst>
               <a:ext uri="{FF2B5EF4-FFF2-40B4-BE49-F238E27FC236}">
-                <a16:creationId xmlns:a16="http://schemas.microsoft.com/office/drawing/2014/main" id="{850AA271-B0BA-42CD-A544-17AAB1FA2EEA}"/>
+                <a16:creationId xmlns:a16="http://schemas.microsoft.com/office/drawing/2014/main" xmlns="" id="{850AA271-B0BA-42CD-A544-17AAB1FA2EEA}"/>
               </a:ext>
             </a:extLst>
           </p:cNvPr>
@@ -3281,7 +3281,7 @@
           <p:cNvPr id="2" name="Title 1">
             <a:extLst>
               <a:ext uri="{FF2B5EF4-FFF2-40B4-BE49-F238E27FC236}">
-                <a16:creationId xmlns:a16="http://schemas.microsoft.com/office/drawing/2014/main" id="{A4DE70B5-BA04-4DB3-853D-A1C05ADF828C}"/>
+                <a16:creationId xmlns:a16="http://schemas.microsoft.com/office/drawing/2014/main" xmlns="" id="{A4DE70B5-BA04-4DB3-853D-A1C05ADF828C}"/>
               </a:ext>
             </a:extLst>
           </p:cNvPr>
@@ -3315,7 +3315,7 @@
           <p:cNvPr id="3" name="Content Placeholder 2">
             <a:extLst>
               <a:ext uri="{FF2B5EF4-FFF2-40B4-BE49-F238E27FC236}">
-                <a16:creationId xmlns:a16="http://schemas.microsoft.com/office/drawing/2014/main" id="{70440712-862D-4568-80A4-86117B896766}"/>
+                <a16:creationId xmlns:a16="http://schemas.microsoft.com/office/drawing/2014/main" xmlns="" id="{70440712-862D-4568-80A4-86117B896766}"/>
               </a:ext>
             </a:extLst>
           </p:cNvPr>
@@ -3372,7 +3372,7 @@
           <p:cNvPr id="6" name="Slide Number Placeholder 5">
             <a:extLst>
               <a:ext uri="{FF2B5EF4-FFF2-40B4-BE49-F238E27FC236}">
-                <a16:creationId xmlns:a16="http://schemas.microsoft.com/office/drawing/2014/main" id="{3B7428FC-C061-4730-9EA5-A52A00413991}"/>
+                <a16:creationId xmlns:a16="http://schemas.microsoft.com/office/drawing/2014/main" xmlns="" id="{3B7428FC-C061-4730-9EA5-A52A00413991}"/>
               </a:ext>
             </a:extLst>
           </p:cNvPr>
@@ -3402,7 +3402,7 @@
           <p:cNvPr id="7" name="Rectangle 6">
             <a:extLst>
               <a:ext uri="{FF2B5EF4-FFF2-40B4-BE49-F238E27FC236}">
-                <a16:creationId xmlns:a16="http://schemas.microsoft.com/office/drawing/2014/main" id="{850AA271-B0BA-42CD-A544-17AAB1FA2EEA}"/>
+                <a16:creationId xmlns:a16="http://schemas.microsoft.com/office/drawing/2014/main" xmlns="" id="{850AA271-B0BA-42CD-A544-17AAB1FA2EEA}"/>
               </a:ext>
             </a:extLst>
           </p:cNvPr>
@@ -3492,7 +3492,7 @@
           <p:cNvPr id="6" name="Slide Number Placeholder 5">
             <a:extLst>
               <a:ext uri="{FF2B5EF4-FFF2-40B4-BE49-F238E27FC236}">
-                <a16:creationId xmlns:a16="http://schemas.microsoft.com/office/drawing/2014/main" id="{3B7428FC-C061-4730-9EA5-A52A00413991}"/>
+                <a16:creationId xmlns:a16="http://schemas.microsoft.com/office/drawing/2014/main" xmlns="" id="{3B7428FC-C061-4730-9EA5-A52A00413991}"/>
               </a:ext>
             </a:extLst>
           </p:cNvPr>
@@ -3530,7 +3530,7 @@
           <p:cNvPr id="8" name="Content Placeholder 2">
             <a:extLst>
               <a:ext uri="{FF2B5EF4-FFF2-40B4-BE49-F238E27FC236}">
-                <a16:creationId xmlns:a16="http://schemas.microsoft.com/office/drawing/2014/main" id="{B09D4C03-E8B1-644E-949B-F7AF91181833}"/>
+                <a16:creationId xmlns:a16="http://schemas.microsoft.com/office/drawing/2014/main" xmlns="" id="{B09D4C03-E8B1-644E-949B-F7AF91181833}"/>
               </a:ext>
             </a:extLst>
           </p:cNvPr>
@@ -3603,7 +3603,7 @@
           <p:cNvPr id="5" name="Title 1">
             <a:extLst>
               <a:ext uri="{FF2B5EF4-FFF2-40B4-BE49-F238E27FC236}">
-                <a16:creationId xmlns:a16="http://schemas.microsoft.com/office/drawing/2014/main" id="{02EDA17D-AAE6-954F-93C6-90B8D7B80BD1}"/>
+                <a16:creationId xmlns:a16="http://schemas.microsoft.com/office/drawing/2014/main" xmlns="" id="{02EDA17D-AAE6-954F-93C6-90B8D7B80BD1}"/>
               </a:ext>
             </a:extLst>
           </p:cNvPr>
@@ -3683,7 +3683,7 @@
           <p:cNvPr id="2" name="Title 1">
             <a:extLst>
               <a:ext uri="{FF2B5EF4-FFF2-40B4-BE49-F238E27FC236}">
-                <a16:creationId xmlns:a16="http://schemas.microsoft.com/office/drawing/2014/main" id="{A1AAFE49-0143-472F-897B-A7DAB87AB4E4}"/>
+                <a16:creationId xmlns:a16="http://schemas.microsoft.com/office/drawing/2014/main" xmlns="" id="{A1AAFE49-0143-472F-897B-A7DAB87AB4E4}"/>
               </a:ext>
             </a:extLst>
           </p:cNvPr>
@@ -3712,7 +3712,7 @@
           <p:cNvPr id="4" name="Content Placeholder 3">
             <a:extLst>
               <a:ext uri="{FF2B5EF4-FFF2-40B4-BE49-F238E27FC236}">
-                <a16:creationId xmlns:a16="http://schemas.microsoft.com/office/drawing/2014/main" id="{46F0C709-1F3D-4B13-A290-4041A33FB10E}"/>
+                <a16:creationId xmlns:a16="http://schemas.microsoft.com/office/drawing/2014/main" xmlns="" id="{46F0C709-1F3D-4B13-A290-4041A33FB10E}"/>
               </a:ext>
             </a:extLst>
           </p:cNvPr>
@@ -3773,7 +3773,7 @@
           <p:cNvPr id="6" name="Footer Placeholder 5">
             <a:extLst>
               <a:ext uri="{FF2B5EF4-FFF2-40B4-BE49-F238E27FC236}">
-                <a16:creationId xmlns:a16="http://schemas.microsoft.com/office/drawing/2014/main" id="{60A8C9C5-E913-47B9-82DE-196768E6D657}"/>
+                <a16:creationId xmlns:a16="http://schemas.microsoft.com/office/drawing/2014/main" xmlns="" id="{60A8C9C5-E913-47B9-82DE-196768E6D657}"/>
               </a:ext>
             </a:extLst>
           </p:cNvPr>
@@ -3801,7 +3801,7 @@
           <p:cNvPr id="7" name="Slide Number Placeholder 6">
             <a:extLst>
               <a:ext uri="{FF2B5EF4-FFF2-40B4-BE49-F238E27FC236}">
-                <a16:creationId xmlns:a16="http://schemas.microsoft.com/office/drawing/2014/main" id="{E1558F66-ECA3-4B00-A383-8D2B86217C93}"/>
+                <a16:creationId xmlns:a16="http://schemas.microsoft.com/office/drawing/2014/main" xmlns="" id="{E1558F66-ECA3-4B00-A383-8D2B86217C93}"/>
               </a:ext>
             </a:extLst>
           </p:cNvPr>
@@ -3831,7 +3831,7 @@
           <p:cNvPr id="10" name="Picture Placeholder 9">
             <a:extLst>
               <a:ext uri="{FF2B5EF4-FFF2-40B4-BE49-F238E27FC236}">
-                <a16:creationId xmlns:a16="http://schemas.microsoft.com/office/drawing/2014/main" id="{874043F1-6F14-49BD-83CA-12B559ABC101}"/>
+                <a16:creationId xmlns:a16="http://schemas.microsoft.com/office/drawing/2014/main" xmlns="" id="{874043F1-6F14-49BD-83CA-12B559ABC101}"/>
               </a:ext>
             </a:extLst>
           </p:cNvPr>
@@ -3861,7 +3861,7 @@
           <p:cNvPr id="11" name="Rectangle 10">
             <a:extLst>
               <a:ext uri="{FF2B5EF4-FFF2-40B4-BE49-F238E27FC236}">
-                <a16:creationId xmlns:a16="http://schemas.microsoft.com/office/drawing/2014/main" id="{4B51C537-0174-43E5-8B81-C80AF1D06831}"/>
+                <a16:creationId xmlns:a16="http://schemas.microsoft.com/office/drawing/2014/main" xmlns="" id="{4B51C537-0174-43E5-8B81-C80AF1D06831}"/>
               </a:ext>
             </a:extLst>
           </p:cNvPr>
@@ -3951,7 +3951,7 @@
           <p:cNvPr id="2" name="Title 1">
             <a:extLst>
               <a:ext uri="{FF2B5EF4-FFF2-40B4-BE49-F238E27FC236}">
-                <a16:creationId xmlns:a16="http://schemas.microsoft.com/office/drawing/2014/main" id="{A1AAFE49-0143-472F-897B-A7DAB87AB4E4}"/>
+                <a16:creationId xmlns:a16="http://schemas.microsoft.com/office/drawing/2014/main" xmlns="" id="{A1AAFE49-0143-472F-897B-A7DAB87AB4E4}"/>
               </a:ext>
             </a:extLst>
           </p:cNvPr>
@@ -3980,7 +3980,7 @@
           <p:cNvPr id="6" name="Footer Placeholder 5">
             <a:extLst>
               <a:ext uri="{FF2B5EF4-FFF2-40B4-BE49-F238E27FC236}">
-                <a16:creationId xmlns:a16="http://schemas.microsoft.com/office/drawing/2014/main" id="{60A8C9C5-E913-47B9-82DE-196768E6D657}"/>
+                <a16:creationId xmlns:a16="http://schemas.microsoft.com/office/drawing/2014/main" xmlns="" id="{60A8C9C5-E913-47B9-82DE-196768E6D657}"/>
               </a:ext>
             </a:extLst>
           </p:cNvPr>
@@ -4008,7 +4008,7 @@
           <p:cNvPr id="7" name="Slide Number Placeholder 6">
             <a:extLst>
               <a:ext uri="{FF2B5EF4-FFF2-40B4-BE49-F238E27FC236}">
-                <a16:creationId xmlns:a16="http://schemas.microsoft.com/office/drawing/2014/main" id="{E1558F66-ECA3-4B00-A383-8D2B86217C93}"/>
+                <a16:creationId xmlns:a16="http://schemas.microsoft.com/office/drawing/2014/main" xmlns="" id="{E1558F66-ECA3-4B00-A383-8D2B86217C93}"/>
               </a:ext>
             </a:extLst>
           </p:cNvPr>
@@ -4038,7 +4038,7 @@
           <p:cNvPr id="8" name="Rectangle 7">
             <a:extLst>
               <a:ext uri="{FF2B5EF4-FFF2-40B4-BE49-F238E27FC236}">
-                <a16:creationId xmlns:a16="http://schemas.microsoft.com/office/drawing/2014/main" id="{039FCF96-B7D6-4CCD-A4AE-46A67249D3BD}"/>
+                <a16:creationId xmlns:a16="http://schemas.microsoft.com/office/drawing/2014/main" xmlns="" id="{039FCF96-B7D6-4CCD-A4AE-46A67249D3BD}"/>
               </a:ext>
             </a:extLst>
           </p:cNvPr>
@@ -4090,7 +4090,7 @@
           <p:cNvPr id="10" name="Content Placeholder 9">
             <a:extLst>
               <a:ext uri="{FF2B5EF4-FFF2-40B4-BE49-F238E27FC236}">
-                <a16:creationId xmlns:a16="http://schemas.microsoft.com/office/drawing/2014/main" id="{741F3B7A-B2BF-40FC-8EB2-F1C37D316488}"/>
+                <a16:creationId xmlns:a16="http://schemas.microsoft.com/office/drawing/2014/main" xmlns="" id="{741F3B7A-B2BF-40FC-8EB2-F1C37D316488}"/>
               </a:ext>
             </a:extLst>
           </p:cNvPr>
@@ -4151,7 +4151,7 @@
           <p:cNvPr id="9" name="Content Placeholder 9">
             <a:extLst>
               <a:ext uri="{FF2B5EF4-FFF2-40B4-BE49-F238E27FC236}">
-                <a16:creationId xmlns:a16="http://schemas.microsoft.com/office/drawing/2014/main" id="{75B7A667-B99F-7A41-AAC3-ED24B9B1D92E}"/>
+                <a16:creationId xmlns:a16="http://schemas.microsoft.com/office/drawing/2014/main" xmlns="" id="{75B7A667-B99F-7A41-AAC3-ED24B9B1D92E}"/>
               </a:ext>
             </a:extLst>
           </p:cNvPr>
@@ -4212,7 +4212,7 @@
           <p:cNvPr id="11" name="Content Placeholder 9">
             <a:extLst>
               <a:ext uri="{FF2B5EF4-FFF2-40B4-BE49-F238E27FC236}">
-                <a16:creationId xmlns:a16="http://schemas.microsoft.com/office/drawing/2014/main" id="{93C1FF47-695D-B348-AF37-1ADF5736FA9E}"/>
+                <a16:creationId xmlns:a16="http://schemas.microsoft.com/office/drawing/2014/main" xmlns="" id="{93C1FF47-695D-B348-AF37-1ADF5736FA9E}"/>
               </a:ext>
             </a:extLst>
           </p:cNvPr>
@@ -4308,7 +4308,7 @@
           <p:cNvPr id="2" name="Title Placeholder 1">
             <a:extLst>
               <a:ext uri="{FF2B5EF4-FFF2-40B4-BE49-F238E27FC236}">
-                <a16:creationId xmlns:a16="http://schemas.microsoft.com/office/drawing/2014/main" id="{DB1A62CF-E2B4-496D-829D-DCE37260977D}"/>
+                <a16:creationId xmlns:a16="http://schemas.microsoft.com/office/drawing/2014/main" xmlns="" id="{DB1A62CF-E2B4-496D-829D-DCE37260977D}"/>
               </a:ext>
             </a:extLst>
           </p:cNvPr>
@@ -4347,7 +4347,7 @@
           <p:cNvPr id="3" name="Text Placeholder 2">
             <a:extLst>
               <a:ext uri="{FF2B5EF4-FFF2-40B4-BE49-F238E27FC236}">
-                <a16:creationId xmlns:a16="http://schemas.microsoft.com/office/drawing/2014/main" id="{DFD84EF4-0E07-4BF3-A4AB-3E8632AA79AD}"/>
+                <a16:creationId xmlns:a16="http://schemas.microsoft.com/office/drawing/2014/main" xmlns="" id="{DFD84EF4-0E07-4BF3-A4AB-3E8632AA79AD}"/>
               </a:ext>
             </a:extLst>
           </p:cNvPr>
@@ -4415,7 +4415,7 @@
           <p:cNvPr id="5" name="Footer Placeholder 4">
             <a:extLst>
               <a:ext uri="{FF2B5EF4-FFF2-40B4-BE49-F238E27FC236}">
-                <a16:creationId xmlns:a16="http://schemas.microsoft.com/office/drawing/2014/main" id="{3B527A5D-B761-4C2F-97E6-5D8254424B8B}"/>
+                <a16:creationId xmlns:a16="http://schemas.microsoft.com/office/drawing/2014/main" xmlns="" id="{3B527A5D-B761-4C2F-97E6-5D8254424B8B}"/>
               </a:ext>
             </a:extLst>
           </p:cNvPr>
@@ -4463,7 +4463,7 @@
           <p:cNvPr id="6" name="Slide Number Placeholder 5">
             <a:extLst>
               <a:ext uri="{FF2B5EF4-FFF2-40B4-BE49-F238E27FC236}">
-                <a16:creationId xmlns:a16="http://schemas.microsoft.com/office/drawing/2014/main" id="{9CD661B1-4E4B-4F85-ACA3-C34023D70282}"/>
+                <a16:creationId xmlns:a16="http://schemas.microsoft.com/office/drawing/2014/main" xmlns="" id="{9CD661B1-4E4B-4F85-ACA3-C34023D70282}"/>
               </a:ext>
             </a:extLst>
           </p:cNvPr>
@@ -4824,7 +4824,7 @@
   </p:txStyles>
   <p:extLst>
     <p:ext uri="{27BBF7A9-308A-43DC-89C8-2F10F3537804}">
-      <p15:sldGuideLst xmlns:p15="http://schemas.microsoft.com/office/powerpoint/2012/main">
+      <p15:sldGuideLst xmlns:p15="http://schemas.microsoft.com/office/powerpoint/2012/main" xmlns="">
         <p15:guide id="1" pos="3840" userDrawn="1">
           <p15:clr>
             <a:srgbClr val="F26B43"/>
@@ -4893,7 +4893,7 @@
           <p:cNvPr id="2" name="Title 1">
             <a:extLst>
               <a:ext uri="{FF2B5EF4-FFF2-40B4-BE49-F238E27FC236}">
-                <a16:creationId xmlns:a16="http://schemas.microsoft.com/office/drawing/2014/main" id="{3440AEE4-CC66-FE42-B0C3-2CC7AFD37D1C}"/>
+                <a16:creationId xmlns:a16="http://schemas.microsoft.com/office/drawing/2014/main" xmlns="" id="{3440AEE4-CC66-FE42-B0C3-2CC7AFD37D1C}"/>
               </a:ext>
             </a:extLst>
           </p:cNvPr>
@@ -4929,6 +4929,10 @@
               <a:rPr lang="en-US" sz="2200" dirty="0"/>
               <a:t>Date: 25/11/2024</a:t>
             </a:r>
+            <a:r>
+              <a:rPr lang="en-US" sz="8000" dirty="0"/>
+              <a:t/>
+            </a:r>
             <a:br>
               <a:rPr lang="en-US" sz="8000" dirty="0"/>
             </a:br>
@@ -4941,7 +4945,7 @@
           <p:cNvPr id="3" name="Subtitle 2">
             <a:extLst>
               <a:ext uri="{FF2B5EF4-FFF2-40B4-BE49-F238E27FC236}">
-                <a16:creationId xmlns:a16="http://schemas.microsoft.com/office/drawing/2014/main" id="{8275DA97-5166-7F4B-BC83-F50AC8BEDCD7}"/>
+                <a16:creationId xmlns:a16="http://schemas.microsoft.com/office/drawing/2014/main" xmlns="" id="{8275DA97-5166-7F4B-BC83-F50AC8BEDCD7}"/>
               </a:ext>
             </a:extLst>
           </p:cNvPr>
@@ -4977,7 +4981,7 @@
           <p:cNvPr id="4" name="Footer Placeholder 3">
             <a:extLst>
               <a:ext uri="{FF2B5EF4-FFF2-40B4-BE49-F238E27FC236}">
-                <a16:creationId xmlns:a16="http://schemas.microsoft.com/office/drawing/2014/main" id="{6E7F4D14-5620-EC41-A86C-6CC3CFD691B4}"/>
+                <a16:creationId xmlns:a16="http://schemas.microsoft.com/office/drawing/2014/main" xmlns="" id="{6E7F4D14-5620-EC41-A86C-6CC3CFD691B4}"/>
               </a:ext>
             </a:extLst>
           </p:cNvPr>
@@ -5066,7 +5070,7 @@
           <p:cNvPr id="5" name="Slide Number Placeholder 4">
             <a:extLst>
               <a:ext uri="{FF2B5EF4-FFF2-40B4-BE49-F238E27FC236}">
-                <a16:creationId xmlns:a16="http://schemas.microsoft.com/office/drawing/2014/main" id="{6B584311-58F1-BD4D-8FED-50D72C3DED34}"/>
+                <a16:creationId xmlns:a16="http://schemas.microsoft.com/office/drawing/2014/main" xmlns="" id="{6B584311-58F1-BD4D-8FED-50D72C3DED34}"/>
               </a:ext>
             </a:extLst>
           </p:cNvPr>
@@ -5126,7 +5130,7 @@
           <p:cNvPr id="2" name="Subtitle 1">
             <a:extLst>
               <a:ext uri="{FF2B5EF4-FFF2-40B4-BE49-F238E27FC236}">
-                <a16:creationId xmlns:a16="http://schemas.microsoft.com/office/drawing/2014/main" id="{E31262B9-84B0-C1A5-543C-8FA0F2459C07}"/>
+                <a16:creationId xmlns:a16="http://schemas.microsoft.com/office/drawing/2014/main" xmlns="" id="{E31262B9-84B0-C1A5-543C-8FA0F2459C07}"/>
               </a:ext>
             </a:extLst>
           </p:cNvPr>
@@ -5160,7 +5164,7 @@
           <p:cNvPr id="3" name="Footer Placeholder 2">
             <a:extLst>
               <a:ext uri="{FF2B5EF4-FFF2-40B4-BE49-F238E27FC236}">
-                <a16:creationId xmlns:a16="http://schemas.microsoft.com/office/drawing/2014/main" id="{AA8750A5-C5AD-CEC8-7CD5-C4412264CC71}"/>
+                <a16:creationId xmlns:a16="http://schemas.microsoft.com/office/drawing/2014/main" xmlns="" id="{AA8750A5-C5AD-CEC8-7CD5-C4412264CC71}"/>
               </a:ext>
             </a:extLst>
           </p:cNvPr>
@@ -5189,7 +5193,7 @@
           <p:cNvPr id="4" name="Slide Number Placeholder 3">
             <a:extLst>
               <a:ext uri="{FF2B5EF4-FFF2-40B4-BE49-F238E27FC236}">
-                <a16:creationId xmlns:a16="http://schemas.microsoft.com/office/drawing/2014/main" id="{2B0B5058-8385-6382-3B48-5ADE78EDFDAD}"/>
+                <a16:creationId xmlns:a16="http://schemas.microsoft.com/office/drawing/2014/main" xmlns="" id="{2B0B5058-8385-6382-3B48-5ADE78EDFDAD}"/>
               </a:ext>
             </a:extLst>
           </p:cNvPr>
@@ -5249,7 +5253,7 @@
           <p:cNvPr id="2" name="Subtitle 1">
             <a:extLst>
               <a:ext uri="{FF2B5EF4-FFF2-40B4-BE49-F238E27FC236}">
-                <a16:creationId xmlns:a16="http://schemas.microsoft.com/office/drawing/2014/main" id="{7D9D8228-727F-1E46-B5AD-91D158B8255E}"/>
+                <a16:creationId xmlns:a16="http://schemas.microsoft.com/office/drawing/2014/main" xmlns="" id="{7D9D8228-727F-1E46-B5AD-91D158B8255E}"/>
               </a:ext>
             </a:extLst>
           </p:cNvPr>
@@ -5327,6 +5331,16 @@
             </a:endParaRPr>
           </a:p>
           <a:p>
+            <a:r>
+              <a:rPr lang="en-US" sz="2400" b="0" dirty="0">
+                <a:solidFill>
+                  <a:srgbClr val="FF0000"/>
+                </a:solidFill>
+                <a:latin typeface="Calibri" panose="020F0502020204030204" pitchFamily="34" charset="0"/>
+                <a:cs typeface="Calibri" panose="020F0502020204030204" pitchFamily="34" charset="0"/>
+              </a:rPr>
+              <a:t/>
+            </a:r>
             <a:br>
               <a:rPr lang="en-US" sz="2400" b="0" dirty="0">
                 <a:solidFill>
@@ -5351,7 +5365,7 @@
           <p:cNvPr id="3" name="Footer Placeholder 2">
             <a:extLst>
               <a:ext uri="{FF2B5EF4-FFF2-40B4-BE49-F238E27FC236}">
-                <a16:creationId xmlns:a16="http://schemas.microsoft.com/office/drawing/2014/main" id="{00EBC183-8AA5-EC44-9987-D65F5C1892A1}"/>
+                <a16:creationId xmlns:a16="http://schemas.microsoft.com/office/drawing/2014/main" xmlns="" id="{00EBC183-8AA5-EC44-9987-D65F5C1892A1}"/>
               </a:ext>
             </a:extLst>
           </p:cNvPr>
@@ -5384,7 +5398,7 @@
           <p:cNvPr id="4" name="Slide Number Placeholder 3">
             <a:extLst>
               <a:ext uri="{FF2B5EF4-FFF2-40B4-BE49-F238E27FC236}">
-                <a16:creationId xmlns:a16="http://schemas.microsoft.com/office/drawing/2014/main" id="{CC9D9611-42EE-7840-81EE-DD6B1A99CD7B}"/>
+                <a16:creationId xmlns:a16="http://schemas.microsoft.com/office/drawing/2014/main" xmlns="" id="{CC9D9611-42EE-7840-81EE-DD6B1A99CD7B}"/>
               </a:ext>
             </a:extLst>
           </p:cNvPr>
@@ -5414,7 +5428,7 @@
           <p:cNvPr id="11" name="Table 10">
             <a:extLst>
               <a:ext uri="{FF2B5EF4-FFF2-40B4-BE49-F238E27FC236}">
-                <a16:creationId xmlns:a16="http://schemas.microsoft.com/office/drawing/2014/main" id="{17468CB6-B0D7-5760-9515-F26AE1D82D2B}"/>
+                <a16:creationId xmlns:a16="http://schemas.microsoft.com/office/drawing/2014/main" xmlns="" id="{17468CB6-B0D7-5760-9515-F26AE1D82D2B}"/>
               </a:ext>
             </a:extLst>
           </p:cNvPr>
@@ -5437,35 +5451,35 @@
                 <a:gridCol w="1144153">
                   <a:extLst>
                     <a:ext uri="{9D8B030D-6E8A-4147-A177-3AD203B41FA5}">
-                      <a16:colId xmlns:a16="http://schemas.microsoft.com/office/drawing/2014/main" val="689264672"/>
+                      <a16:colId xmlns:a16="http://schemas.microsoft.com/office/drawing/2014/main" xmlns="" val="689264672"/>
                     </a:ext>
                   </a:extLst>
                 </a:gridCol>
                 <a:gridCol w="1334152">
                   <a:extLst>
                     <a:ext uri="{9D8B030D-6E8A-4147-A177-3AD203B41FA5}">
-                      <a16:colId xmlns:a16="http://schemas.microsoft.com/office/drawing/2014/main" val="2024805648"/>
+                      <a16:colId xmlns:a16="http://schemas.microsoft.com/office/drawing/2014/main" xmlns="" val="2024805648"/>
                     </a:ext>
                   </a:extLst>
                 </a:gridCol>
                 <a:gridCol w="1334152">
                   <a:extLst>
                     <a:ext uri="{9D8B030D-6E8A-4147-A177-3AD203B41FA5}">
-                      <a16:colId xmlns:a16="http://schemas.microsoft.com/office/drawing/2014/main" val="3269430387"/>
+                      <a16:colId xmlns:a16="http://schemas.microsoft.com/office/drawing/2014/main" xmlns="" val="3269430387"/>
                     </a:ext>
                   </a:extLst>
                 </a:gridCol>
                 <a:gridCol w="1334152">
                   <a:extLst>
                     <a:ext uri="{9D8B030D-6E8A-4147-A177-3AD203B41FA5}">
-                      <a16:colId xmlns:a16="http://schemas.microsoft.com/office/drawing/2014/main" val="3416526610"/>
+                      <a16:colId xmlns:a16="http://schemas.microsoft.com/office/drawing/2014/main" xmlns="" val="3416526610"/>
                     </a:ext>
                   </a:extLst>
                 </a:gridCol>
                 <a:gridCol w="1334152">
                   <a:extLst>
                     <a:ext uri="{9D8B030D-6E8A-4147-A177-3AD203B41FA5}">
-                      <a16:colId xmlns:a16="http://schemas.microsoft.com/office/drawing/2014/main" val="247013150"/>
+                      <a16:colId xmlns:a16="http://schemas.microsoft.com/office/drawing/2014/main" xmlns="" val="247013150"/>
                     </a:ext>
                   </a:extLst>
                 </a:gridCol>
@@ -5582,7 +5596,7 @@
                 </a:tc>
                 <a:extLst>
                   <a:ext uri="{0D108BD9-81ED-4DB2-BD59-A6C34878D82A}">
-                    <a16:rowId xmlns:a16="http://schemas.microsoft.com/office/drawing/2014/main" val="678807124"/>
+                    <a16:rowId xmlns:a16="http://schemas.microsoft.com/office/drawing/2014/main" xmlns="" val="678807124"/>
                   </a:ext>
                 </a:extLst>
               </a:tr>
@@ -5698,7 +5712,7 @@
                 </a:tc>
                 <a:extLst>
                   <a:ext uri="{0D108BD9-81ED-4DB2-BD59-A6C34878D82A}">
-                    <a16:rowId xmlns:a16="http://schemas.microsoft.com/office/drawing/2014/main" val="2623801640"/>
+                    <a16:rowId xmlns:a16="http://schemas.microsoft.com/office/drawing/2014/main" xmlns="" val="2623801640"/>
                   </a:ext>
                 </a:extLst>
               </a:tr>
@@ -5807,7 +5821,7 @@
                 </a:tc>
                 <a:extLst>
                   <a:ext uri="{0D108BD9-81ED-4DB2-BD59-A6C34878D82A}">
-                    <a16:rowId xmlns:a16="http://schemas.microsoft.com/office/drawing/2014/main" val="3443593110"/>
+                    <a16:rowId xmlns:a16="http://schemas.microsoft.com/office/drawing/2014/main" xmlns="" val="3443593110"/>
                   </a:ext>
                 </a:extLst>
               </a:tr>
@@ -5916,7 +5930,7 @@
                 </a:tc>
                 <a:extLst>
                   <a:ext uri="{0D108BD9-81ED-4DB2-BD59-A6C34878D82A}">
-                    <a16:rowId xmlns:a16="http://schemas.microsoft.com/office/drawing/2014/main" val="3238261768"/>
+                    <a16:rowId xmlns:a16="http://schemas.microsoft.com/office/drawing/2014/main" xmlns="" val="3238261768"/>
                   </a:ext>
                 </a:extLst>
               </a:tr>
@@ -6032,7 +6046,7 @@
                 </a:tc>
                 <a:extLst>
                   <a:ext uri="{0D108BD9-81ED-4DB2-BD59-A6C34878D82A}">
-                    <a16:rowId xmlns:a16="http://schemas.microsoft.com/office/drawing/2014/main" val="3294421581"/>
+                    <a16:rowId xmlns:a16="http://schemas.microsoft.com/office/drawing/2014/main" xmlns="" val="3294421581"/>
                   </a:ext>
                 </a:extLst>
               </a:tr>
@@ -6141,7 +6155,7 @@
                 </a:tc>
                 <a:extLst>
                   <a:ext uri="{0D108BD9-81ED-4DB2-BD59-A6C34878D82A}">
-                    <a16:rowId xmlns:a16="http://schemas.microsoft.com/office/drawing/2014/main" val="3655231650"/>
+                    <a16:rowId xmlns:a16="http://schemas.microsoft.com/office/drawing/2014/main" xmlns="" val="3655231650"/>
                   </a:ext>
                 </a:extLst>
               </a:tr>
@@ -6257,7 +6271,7 @@
                 </a:tc>
                 <a:extLst>
                   <a:ext uri="{0D108BD9-81ED-4DB2-BD59-A6C34878D82A}">
-                    <a16:rowId xmlns:a16="http://schemas.microsoft.com/office/drawing/2014/main" val="1230431584"/>
+                    <a16:rowId xmlns:a16="http://schemas.microsoft.com/office/drawing/2014/main" xmlns="" val="1230431584"/>
                   </a:ext>
                 </a:extLst>
               </a:tr>
@@ -6366,7 +6380,7 @@
                 </a:tc>
                 <a:extLst>
                   <a:ext uri="{0D108BD9-81ED-4DB2-BD59-A6C34878D82A}">
-                    <a16:rowId xmlns:a16="http://schemas.microsoft.com/office/drawing/2014/main" val="3320254073"/>
+                    <a16:rowId xmlns:a16="http://schemas.microsoft.com/office/drawing/2014/main" xmlns="" val="3320254073"/>
                   </a:ext>
                 </a:extLst>
               </a:tr>
@@ -6475,7 +6489,7 @@
                 </a:tc>
                 <a:extLst>
                   <a:ext uri="{0D108BD9-81ED-4DB2-BD59-A6C34878D82A}">
-                    <a16:rowId xmlns:a16="http://schemas.microsoft.com/office/drawing/2014/main" val="3538045890"/>
+                    <a16:rowId xmlns:a16="http://schemas.microsoft.com/office/drawing/2014/main" xmlns="" val="3538045890"/>
                   </a:ext>
                 </a:extLst>
               </a:tr>
@@ -6584,7 +6598,7 @@
                 </a:tc>
                 <a:extLst>
                   <a:ext uri="{0D108BD9-81ED-4DB2-BD59-A6C34878D82A}">
-                    <a16:rowId xmlns:a16="http://schemas.microsoft.com/office/drawing/2014/main" val="3379435483"/>
+                    <a16:rowId xmlns:a16="http://schemas.microsoft.com/office/drawing/2014/main" xmlns="" val="3379435483"/>
                   </a:ext>
                 </a:extLst>
               </a:tr>
@@ -6693,7 +6707,7 @@
                 </a:tc>
                 <a:extLst>
                   <a:ext uri="{0D108BD9-81ED-4DB2-BD59-A6C34878D82A}">
-                    <a16:rowId xmlns:a16="http://schemas.microsoft.com/office/drawing/2014/main" val="1198607929"/>
+                    <a16:rowId xmlns:a16="http://schemas.microsoft.com/office/drawing/2014/main" xmlns="" val="1198607929"/>
                   </a:ext>
                 </a:extLst>
               </a:tr>
@@ -6802,7 +6816,7 @@
                 </a:tc>
                 <a:extLst>
                   <a:ext uri="{0D108BD9-81ED-4DB2-BD59-A6C34878D82A}">
-                    <a16:rowId xmlns:a16="http://schemas.microsoft.com/office/drawing/2014/main" val="3157507781"/>
+                    <a16:rowId xmlns:a16="http://schemas.microsoft.com/office/drawing/2014/main" xmlns="" val="3157507781"/>
                   </a:ext>
                 </a:extLst>
               </a:tr>
@@ -6815,7 +6829,7 @@
           <p:cNvPr id="14" name="TextBox 13">
             <a:extLst>
               <a:ext uri="{FF2B5EF4-FFF2-40B4-BE49-F238E27FC236}">
-                <a16:creationId xmlns:a16="http://schemas.microsoft.com/office/drawing/2014/main" id="{0A4C457C-5DA3-C517-09E5-B11F2D78DF70}"/>
+                <a16:creationId xmlns:a16="http://schemas.microsoft.com/office/drawing/2014/main" xmlns="" id="{0A4C457C-5DA3-C517-09E5-B11F2D78DF70}"/>
               </a:ext>
             </a:extLst>
           </p:cNvPr>
@@ -6960,7 +6974,7 @@
           <p:cNvPr id="17" name="TextBox 16">
             <a:extLst>
               <a:ext uri="{FF2B5EF4-FFF2-40B4-BE49-F238E27FC236}">
-                <a16:creationId xmlns:a16="http://schemas.microsoft.com/office/drawing/2014/main" id="{02FDD890-F323-BC39-8E76-43B2265D0104}"/>
+                <a16:creationId xmlns:a16="http://schemas.microsoft.com/office/drawing/2014/main" xmlns="" id="{02FDD890-F323-BC39-8E76-43B2265D0104}"/>
               </a:ext>
             </a:extLst>
           </p:cNvPr>
@@ -7102,7 +7116,7 @@
               <p14:cNvPr id="26" name="Ink 25">
                 <a:extLst>
                   <a:ext uri="{FF2B5EF4-FFF2-40B4-BE49-F238E27FC236}">
-                    <a16:creationId xmlns:a16="http://schemas.microsoft.com/office/drawing/2014/main" id="{F4A00DAC-98CC-1D9A-E4A4-B99AD3FBA824}"/>
+                    <a16:creationId xmlns:a16="http://schemas.microsoft.com/office/drawing/2014/main" xmlns="" id="{F4A00DAC-98CC-1D9A-E4A4-B99AD3FBA824}"/>
                   </a:ext>
                 </a:extLst>
               </p14:cNvPr>
@@ -7151,7 +7165,7 @@
           <p:cNvPr id="30" name="Straight Arrow Connector 29">
             <a:extLst>
               <a:ext uri="{FF2B5EF4-FFF2-40B4-BE49-F238E27FC236}">
-                <a16:creationId xmlns:a16="http://schemas.microsoft.com/office/drawing/2014/main" id="{A174ADF1-9076-4B41-8EBE-E2A8E1BB8369}"/>
+                <a16:creationId xmlns:a16="http://schemas.microsoft.com/office/drawing/2014/main" xmlns="" id="{A174ADF1-9076-4B41-8EBE-E2A8E1BB8369}"/>
               </a:ext>
             </a:extLst>
           </p:cNvPr>
@@ -7226,7 +7240,7 @@
           <p:cNvPr id="3" name="Footer Placeholder 2">
             <a:extLst>
               <a:ext uri="{FF2B5EF4-FFF2-40B4-BE49-F238E27FC236}">
-                <a16:creationId xmlns:a16="http://schemas.microsoft.com/office/drawing/2014/main" id="{3C4D431B-7665-75B0-2D73-5BD588DCB766}"/>
+                <a16:creationId xmlns:a16="http://schemas.microsoft.com/office/drawing/2014/main" xmlns="" id="{3C4D431B-7665-75B0-2D73-5BD588DCB766}"/>
               </a:ext>
             </a:extLst>
           </p:cNvPr>
@@ -7254,7 +7268,7 @@
           <p:cNvPr id="4" name="Slide Number Placeholder 3">
             <a:extLst>
               <a:ext uri="{FF2B5EF4-FFF2-40B4-BE49-F238E27FC236}">
-                <a16:creationId xmlns:a16="http://schemas.microsoft.com/office/drawing/2014/main" id="{1625FA15-B17F-387B-E383-5505647ABB89}"/>
+                <a16:creationId xmlns:a16="http://schemas.microsoft.com/office/drawing/2014/main" xmlns="" id="{1625FA15-B17F-387B-E383-5505647ABB89}"/>
               </a:ext>
             </a:extLst>
           </p:cNvPr>
@@ -7284,7 +7298,7 @@
           <p:cNvPr id="7" name="TextBox 6">
             <a:extLst>
               <a:ext uri="{FF2B5EF4-FFF2-40B4-BE49-F238E27FC236}">
-                <a16:creationId xmlns:a16="http://schemas.microsoft.com/office/drawing/2014/main" id="{F7FEA660-7B39-BC91-3B96-7298CCF66DE1}"/>
+                <a16:creationId xmlns:a16="http://schemas.microsoft.com/office/drawing/2014/main" xmlns="" id="{F7FEA660-7B39-BC91-3B96-7298CCF66DE1}"/>
               </a:ext>
             </a:extLst>
           </p:cNvPr>
@@ -7338,7 +7352,7 @@
           <p:cNvPr id="8" name="Subtitle 7">
             <a:extLst>
               <a:ext uri="{FF2B5EF4-FFF2-40B4-BE49-F238E27FC236}">
-                <a16:creationId xmlns:a16="http://schemas.microsoft.com/office/drawing/2014/main" id="{08296624-D625-8A51-63F8-EC461F283B3B}"/>
+                <a16:creationId xmlns:a16="http://schemas.microsoft.com/office/drawing/2014/main" xmlns="" id="{08296624-D625-8A51-63F8-EC461F283B3B}"/>
               </a:ext>
             </a:extLst>
           </p:cNvPr>
@@ -7399,7 +7413,7 @@
           <p:cNvPr id="5" name="Picture 4">
             <a:extLst>
               <a:ext uri="{FF2B5EF4-FFF2-40B4-BE49-F238E27FC236}">
-                <a16:creationId xmlns:a16="http://schemas.microsoft.com/office/drawing/2014/main" id="{90181BF6-CE69-2AA5-3F77-A21095341CEB}"/>
+                <a16:creationId xmlns:a16="http://schemas.microsoft.com/office/drawing/2014/main" xmlns="" id="{90181BF6-CE69-2AA5-3F77-A21095341CEB}"/>
               </a:ext>
             </a:extLst>
           </p:cNvPr>
@@ -7435,7 +7449,7 @@
           <p:cNvPr id="9" name="Picture 8">
             <a:extLst>
               <a:ext uri="{FF2B5EF4-FFF2-40B4-BE49-F238E27FC236}">
-                <a16:creationId xmlns:a16="http://schemas.microsoft.com/office/drawing/2014/main" id="{FB31842F-8945-0FFC-6911-AAFFB27C7BA4}"/>
+                <a16:creationId xmlns:a16="http://schemas.microsoft.com/office/drawing/2014/main" xmlns="" id="{FB31842F-8945-0FFC-6911-AAFFB27C7BA4}"/>
               </a:ext>
             </a:extLst>
           </p:cNvPr>
@@ -7501,7 +7515,7 @@
           <p:cNvPr id="2" name="Subtitle 1">
             <a:extLst>
               <a:ext uri="{FF2B5EF4-FFF2-40B4-BE49-F238E27FC236}">
-                <a16:creationId xmlns:a16="http://schemas.microsoft.com/office/drawing/2014/main" id="{A3BCDAA3-A3AD-A880-5E9C-0E1ABBC0A463}"/>
+                <a16:creationId xmlns:a16="http://schemas.microsoft.com/office/drawing/2014/main" xmlns="" id="{A3BCDAA3-A3AD-A880-5E9C-0E1ABBC0A463}"/>
               </a:ext>
             </a:extLst>
           </p:cNvPr>
@@ -7537,7 +7551,7 @@
           <p:cNvPr id="3" name="Footer Placeholder 2">
             <a:extLst>
               <a:ext uri="{FF2B5EF4-FFF2-40B4-BE49-F238E27FC236}">
-                <a16:creationId xmlns:a16="http://schemas.microsoft.com/office/drawing/2014/main" id="{0287CE03-B588-8643-02BA-1E1B72567176}"/>
+                <a16:creationId xmlns:a16="http://schemas.microsoft.com/office/drawing/2014/main" xmlns="" id="{0287CE03-B588-8643-02BA-1E1B72567176}"/>
               </a:ext>
             </a:extLst>
           </p:cNvPr>
@@ -7566,7 +7580,7 @@
           <p:cNvPr id="4" name="Slide Number Placeholder 3">
             <a:extLst>
               <a:ext uri="{FF2B5EF4-FFF2-40B4-BE49-F238E27FC236}">
-                <a16:creationId xmlns:a16="http://schemas.microsoft.com/office/drawing/2014/main" id="{953BD585-11D8-30FD-4A30-9F1639F0D149}"/>
+                <a16:creationId xmlns:a16="http://schemas.microsoft.com/office/drawing/2014/main" xmlns="" id="{953BD585-11D8-30FD-4A30-9F1639F0D149}"/>
               </a:ext>
             </a:extLst>
           </p:cNvPr>
@@ -7866,7 +7880,13 @@
               </a:rPr>
               <a:t> </a:t>
             </a:r>
+            <a:r>
+              <a:t/>
+            </a:r>
             <a:br/>
+            <a:r>
+              <a:t/>
+            </a:r>
             <a:br/>
             <a:endParaRPr lang="en-US" sz="2400" b="0" strike="noStrike" spc="-1">
               <a:solidFill>
@@ -8283,7 +8303,7 @@
         <p:spPr>
           <a:xfrm>
             <a:off x="6403680" y="1917361"/>
-            <a:ext cx="4475760" cy="4522861"/>
+            <a:ext cx="4475760" cy="3691865"/>
           </a:xfrm>
           <a:prstGeom prst="rect">
             <a:avLst/>
@@ -8342,61 +8362,6 @@
                 <a:spcPct val="100000"/>
               </a:lnSpc>
             </a:pPr>
-            <a:r>
-              <a:rPr lang="en-GB" sz="1800" b="0" strike="noStrike" spc="-1" dirty="0">
-                <a:solidFill>
-                  <a:srgbClr val="203232"/>
-                </a:solidFill>
-                <a:latin typeface="Arial"/>
-              </a:rPr>
-              <a:t>1. The normal curve overlay </a:t>
-            </a:r>
-            <a:r>
-              <a:rPr lang="en-GB" sz="1800" b="1" i="1" strike="noStrike" spc="-1" dirty="0">
-                <a:solidFill>
-                  <a:srgbClr val="203232"/>
-                </a:solidFill>
-                <a:latin typeface="Arial"/>
-              </a:rPr>
-              <a:t>follows</a:t>
-            </a:r>
-            <a:r>
-              <a:rPr lang="en-GB" sz="1800" b="0" strike="noStrike" spc="-1" dirty="0">
-                <a:solidFill>
-                  <a:srgbClr val="203232"/>
-                </a:solidFill>
-                <a:latin typeface="Arial"/>
-              </a:rPr>
-              <a:t> the contours of the underlying data, so we use the parametric test</a:t>
-            </a:r>
-            <a:r>
-              <a:rPr lang="en-GB" sz="1800" b="0" strike="noStrike" spc="-1" dirty="0">
-                <a:solidFill>
-                  <a:srgbClr val="0073CF"/>
-                </a:solidFill>
-                <a:latin typeface="Arial"/>
-              </a:rPr>
-              <a:t>: t-test.</a:t>
-            </a:r>
-            <a:endParaRPr lang="en-US" sz="1800" b="0" strike="noStrike" spc="-1" dirty="0">
-              <a:latin typeface="Arial"/>
-            </a:endParaRPr>
-          </a:p>
-          <a:p>
-            <a:pPr>
-              <a:lnSpc>
-                <a:spcPct val="100000"/>
-              </a:lnSpc>
-            </a:pPr>
-            <a:r>
-              <a:rPr lang="en-GB" sz="1800" b="0" strike="noStrike" spc="-1" dirty="0">
-                <a:solidFill>
-                  <a:srgbClr val="0073CF"/>
-                </a:solidFill>
-                <a:latin typeface="Arial"/>
-              </a:rPr>
-              <a:t>OR</a:t>
-            </a:r>
             <a:endParaRPr lang="en-US" sz="1800" b="0" strike="noStrike" spc="-1" dirty="0">
               <a:latin typeface="Arial"/>
             </a:endParaRPr>
@@ -8511,7 +8476,7 @@
           <p:cNvPr id="3" name="Picture 2">
             <a:extLst>
               <a:ext uri="{FF2B5EF4-FFF2-40B4-BE49-F238E27FC236}">
-                <a16:creationId xmlns:a16="http://schemas.microsoft.com/office/drawing/2014/main" id="{5FC077B9-887F-6053-0043-B273906FEA39}"/>
+                <a16:creationId xmlns:a16="http://schemas.microsoft.com/office/drawing/2014/main" xmlns="" id="{5FC077B9-887F-6053-0043-B273906FEA39}"/>
               </a:ext>
             </a:extLst>
           </p:cNvPr>
@@ -8731,7 +8696,7 @@
           <p:cNvPr id="2" name="TextBox 1">
             <a:extLst>
               <a:ext uri="{FF2B5EF4-FFF2-40B4-BE49-F238E27FC236}">
-                <a16:creationId xmlns:a16="http://schemas.microsoft.com/office/drawing/2014/main" id="{58BC67A1-346D-734F-321E-2098D1481674}"/>
+                <a16:creationId xmlns:a16="http://schemas.microsoft.com/office/drawing/2014/main" xmlns="" id="{58BC67A1-346D-734F-321E-2098D1481674}"/>
               </a:ext>
             </a:extLst>
           </p:cNvPr>
@@ -8917,7 +8882,7 @@
     </a:clrScheme>
     <a:fontScheme name="Arial">
       <a:majorFont>
-        <a:latin typeface="Arial" panose="020B0604020202020204"/>
+        <a:latin typeface="Arial"/>
         <a:ea typeface=""/>
         <a:cs typeface=""/>
         <a:font script="Jpan" typeface="ＭＳ Ｐゴシック"/>
@@ -8952,7 +8917,7 @@
         <a:font script="Geor" typeface="Sylfaen"/>
       </a:majorFont>
       <a:minorFont>
-        <a:latin typeface="Arial" panose="020B0604020202020204"/>
+        <a:latin typeface="Arial"/>
         <a:ea typeface=""/>
         <a:cs typeface=""/>
         <a:font script="Jpan" typeface="ＭＳ Ｐゴシック"/>
@@ -9129,7 +9094,7 @@
   <a:extraClrSchemeLst/>
   <a:extLst>
     <a:ext uri="{05A4C25C-085E-4340-85A3-A5531E510DB2}">
-      <thm15:themeFamily xmlns:thm15="http://schemas.microsoft.com/office/thememl/2012/main" name="Office Theme" id="{62F939B6-93AF-4DB8-9C6B-D6C7DFDC589F}" vid="{4A3C46E8-61CC-4603-A589-7422A47A8E4A}"/>
+      <thm15:themeFamily xmlns:thm15="http://schemas.microsoft.com/office/thememl/2012/main" xmlns="" name="Office Theme" id="{62F939B6-93AF-4DB8-9C6B-D6C7DFDC589F}" vid="{4A3C46E8-61CC-4603-A589-7422A47A8E4A}"/>
     </a:ext>
   </a:extLst>
 </a:theme>
@@ -9424,7 +9389,7 @@
   <a:extraClrSchemeLst/>
   <a:extLst>
     <a:ext uri="{05A4C25C-085E-4340-85A3-A5531E510DB2}">
-      <thm15:themeFamily xmlns:thm15="http://schemas.microsoft.com/office/thememl/2012/main" name="Office Theme" id="{62F939B6-93AF-4DB8-9C6B-D6C7DFDC589F}" vid="{4A3C46E8-61CC-4603-A589-7422A47A8E4A}"/>
+      <thm15:themeFamily xmlns:thm15="http://schemas.microsoft.com/office/thememl/2012/main" xmlns="" name="Office Theme" id="{62F939B6-93AF-4DB8-9C6B-D6C7DFDC589F}" vid="{4A3C46E8-61CC-4603-A589-7422A47A8E4A}"/>
     </a:ext>
   </a:extLst>
 </a:theme>
@@ -9719,30 +9684,13 @@
   <a:extraClrSchemeLst/>
   <a:extLst>
     <a:ext uri="{05A4C25C-085E-4340-85A3-A5531E510DB2}">
-      <thm15:themeFamily xmlns:thm15="http://schemas.microsoft.com/office/thememl/2012/main" name="Office Theme" id="{62F939B6-93AF-4DB8-9C6B-D6C7DFDC589F}" vid="{4A3C46E8-61CC-4603-A589-7422A47A8E4A}"/>
+      <thm15:themeFamily xmlns:thm15="http://schemas.microsoft.com/office/thememl/2012/main" xmlns="" name="Office Theme" id="{62F939B6-93AF-4DB8-9C6B-D6C7DFDC589F}" vid="{4A3C46E8-61CC-4603-A589-7422A47A8E4A}"/>
     </a:ext>
   </a:extLst>
 </a:theme>
 </file>
 
 <file path=customXml/item1.xml><?xml version="1.0" encoding="utf-8"?>
-<?mso-contentType ?>
-<FormTemplates xmlns="http://schemas.microsoft.com/sharepoint/v3/contenttype/forms">
-  <Display>DocumentLibraryForm</Display>
-  <Edit>DocumentLibraryForm</Edit>
-  <New>DocumentLibraryForm</New>
-</FormTemplates>
-</file>
-
-<file path=customXml/item2.xml><?xml version="1.0" encoding="utf-8"?>
-<p:properties xmlns:p="http://schemas.microsoft.com/office/2006/metadata/properties" xmlns:xsi="http://www.w3.org/2001/XMLSchema-instance" xmlns:pc="http://schemas.microsoft.com/office/infopath/2007/PartnerControls">
-  <documentManagement>
-    <Information xmlns="4ad138b4-2b68-4b70-945d-07f8f18b1c9a" xsi:nil="true"/>
-  </documentManagement>
-</p:properties>
-</file>
-
-<file path=customXml/item3.xml><?xml version="1.0" encoding="utf-8"?>
 <ct:contentTypeSchema xmlns:ct="http://schemas.microsoft.com/office/2006/metadata/contentType" xmlns:ma="http://schemas.microsoft.com/office/2006/metadata/properties/metaAttributes" ct:_="" ma:_="" ma:contentTypeName="Document" ma:contentTypeID="0x01010026DBA85F447B164191BB36C258697B67" ma:contentTypeVersion="14" ma:contentTypeDescription="Create a new document." ma:contentTypeScope="" ma:versionID="ea511d05ca7f895fe9556935b5c9af34">
   <xsd:schema xmlns:xsd="http://www.w3.org/2001/XMLSchema" xmlns:xs="http://www.w3.org/2001/XMLSchema" xmlns:p="http://schemas.microsoft.com/office/2006/metadata/properties" xmlns:ns2="4ad138b4-2b68-4b70-945d-07f8f18b1c9a" xmlns:ns3="3c474641-ec36-472f-b125-6b1b0910eaa4" targetNamespace="http://schemas.microsoft.com/office/2006/metadata/properties" ma:root="true" ma:fieldsID="662270106d7a7e100bcac2c5f8d29899" ns2:_="" ns3:_="">
     <xsd:import namespace="4ad138b4-2b68-4b70-945d-07f8f18b1c9a"/>
@@ -9967,10 +9915,38 @@
 </ct:contentTypeSchema>
 </file>
 
+<file path=customXml/item2.xml><?xml version="1.0" encoding="utf-8"?>
+<p:properties xmlns:p="http://schemas.microsoft.com/office/2006/metadata/properties" xmlns:xsi="http://www.w3.org/2001/XMLSchema-instance" xmlns:pc="http://schemas.microsoft.com/office/infopath/2007/PartnerControls">
+  <documentManagement>
+    <Information xmlns="4ad138b4-2b68-4b70-945d-07f8f18b1c9a" xsi:nil="true"/>
+  </documentManagement>
+</p:properties>
+</file>
+
+<file path=customXml/item3.xml><?xml version="1.0" encoding="utf-8"?>
+<?mso-contentType ?>
+<FormTemplates xmlns="http://schemas.microsoft.com/sharepoint/v3/contenttype/forms">
+  <Display>DocumentLibraryForm</Display>
+  <Edit>DocumentLibraryForm</Edit>
+  <New>DocumentLibraryForm</New>
+</FormTemplates>
+</file>
+
 <file path=customXml/itemProps1.xml><?xml version="1.0" encoding="utf-8"?>
-<ds:datastoreItem xmlns:ds="http://schemas.openxmlformats.org/officeDocument/2006/customXml" ds:itemID="{91C521DD-2673-4EE6-BB9B-DC5C3320FFBB}">
+<ds:datastoreItem xmlns:ds="http://schemas.openxmlformats.org/officeDocument/2006/customXml" ds:itemID="{421B8C57-903D-4D0E-8336-7B512F760CD1}">
   <ds:schemaRefs>
-    <ds:schemaRef ds:uri="http://schemas.microsoft.com/sharepoint/v3/contenttype/forms"/>
+    <ds:schemaRef ds:uri="http://schemas.microsoft.com/office/2006/metadata/contentType"/>
+    <ds:schemaRef ds:uri="http://schemas.microsoft.com/office/2006/metadata/properties/metaAttributes"/>
+    <ds:schemaRef ds:uri="http://www.w3.org/2001/XMLSchema"/>
+    <ds:schemaRef ds:uri="http://schemas.microsoft.com/office/2006/metadata/properties"/>
+    <ds:schemaRef ds:uri="4ad138b4-2b68-4b70-945d-07f8f18b1c9a"/>
+    <ds:schemaRef ds:uri="3c474641-ec36-472f-b125-6b1b0910eaa4"/>
+    <ds:schemaRef ds:uri="http://schemas.microsoft.com/office/2006/documentManagement/types"/>
+    <ds:schemaRef ds:uri="http://schemas.microsoft.com/office/infopath/2007/PartnerControls"/>
+    <ds:schemaRef ds:uri="http://schemas.openxmlformats.org/package/2006/metadata/core-properties"/>
+    <ds:schemaRef ds:uri="http://purl.org/dc/elements/1.1/"/>
+    <ds:schemaRef ds:uri="http://purl.org/dc/terms/"/>
+    <ds:schemaRef ds:uri="http://schemas.microsoft.com/internal/obd"/>
   </ds:schemaRefs>
 </ds:datastoreItem>
 </file>
@@ -9993,20 +9969,9 @@
 </file>
 
 <file path=customXml/itemProps3.xml><?xml version="1.0" encoding="utf-8"?>
-<ds:datastoreItem xmlns:ds="http://schemas.openxmlformats.org/officeDocument/2006/customXml" ds:itemID="{421B8C57-903D-4D0E-8336-7B512F760CD1}">
+<ds:datastoreItem xmlns:ds="http://schemas.openxmlformats.org/officeDocument/2006/customXml" ds:itemID="{91C521DD-2673-4EE6-BB9B-DC5C3320FFBB}">
   <ds:schemaRefs>
-    <ds:schemaRef ds:uri="http://schemas.microsoft.com/office/2006/metadata/contentType"/>
-    <ds:schemaRef ds:uri="http://schemas.microsoft.com/office/2006/metadata/properties/metaAttributes"/>
-    <ds:schemaRef ds:uri="http://www.w3.org/2001/XMLSchema"/>
-    <ds:schemaRef ds:uri="http://schemas.microsoft.com/office/2006/metadata/properties"/>
-    <ds:schemaRef ds:uri="4ad138b4-2b68-4b70-945d-07f8f18b1c9a"/>
-    <ds:schemaRef ds:uri="3c474641-ec36-472f-b125-6b1b0910eaa4"/>
-    <ds:schemaRef ds:uri="http://schemas.microsoft.com/office/2006/documentManagement/types"/>
-    <ds:schemaRef ds:uri="http://schemas.microsoft.com/office/infopath/2007/PartnerControls"/>
-    <ds:schemaRef ds:uri="http://schemas.openxmlformats.org/package/2006/metadata/core-properties"/>
-    <ds:schemaRef ds:uri="http://purl.org/dc/elements/1.1/"/>
-    <ds:schemaRef ds:uri="http://purl.org/dc/terms/"/>
-    <ds:schemaRef ds:uri="http://schemas.microsoft.com/internal/obd"/>
+    <ds:schemaRef ds:uri="http://schemas.microsoft.com/sharepoint/v3/contenttype/forms"/>
   </ds:schemaRefs>
 </ds:datastoreItem>
 </file>